--- a/unit_00/html_review/04 JavaScript.pptx
+++ b/unit_00/html_review/04 JavaScript.pptx
@@ -5,7 +5,7 @@
     <p:sldMasterId id="2147483673" r:id="rId4"/>
   </p:sldMasterIdLst>
   <p:notesMasterIdLst>
-    <p:notesMasterId r:id="rId53"/>
+    <p:notesMasterId r:id="rId56"/>
   </p:notesMasterIdLst>
   <p:sldIdLst>
     <p:sldId id="257" r:id="rId5"/>
@@ -47,15 +47,18 @@
     <p:sldId id="340" r:id="rId41"/>
     <p:sldId id="341" r:id="rId42"/>
     <p:sldId id="449" r:id="rId43"/>
-    <p:sldId id="342" r:id="rId44"/>
-    <p:sldId id="344" r:id="rId45"/>
-    <p:sldId id="345" r:id="rId46"/>
-    <p:sldId id="346" r:id="rId47"/>
-    <p:sldId id="347" r:id="rId48"/>
-    <p:sldId id="348" r:id="rId49"/>
-    <p:sldId id="441" r:id="rId50"/>
-    <p:sldId id="280" r:id="rId51"/>
-    <p:sldId id="277" r:id="rId52"/>
+    <p:sldId id="451" r:id="rId44"/>
+    <p:sldId id="342" r:id="rId45"/>
+    <p:sldId id="344" r:id="rId46"/>
+    <p:sldId id="345" r:id="rId47"/>
+    <p:sldId id="346" r:id="rId48"/>
+    <p:sldId id="347" r:id="rId49"/>
+    <p:sldId id="348" r:id="rId50"/>
+    <p:sldId id="450" r:id="rId51"/>
+    <p:sldId id="452" r:id="rId52"/>
+    <p:sldId id="441" r:id="rId53"/>
+    <p:sldId id="280" r:id="rId54"/>
+    <p:sldId id="277" r:id="rId55"/>
   </p:sldIdLst>
   <p:sldSz cx="12192000" cy="6858000"/>
   <p:notesSz cx="6858000" cy="9144000"/>
@@ -1028,7 +1031,7 @@
           <a:p>
             <a:fld id="{913AAEB1-1BB9-43BA-8E44-621D6A53A2EE}" type="slidenum">
               <a:rPr lang="en-US" smtClean="0"/>
-              <a:t>48</a:t>
+              <a:t>51</a:t>
             </a:fld>
             <a:endParaRPr lang="en-US" dirty="0"/>
           </a:p>
@@ -7256,7 +7259,7 @@
               <a:rPr lang="en-US" sz="1800">
                 <a:cs typeface="Arial" pitchFamily="34" charset="0"/>
               </a:rPr>
-              <a:t>Use map(), filter(), and reduce() to implement efficient data processing.</a:t>
+              <a:t>Use filter(), map(), and reduce() to implement efficient data processing.</a:t>
             </a:r>
           </a:p>
           <a:p>
@@ -10913,7 +10916,7 @@
           <a:p>
             <a:r>
               <a:rPr lang="en-US" cap="none"/>
-              <a:t>Functions</a:t>
+              <a:t>Truthy and Falsey</a:t>
             </a:r>
             <a:endParaRPr lang="en-US" cap="none" dirty="0"/>
           </a:p>
@@ -10942,7 +10945,7 @@
           <a:p>
             <a:r>
               <a:rPr lang="en-US"/>
-              <a:t>named, anonymous, lambda syntax</a:t>
+              <a:t>better branching and simpler code with "thruthiness"</a:t>
             </a:r>
             <a:endParaRPr lang="en-US" dirty="0"/>
           </a:p>
@@ -11202,10 +11205,10 @@
       </p:grpSpPr>
       <p:sp>
         <p:nvSpPr>
-          <p:cNvPr id="2" name="Title 1">
+          <p:cNvPr id="5" name="Title 4">
             <a:extLst>
               <a:ext uri="{FF2B5EF4-FFF2-40B4-BE49-F238E27FC236}">
-                <a16:creationId xmlns:a16="http://schemas.microsoft.com/office/drawing/2014/main" id="{BDFAC13C-59B1-436E-B58F-C304E1C705CF}"/>
+                <a16:creationId xmlns:a16="http://schemas.microsoft.com/office/drawing/2014/main" id="{19920336-7909-426F-8081-AFA24B193F14}"/>
               </a:ext>
             </a:extLst>
           </p:cNvPr>
@@ -11218,24 +11221,23 @@
         </p:nvSpPr>
         <p:spPr/>
         <p:txBody>
-          <a:bodyPr>
-            <a:normAutofit/>
-          </a:bodyPr>
-          <a:lstStyle/>
-          <a:p>
-            <a:r>
-              <a:rPr lang="en-US" u="sng" dirty="0"/>
-              <a:t>JavaScript Functions</a:t>
-            </a:r>
-          </a:p>
-        </p:txBody>
-      </p:sp>
-      <p:sp>
-        <p:nvSpPr>
-          <p:cNvPr id="3" name="Content Placeholder 2">
+          <a:bodyPr/>
+          <a:lstStyle/>
+          <a:p>
+            <a:r>
+              <a:rPr lang="en-US" cap="none"/>
+              <a:t>Functions</a:t>
+            </a:r>
+            <a:endParaRPr lang="en-US" cap="none" dirty="0"/>
+          </a:p>
+        </p:txBody>
+      </p:sp>
+      <p:sp>
+        <p:nvSpPr>
+          <p:cNvPr id="6" name="Text Placeholder 5">
             <a:extLst>
               <a:ext uri="{FF2B5EF4-FFF2-40B4-BE49-F238E27FC236}">
-                <a16:creationId xmlns:a16="http://schemas.microsoft.com/office/drawing/2014/main" id="{844A3DC5-46BF-4BFF-8008-98FD467C4904}"/>
+                <a16:creationId xmlns:a16="http://schemas.microsoft.com/office/drawing/2014/main" id="{DAE3D404-51E4-4D64-88D7-AFA22CFBA8F7}"/>
               </a:ext>
             </a:extLst>
           </p:cNvPr>
@@ -11243,50 +11245,31 @@
             <a:spLocks noGrp="1"/>
           </p:cNvSpPr>
           <p:nvPr>
-            <p:ph idx="1"/>
-          </p:nvPr>
-        </p:nvSpPr>
-        <p:spPr/>
-        <p:txBody>
-          <a:bodyPr>
-            <a:normAutofit/>
-          </a:bodyPr>
-          <a:lstStyle/>
-          <a:p>
-            <a:pPr marL="0" indent="0">
-              <a:buNone/>
-            </a:pPr>
-            <a:r>
-              <a:rPr lang="en-US" sz="1800" dirty="0">
-                <a:cs typeface="Arial" panose="020B0604020202020204" pitchFamily="34" charset="0"/>
-              </a:rPr>
-              <a:t>A function is composed of a sequence of statements called the function body. Values can be passed to a function, and a function can return a value</a:t>
-            </a:r>
-          </a:p>
-          <a:p>
-            <a:pPr indent="0">
-              <a:buNone/>
-            </a:pPr>
-            <a:r>
-              <a:rPr lang="en-US" sz="1800" dirty="0">
-                <a:cs typeface="Arial" panose="020B0604020202020204" pitchFamily="34" charset="0"/>
-              </a:rPr>
-              <a:t>In JavaScript, functions are first-class objects, because they can have properties and methods just like any other object. What distinguishes them from other objects is that functions can be called</a:t>
-            </a:r>
-          </a:p>
-          <a:p>
-            <a:pPr indent="0">
-              <a:buNone/>
-            </a:pPr>
-            <a:endParaRPr lang="en-US" sz="1800" dirty="0">
-              <a:cs typeface="Arial" panose="020B0604020202020204" pitchFamily="34" charset="0"/>
-            </a:endParaRPr>
-          </a:p>
-        </p:txBody>
-      </p:sp>
-      <p:sp>
-        <p:nvSpPr>
-          <p:cNvPr id="6" name="Slide Number Placeholder 5"/>
+            <p:ph type="body" idx="1"/>
+          </p:nvPr>
+        </p:nvSpPr>
+        <p:spPr/>
+        <p:txBody>
+          <a:bodyPr/>
+          <a:lstStyle/>
+          <a:p>
+            <a:r>
+              <a:rPr lang="en-US"/>
+              <a:t>named, anonymous, lambda syntax</a:t>
+            </a:r>
+            <a:endParaRPr lang="en-US" dirty="0"/>
+          </a:p>
+        </p:txBody>
+      </p:sp>
+      <p:sp>
+        <p:nvSpPr>
+          <p:cNvPr id="4" name="Slide Number Placeholder 3">
+            <a:extLst>
+              <a:ext uri="{FF2B5EF4-FFF2-40B4-BE49-F238E27FC236}">
+                <a16:creationId xmlns:a16="http://schemas.microsoft.com/office/drawing/2014/main" id="{B3E58610-8DF0-4BC8-B28F-9775BE8BC83F}"/>
+              </a:ext>
+            </a:extLst>
+          </p:cNvPr>
           <p:cNvSpPr>
             <a:spLocks noGrp="1"/>
           </p:cNvSpPr>
@@ -11310,7 +11293,7 @@
     </p:spTree>
     <p:extLst>
       <p:ext uri="{BB962C8B-B14F-4D97-AF65-F5344CB8AC3E}">
-        <p14:creationId xmlns:p14="http://schemas.microsoft.com/office/powerpoint/2010/main" val="3868773643"/>
+        <p14:creationId xmlns:p14="http://schemas.microsoft.com/office/powerpoint/2010/main" val="3422278453"/>
       </p:ext>
     </p:extLst>
   </p:cSld>
@@ -11397,7 +11380,7 @@
               <a:rPr lang="en-US" sz="1800" dirty="0">
                 <a:cs typeface="Arial" panose="020B0604020202020204" pitchFamily="34" charset="0"/>
               </a:rPr>
-              <a:t>JavaScript supports several different kinds of functions, including:</a:t>
+              <a:t>A function is composed of a sequence of statements called the function body. Values can be passed to a function, and a function can return a value</a:t>
             </a:r>
           </a:p>
           <a:p>
@@ -11408,29 +11391,7 @@
               <a:rPr lang="en-US" sz="1800" dirty="0">
                 <a:cs typeface="Arial" panose="020B0604020202020204" pitchFamily="34" charset="0"/>
               </a:rPr>
-              <a:t>Function declarations</a:t>
-            </a:r>
-          </a:p>
-          <a:p>
-            <a:pPr indent="0">
-              <a:buNone/>
-            </a:pPr>
-            <a:r>
-              <a:rPr lang="en-US" sz="1800" dirty="0">
-                <a:cs typeface="Arial" panose="020B0604020202020204" pitchFamily="34" charset="0"/>
-              </a:rPr>
-              <a:t>Function expressions</a:t>
-            </a:r>
-          </a:p>
-          <a:p>
-            <a:pPr indent="0">
-              <a:buNone/>
-            </a:pPr>
-            <a:r>
-              <a:rPr lang="en-US" sz="1800" dirty="0">
-                <a:cs typeface="Arial" panose="020B0604020202020204" pitchFamily="34" charset="0"/>
-              </a:rPr>
-              <a:t>Arrow functions</a:t>
+              <a:t>In JavaScript, functions are first-class objects, because they can have properties and methods just like any other object. What distinguishes them from other objects is that functions can be called</a:t>
             </a:r>
           </a:p>
           <a:p>
@@ -11469,7 +11430,7 @@
     </p:spTree>
     <p:extLst>
       <p:ext uri="{BB962C8B-B14F-4D97-AF65-F5344CB8AC3E}">
-        <p14:creationId xmlns:p14="http://schemas.microsoft.com/office/powerpoint/2010/main" val="1340083743"/>
+        <p14:creationId xmlns:p14="http://schemas.microsoft.com/office/powerpoint/2010/main" val="3868773643"/>
       </p:ext>
     </p:extLst>
   </p:cSld>
@@ -11521,7 +11482,7 @@
           <a:p>
             <a:r>
               <a:rPr lang="en-US" u="sng" dirty="0"/>
-              <a:t>Function Declarations</a:t>
+              <a:t>JavaScript Functions</a:t>
             </a:r>
           </a:p>
         </p:txBody>
@@ -11556,87 +11517,40 @@
               <a:rPr lang="en-US" sz="1800" dirty="0">
                 <a:cs typeface="Arial" panose="020B0604020202020204" pitchFamily="34" charset="0"/>
               </a:rPr>
-              <a:t>JavaScript Function Declaration:</a:t>
-            </a:r>
-          </a:p>
-          <a:p>
-            <a:pPr marL="182880" lvl="1" indent="0">
-              <a:buNone/>
-            </a:pPr>
-            <a:r>
-              <a:rPr lang="en-US" sz="1800" dirty="0">
-                <a:latin typeface="Consolas" panose="020B0609020204030204" pitchFamily="49" charset="0"/>
-              </a:rPr>
-              <a:t>function name([param[, param[, ... param]]]) {</a:t>
-            </a:r>
-          </a:p>
-          <a:p>
-            <a:pPr marL="182880" lvl="1" indent="0">
-              <a:buNone/>
-            </a:pPr>
-            <a:r>
-              <a:rPr lang="en-US" sz="1800" dirty="0">
-                <a:latin typeface="Consolas" panose="020B0609020204030204" pitchFamily="49" charset="0"/>
-              </a:rPr>
-              <a:t>   statements</a:t>
-            </a:r>
-          </a:p>
-          <a:p>
-            <a:pPr marL="182880" lvl="1" indent="0">
-              <a:buNone/>
-            </a:pPr>
-            <a:r>
-              <a:rPr lang="en-US" sz="1800" dirty="0">
-                <a:latin typeface="Consolas" panose="020B0609020204030204" pitchFamily="49" charset="0"/>
-              </a:rPr>
-              <a:t>}</a:t>
-            </a:r>
-          </a:p>
-          <a:p>
-            <a:pPr marL="182880" lvl="1" indent="0">
+              <a:t>JavaScript supports several different kinds of functions, including:</a:t>
+            </a:r>
+          </a:p>
+          <a:p>
+            <a:pPr indent="0">
               <a:buNone/>
             </a:pPr>
             <a:r>
               <a:rPr lang="en-US" sz="1800" dirty="0">
                 <a:cs typeface="Arial" panose="020B0604020202020204" pitchFamily="34" charset="0"/>
               </a:rPr>
-              <a:t>Where </a:t>
-            </a:r>
-            <a:r>
-              <a:rPr lang="en-US" sz="1800" i="1" dirty="0">
-                <a:cs typeface="Arial" panose="020B0604020202020204" pitchFamily="34" charset="0"/>
-              </a:rPr>
-              <a:t>name</a:t>
-            </a:r>
+              <a:t>Function declarations</a:t>
+            </a:r>
+          </a:p>
+          <a:p>
+            <a:pPr indent="0">
+              <a:buNone/>
+            </a:pPr>
             <a:r>
               <a:rPr lang="en-US" sz="1800" dirty="0">
                 <a:cs typeface="Arial" panose="020B0604020202020204" pitchFamily="34" charset="0"/>
               </a:rPr>
-              <a:t> is the name of the function, </a:t>
-            </a:r>
-            <a:r>
-              <a:rPr lang="en-US" sz="1800" i="1" dirty="0">
-                <a:cs typeface="Arial" panose="020B0604020202020204" pitchFamily="34" charset="0"/>
-              </a:rPr>
-              <a:t>[param, …]</a:t>
-            </a:r>
+              <a:t>Function expressions</a:t>
+            </a:r>
+          </a:p>
+          <a:p>
+            <a:pPr indent="0">
+              <a:buNone/>
+            </a:pPr>
             <a:r>
               <a:rPr lang="en-US" sz="1800" dirty="0">
                 <a:cs typeface="Arial" panose="020B0604020202020204" pitchFamily="34" charset="0"/>
               </a:rPr>
-              <a:t> are optional function parameters and </a:t>
-            </a:r>
-            <a:r>
-              <a:rPr lang="en-US" sz="1800" i="1" dirty="0">
-                <a:cs typeface="Arial" panose="020B0604020202020204" pitchFamily="34" charset="0"/>
-              </a:rPr>
-              <a:t>statements</a:t>
-            </a:r>
-            <a:r>
-              <a:rPr lang="en-US" sz="1800" dirty="0">
-                <a:cs typeface="Arial" panose="020B0604020202020204" pitchFamily="34" charset="0"/>
-              </a:rPr>
-              <a:t> comprise the body of the function</a:t>
+              <a:t>Arrow functions</a:t>
             </a:r>
           </a:p>
           <a:p>
@@ -11675,7 +11589,7 @@
     </p:spTree>
     <p:extLst>
       <p:ext uri="{BB962C8B-B14F-4D97-AF65-F5344CB8AC3E}">
-        <p14:creationId xmlns:p14="http://schemas.microsoft.com/office/powerpoint/2010/main" val="48217957"/>
+        <p14:creationId xmlns:p14="http://schemas.microsoft.com/office/powerpoint/2010/main" val="1340083743"/>
       </p:ext>
     </p:extLst>
   </p:cSld>
@@ -11727,7 +11641,7 @@
           <a:p>
             <a:r>
               <a:rPr lang="en-US" u="sng" dirty="0"/>
-              <a:t>Function Expressions</a:t>
+              <a:t>Function Declarations</a:t>
             </a:r>
           </a:p>
         </p:txBody>
@@ -11762,7 +11676,7 @@
               <a:rPr lang="en-US" sz="1800" dirty="0">
                 <a:cs typeface="Arial" panose="020B0604020202020204" pitchFamily="34" charset="0"/>
               </a:rPr>
-              <a:t>JavaScript Function Expression:</a:t>
+              <a:t>JavaScript Function Declaration:</a:t>
             </a:r>
           </a:p>
           <a:p>
@@ -11773,7 +11687,7 @@
               <a:rPr lang="en-US" sz="1800" dirty="0">
                 <a:latin typeface="Consolas" panose="020B0609020204030204" pitchFamily="49" charset="0"/>
               </a:rPr>
-              <a:t>var myFunction = function() {</a:t>
+              <a:t>function name([param[, param[, ... param]]]) {</a:t>
             </a:r>
           </a:p>
           <a:p>
@@ -11784,7 +11698,7 @@
               <a:rPr lang="en-US" sz="1800" dirty="0">
                 <a:latin typeface="Consolas" panose="020B0609020204030204" pitchFamily="49" charset="0"/>
               </a:rPr>
-              <a:t>    statements</a:t>
+              <a:t>   statements</a:t>
             </a:r>
           </a:p>
           <a:p>
@@ -11795,7 +11709,7 @@
               <a:rPr lang="en-US" sz="1800" dirty="0">
                 <a:latin typeface="Consolas" panose="020B0609020204030204" pitchFamily="49" charset="0"/>
               </a:rPr>
-              <a:t>}	</a:t>
+              <a:t>}</a:t>
             </a:r>
           </a:p>
           <a:p>
@@ -11804,43 +11718,45 @@
             </a:pPr>
             <a:r>
               <a:rPr lang="en-US" sz="1800" dirty="0">
-                <a:latin typeface="Consolas" panose="020B0609020204030204" pitchFamily="49" charset="0"/>
                 <a:cs typeface="Arial" panose="020B0604020202020204" pitchFamily="34" charset="0"/>
               </a:rPr>
-              <a:t>OR</a:t>
-            </a:r>
-          </a:p>
-          <a:p>
-            <a:pPr marL="182880" lvl="1" indent="0">
-              <a:buNone/>
-            </a:pPr>
+              <a:t>Where </a:t>
+            </a:r>
+            <a:r>
+              <a:rPr lang="en-US" sz="1800" i="1" dirty="0">
+                <a:cs typeface="Arial" panose="020B0604020202020204" pitchFamily="34" charset="0"/>
+              </a:rPr>
+              <a:t>name</a:t>
+            </a:r>
             <a:r>
               <a:rPr lang="en-US" sz="1800" dirty="0">
-                <a:latin typeface="Consolas" panose="020B0609020204030204" pitchFamily="49" charset="0"/>
-              </a:rPr>
-              <a:t>var myFunction = function namedFunction(){</a:t>
-            </a:r>
-          </a:p>
-          <a:p>
-            <a:pPr marL="182880" lvl="1" indent="0">
-              <a:buNone/>
-            </a:pPr>
+                <a:cs typeface="Arial" panose="020B0604020202020204" pitchFamily="34" charset="0"/>
+              </a:rPr>
+              <a:t> is the name of the function, </a:t>
+            </a:r>
+            <a:r>
+              <a:rPr lang="en-US" sz="1800" i="1" dirty="0">
+                <a:cs typeface="Arial" panose="020B0604020202020204" pitchFamily="34" charset="0"/>
+              </a:rPr>
+              <a:t>[param, …]</a:t>
+            </a:r>
             <a:r>
               <a:rPr lang="en-US" sz="1800" dirty="0">
-                <a:latin typeface="Consolas" panose="020B0609020204030204" pitchFamily="49" charset="0"/>
-              </a:rPr>
-              <a:t>    statements</a:t>
-            </a:r>
-          </a:p>
-          <a:p>
-            <a:pPr marL="182880" lvl="1" indent="0">
-              <a:buNone/>
-            </a:pPr>
+                <a:cs typeface="Arial" panose="020B0604020202020204" pitchFamily="34" charset="0"/>
+              </a:rPr>
+              <a:t> are optional function parameters and </a:t>
+            </a:r>
+            <a:r>
+              <a:rPr lang="en-US" sz="1800" i="1" dirty="0">
+                <a:cs typeface="Arial" panose="020B0604020202020204" pitchFamily="34" charset="0"/>
+              </a:rPr>
+              <a:t>statements</a:t>
+            </a:r>
             <a:r>
               <a:rPr lang="en-US" sz="1800" dirty="0">
-                <a:latin typeface="Consolas" panose="020B0609020204030204" pitchFamily="49" charset="0"/>
-              </a:rPr>
-              <a:t>}</a:t>
+                <a:cs typeface="Arial" panose="020B0604020202020204" pitchFamily="34" charset="0"/>
+              </a:rPr>
+              <a:t> comprise the body of the function</a:t>
             </a:r>
           </a:p>
           <a:p>
@@ -11848,7 +11764,6 @@
               <a:buNone/>
             </a:pPr>
             <a:endParaRPr lang="en-US" sz="1800" dirty="0">
-              <a:latin typeface="Consolas" panose="020B0609020204030204" pitchFamily="49" charset="0"/>
               <a:cs typeface="Arial" panose="020B0604020202020204" pitchFamily="34" charset="0"/>
             </a:endParaRPr>
           </a:p>
@@ -11880,7 +11795,7 @@
     </p:spTree>
     <p:extLst>
       <p:ext uri="{BB962C8B-B14F-4D97-AF65-F5344CB8AC3E}">
-        <p14:creationId xmlns:p14="http://schemas.microsoft.com/office/powerpoint/2010/main" val="3447525623"/>
+        <p14:creationId xmlns:p14="http://schemas.microsoft.com/office/powerpoint/2010/main" val="48217957"/>
       </p:ext>
     </p:extLst>
   </p:cSld>
@@ -11932,7 +11847,7 @@
           <a:p>
             <a:r>
               <a:rPr lang="en-US" u="sng" dirty="0"/>
-              <a:t>Arrow Functions</a:t>
+              <a:t>Function Expressions</a:t>
             </a:r>
           </a:p>
         </p:txBody>
@@ -11967,7 +11882,85 @@
               <a:rPr lang="en-US" sz="1800" dirty="0">
                 <a:cs typeface="Arial" panose="020B0604020202020204" pitchFamily="34" charset="0"/>
               </a:rPr>
-              <a:t>An arrow function expression is a syntactically compact alternative to a regular function expression, although without its own bindings to the this, arguments, super, or new.target keywords. Arrow function expressions are ill suited as methods, and cannot be used as constructors</a:t>
+              <a:t>JavaScript Function Expression:</a:t>
+            </a:r>
+          </a:p>
+          <a:p>
+            <a:pPr marL="182880" lvl="1" indent="0">
+              <a:buNone/>
+            </a:pPr>
+            <a:r>
+              <a:rPr lang="en-US" sz="1800" dirty="0">
+                <a:latin typeface="Consolas" panose="020B0609020204030204" pitchFamily="49" charset="0"/>
+              </a:rPr>
+              <a:t>var myFunction = function() {</a:t>
+            </a:r>
+          </a:p>
+          <a:p>
+            <a:pPr marL="182880" lvl="1" indent="0">
+              <a:buNone/>
+            </a:pPr>
+            <a:r>
+              <a:rPr lang="en-US" sz="1800" dirty="0">
+                <a:latin typeface="Consolas" panose="020B0609020204030204" pitchFamily="49" charset="0"/>
+              </a:rPr>
+              <a:t>    statements</a:t>
+            </a:r>
+          </a:p>
+          <a:p>
+            <a:pPr marL="182880" lvl="1" indent="0">
+              <a:buNone/>
+            </a:pPr>
+            <a:r>
+              <a:rPr lang="en-US" sz="1800" dirty="0">
+                <a:latin typeface="Consolas" panose="020B0609020204030204" pitchFamily="49" charset="0"/>
+              </a:rPr>
+              <a:t>}	</a:t>
+            </a:r>
+          </a:p>
+          <a:p>
+            <a:pPr marL="182880" lvl="1" indent="0">
+              <a:buNone/>
+            </a:pPr>
+            <a:r>
+              <a:rPr lang="en-US" sz="1800" dirty="0">
+                <a:latin typeface="Consolas" panose="020B0609020204030204" pitchFamily="49" charset="0"/>
+                <a:cs typeface="Arial" panose="020B0604020202020204" pitchFamily="34" charset="0"/>
+              </a:rPr>
+              <a:t>OR</a:t>
+            </a:r>
+          </a:p>
+          <a:p>
+            <a:pPr marL="182880" lvl="1" indent="0">
+              <a:buNone/>
+            </a:pPr>
+            <a:r>
+              <a:rPr lang="en-US" sz="1800" dirty="0">
+                <a:latin typeface="Consolas" panose="020B0609020204030204" pitchFamily="49" charset="0"/>
+              </a:rPr>
+              <a:t>var myFunction = function namedFunction(){</a:t>
+            </a:r>
+          </a:p>
+          <a:p>
+            <a:pPr marL="182880" lvl="1" indent="0">
+              <a:buNone/>
+            </a:pPr>
+            <a:r>
+              <a:rPr lang="en-US" sz="1800" dirty="0">
+                <a:latin typeface="Consolas" panose="020B0609020204030204" pitchFamily="49" charset="0"/>
+              </a:rPr>
+              <a:t>    statements</a:t>
+            </a:r>
+          </a:p>
+          <a:p>
+            <a:pPr marL="182880" lvl="1" indent="0">
+              <a:buNone/>
+            </a:pPr>
+            <a:r>
+              <a:rPr lang="en-US" sz="1800" dirty="0">
+                <a:latin typeface="Consolas" panose="020B0609020204030204" pitchFamily="49" charset="0"/>
+              </a:rPr>
+              <a:t>}</a:t>
             </a:r>
           </a:p>
           <a:p>
@@ -12004,55 +11997,10 @@
           </a:p>
         </p:txBody>
       </p:sp>
-      <p:sp>
-        <p:nvSpPr>
-          <p:cNvPr id="4" name="Rectangle 3"/>
-          <p:cNvSpPr/>
-          <p:nvPr/>
-        </p:nvSpPr>
-        <p:spPr>
-          <a:xfrm>
-            <a:off x="812800" y="5248424"/>
-            <a:ext cx="10905067" cy="646331"/>
-          </a:xfrm>
-          <a:prstGeom prst="rect">
-            <a:avLst/>
-          </a:prstGeom>
-        </p:spPr>
-        <p:txBody>
-          <a:bodyPr wrap="square">
-            <a:spAutoFit/>
-          </a:bodyPr>
-          <a:lstStyle/>
-          <a:p>
-            <a:r>
-              <a:rPr lang="en-US" b="1" dirty="0"/>
-              <a:t>Source</a:t>
-            </a:r>
-          </a:p>
-          <a:p>
-            <a:r>
-              <a:rPr lang="en-US" dirty="0">
-                <a:hlinkClick r:id="rId2"/>
-              </a:rPr>
-              <a:t>https://developer.mozilla.org/en-US/docs/Web/JavaScript/Reference/Functions/Arrow_functions</a:t>
-            </a:r>
-            <a:r>
-              <a:rPr lang="en-US" dirty="0"/>
-              <a:t>  </a:t>
-            </a:r>
-            <a:endParaRPr lang="en-US" dirty="0">
-              <a:solidFill>
-                <a:srgbClr val="00B0F0"/>
-              </a:solidFill>
-            </a:endParaRPr>
-          </a:p>
-        </p:txBody>
-      </p:sp>
     </p:spTree>
     <p:extLst>
       <p:ext uri="{BB962C8B-B14F-4D97-AF65-F5344CB8AC3E}">
-        <p14:creationId xmlns:p14="http://schemas.microsoft.com/office/powerpoint/2010/main" val="3662737635"/>
+        <p14:creationId xmlns:p14="http://schemas.microsoft.com/office/powerpoint/2010/main" val="3447525623"/>
       </p:ext>
     </p:extLst>
   </p:cSld>
@@ -12104,7 +12052,7 @@
           <a:p>
             <a:r>
               <a:rPr lang="en-US" u="sng" dirty="0"/>
-              <a:t>Arrow Functions Example</a:t>
+              <a:t>Arrow Functions</a:t>
             </a:r>
           </a:p>
         </p:txBody>
@@ -12137,31 +12085,9 @@
             </a:pPr>
             <a:r>
               <a:rPr lang="en-US" sz="1800" dirty="0">
-                <a:latin typeface="Consolas" panose="020B0609020204030204" pitchFamily="49" charset="0"/>
-              </a:rPr>
-              <a:t>const materials = ['Hydrogen',  'Helium', 'Lithium', 'Beryllium'];</a:t>
-            </a:r>
-          </a:p>
-          <a:p>
-            <a:pPr marL="0" indent="0">
-              <a:buNone/>
-            </a:pPr>
-            <a:r>
-              <a:rPr lang="en-US" sz="1800" dirty="0">
-                <a:latin typeface="Consolas" panose="020B0609020204030204" pitchFamily="49" charset="0"/>
-              </a:rPr>
-              <a:t>console.log(materials.map(material =&gt; material.length));</a:t>
-            </a:r>
-          </a:p>
-          <a:p>
-            <a:pPr marL="0" indent="0">
-              <a:buNone/>
-            </a:pPr>
-            <a:r>
-              <a:rPr lang="en-US" sz="1800" dirty="0">
-                <a:latin typeface="Consolas" panose="020B0609020204030204" pitchFamily="49" charset="0"/>
-              </a:rPr>
-              <a:t>// expected output: Array [8, 6, 7, 9]</a:t>
+                <a:cs typeface="Arial" panose="020B0604020202020204" pitchFamily="34" charset="0"/>
+              </a:rPr>
+              <a:t>An arrow function expression is a syntactically compact alternative to a regular function expression, although without its own bindings to the this, arguments, super, or new.target keywords. Arrow function expressions are ill suited as methods, and cannot be used as constructors</a:t>
             </a:r>
           </a:p>
           <a:p>
@@ -12198,10 +12124,55 @@
           </a:p>
         </p:txBody>
       </p:sp>
+      <p:sp>
+        <p:nvSpPr>
+          <p:cNvPr id="4" name="Rectangle 3"/>
+          <p:cNvSpPr/>
+          <p:nvPr/>
+        </p:nvSpPr>
+        <p:spPr>
+          <a:xfrm>
+            <a:off x="812800" y="5248424"/>
+            <a:ext cx="10905067" cy="646331"/>
+          </a:xfrm>
+          <a:prstGeom prst="rect">
+            <a:avLst/>
+          </a:prstGeom>
+        </p:spPr>
+        <p:txBody>
+          <a:bodyPr wrap="square">
+            <a:spAutoFit/>
+          </a:bodyPr>
+          <a:lstStyle/>
+          <a:p>
+            <a:r>
+              <a:rPr lang="en-US" b="1" dirty="0"/>
+              <a:t>Source</a:t>
+            </a:r>
+          </a:p>
+          <a:p>
+            <a:r>
+              <a:rPr lang="en-US" dirty="0">
+                <a:hlinkClick r:id="rId2"/>
+              </a:rPr>
+              <a:t>https://developer.mozilla.org/en-US/docs/Web/JavaScript/Reference/Functions/Arrow_functions</a:t>
+            </a:r>
+            <a:r>
+              <a:rPr lang="en-US" dirty="0"/>
+              <a:t>  </a:t>
+            </a:r>
+            <a:endParaRPr lang="en-US" dirty="0">
+              <a:solidFill>
+                <a:srgbClr val="00B0F0"/>
+              </a:solidFill>
+            </a:endParaRPr>
+          </a:p>
+        </p:txBody>
+      </p:sp>
     </p:spTree>
     <p:extLst>
       <p:ext uri="{BB962C8B-B14F-4D97-AF65-F5344CB8AC3E}">
-        <p14:creationId xmlns:p14="http://schemas.microsoft.com/office/powerpoint/2010/main" val="2903802820"/>
+        <p14:creationId xmlns:p14="http://schemas.microsoft.com/office/powerpoint/2010/main" val="3662737635"/>
       </p:ext>
     </p:extLst>
   </p:cSld>
@@ -12230,10 +12201,10 @@
       </p:grpSpPr>
       <p:sp>
         <p:nvSpPr>
-          <p:cNvPr id="5" name="Title 4">
+          <p:cNvPr id="2" name="Title 1">
             <a:extLst>
               <a:ext uri="{FF2B5EF4-FFF2-40B4-BE49-F238E27FC236}">
-                <a16:creationId xmlns:a16="http://schemas.microsoft.com/office/drawing/2014/main" id="{19920336-7909-426F-8081-AFA24B193F14}"/>
+                <a16:creationId xmlns:a16="http://schemas.microsoft.com/office/drawing/2014/main" id="{BDFAC13C-59B1-436E-B58F-C304E1C705CF}"/>
               </a:ext>
             </a:extLst>
           </p:cNvPr>
@@ -12246,22 +12217,24 @@
         </p:nvSpPr>
         <p:spPr/>
         <p:txBody>
-          <a:bodyPr/>
-          <a:lstStyle/>
-          <a:p>
-            <a:r>
-              <a:rPr lang="en-US" cap="none" dirty="0"/>
-              <a:t>Conclusion</a:t>
-            </a:r>
-          </a:p>
-        </p:txBody>
-      </p:sp>
-      <p:sp>
-        <p:nvSpPr>
-          <p:cNvPr id="6" name="Text Placeholder 5">
+          <a:bodyPr>
+            <a:normAutofit/>
+          </a:bodyPr>
+          <a:lstStyle/>
+          <a:p>
+            <a:r>
+              <a:rPr lang="en-US" u="sng" dirty="0"/>
+              <a:t>Arrow Functions Example</a:t>
+            </a:r>
+          </a:p>
+        </p:txBody>
+      </p:sp>
+      <p:sp>
+        <p:nvSpPr>
+          <p:cNvPr id="3" name="Content Placeholder 2">
             <a:extLst>
               <a:ext uri="{FF2B5EF4-FFF2-40B4-BE49-F238E27FC236}">
-                <a16:creationId xmlns:a16="http://schemas.microsoft.com/office/drawing/2014/main" id="{DAE3D404-51E4-4D64-88D7-AFA22CFBA8F7}"/>
+                <a16:creationId xmlns:a16="http://schemas.microsoft.com/office/drawing/2014/main" id="{844A3DC5-46BF-4BFF-8008-98FD467C4904}"/>
               </a:ext>
             </a:extLst>
           </p:cNvPr>
@@ -12269,30 +12242,62 @@
             <a:spLocks noGrp="1"/>
           </p:cNvSpPr>
           <p:nvPr>
-            <p:ph type="body" idx="1"/>
-          </p:nvPr>
-        </p:nvSpPr>
-        <p:spPr/>
-        <p:txBody>
-          <a:bodyPr/>
-          <a:lstStyle/>
-          <a:p>
-            <a:r>
-              <a:rPr lang="en-US" dirty="0"/>
-              <a:t>What did we learn today?</a:t>
-            </a:r>
-          </a:p>
-        </p:txBody>
-      </p:sp>
-      <p:sp>
-        <p:nvSpPr>
-          <p:cNvPr id="4" name="Slide Number Placeholder 3">
-            <a:extLst>
-              <a:ext uri="{FF2B5EF4-FFF2-40B4-BE49-F238E27FC236}">
-                <a16:creationId xmlns:a16="http://schemas.microsoft.com/office/drawing/2014/main" id="{B3E58610-8DF0-4BC8-B28F-9775BE8BC83F}"/>
-              </a:ext>
-            </a:extLst>
-          </p:cNvPr>
+            <p:ph idx="1"/>
+          </p:nvPr>
+        </p:nvSpPr>
+        <p:spPr/>
+        <p:txBody>
+          <a:bodyPr>
+            <a:normAutofit/>
+          </a:bodyPr>
+          <a:lstStyle/>
+          <a:p>
+            <a:pPr marL="0" indent="0">
+              <a:buNone/>
+            </a:pPr>
+            <a:r>
+              <a:rPr lang="en-US" sz="1800" dirty="0">
+                <a:latin typeface="Consolas" panose="020B0609020204030204" pitchFamily="49" charset="0"/>
+              </a:rPr>
+              <a:t>const materials = ['Hydrogen',  'Helium', 'Lithium', 'Beryllium'];</a:t>
+            </a:r>
+          </a:p>
+          <a:p>
+            <a:pPr marL="0" indent="0">
+              <a:buNone/>
+            </a:pPr>
+            <a:r>
+              <a:rPr lang="en-US" sz="1800" dirty="0">
+                <a:latin typeface="Consolas" panose="020B0609020204030204" pitchFamily="49" charset="0"/>
+              </a:rPr>
+              <a:t>console.log(materials.map(material =&gt; material.length));</a:t>
+            </a:r>
+          </a:p>
+          <a:p>
+            <a:pPr marL="0" indent="0">
+              <a:buNone/>
+            </a:pPr>
+            <a:r>
+              <a:rPr lang="en-US" sz="1800" dirty="0">
+                <a:latin typeface="Consolas" panose="020B0609020204030204" pitchFamily="49" charset="0"/>
+              </a:rPr>
+              <a:t>// expected output: Array [8, 6, 7, 9]</a:t>
+            </a:r>
+          </a:p>
+          <a:p>
+            <a:pPr indent="0">
+              <a:buNone/>
+            </a:pPr>
+            <a:endParaRPr lang="en-US" sz="1800" dirty="0">
+              <a:latin typeface="Consolas" panose="020B0609020204030204" pitchFamily="49" charset="0"/>
+              <a:cs typeface="Arial" panose="020B0604020202020204" pitchFamily="34" charset="0"/>
+            </a:endParaRPr>
+          </a:p>
+        </p:txBody>
+      </p:sp>
+      <p:sp>
+        <p:nvSpPr>
+          <p:cNvPr id="6" name="Slide Number Placeholder 5"/>
           <p:cNvSpPr>
             <a:spLocks noGrp="1"/>
           </p:cNvSpPr>
@@ -12316,7 +12321,7 @@
     </p:spTree>
     <p:extLst>
       <p:ext uri="{BB962C8B-B14F-4D97-AF65-F5344CB8AC3E}">
-        <p14:creationId xmlns:p14="http://schemas.microsoft.com/office/powerpoint/2010/main" val="2001641725"/>
+        <p14:creationId xmlns:p14="http://schemas.microsoft.com/office/powerpoint/2010/main" val="2903802820"/>
       </p:ext>
     </p:extLst>
   </p:cSld>
@@ -12345,10 +12350,10 @@
       </p:grpSpPr>
       <p:sp>
         <p:nvSpPr>
-          <p:cNvPr id="2" name="Title 1">
+          <p:cNvPr id="5" name="Title 4">
             <a:extLst>
               <a:ext uri="{FF2B5EF4-FFF2-40B4-BE49-F238E27FC236}">
-                <a16:creationId xmlns:a16="http://schemas.microsoft.com/office/drawing/2014/main" id="{BDFAC13C-59B1-436E-B58F-C304E1C705CF}"/>
+                <a16:creationId xmlns:a16="http://schemas.microsoft.com/office/drawing/2014/main" id="{19920336-7909-426F-8081-AFA24B193F14}"/>
               </a:ext>
             </a:extLst>
           </p:cNvPr>
@@ -12361,24 +12366,23 @@
         </p:nvSpPr>
         <p:spPr/>
         <p:txBody>
-          <a:bodyPr>
-            <a:normAutofit/>
-          </a:bodyPr>
-          <a:lstStyle/>
-          <a:p>
-            <a:r>
-              <a:rPr lang="en-US" u="sng" dirty="0"/>
-              <a:t>What We Covered</a:t>
-            </a:r>
-          </a:p>
-        </p:txBody>
-      </p:sp>
-      <p:sp>
-        <p:nvSpPr>
-          <p:cNvPr id="3" name="Content Placeholder 2">
+          <a:bodyPr/>
+          <a:lstStyle/>
+          <a:p>
+            <a:r>
+              <a:rPr lang="en-US" cap="none"/>
+              <a:t>filter-map-reduce</a:t>
+            </a:r>
+            <a:endParaRPr lang="en-US" cap="none" dirty="0"/>
+          </a:p>
+        </p:txBody>
+      </p:sp>
+      <p:sp>
+        <p:nvSpPr>
+          <p:cNvPr id="6" name="Text Placeholder 5">
             <a:extLst>
               <a:ext uri="{FF2B5EF4-FFF2-40B4-BE49-F238E27FC236}">
-                <a16:creationId xmlns:a16="http://schemas.microsoft.com/office/drawing/2014/main" id="{844A3DC5-46BF-4BFF-8008-98FD467C4904}"/>
+                <a16:creationId xmlns:a16="http://schemas.microsoft.com/office/drawing/2014/main" id="{DAE3D404-51E4-4D64-88D7-AFA22CFBA8F7}"/>
               </a:ext>
             </a:extLst>
           </p:cNvPr>
@@ -12386,229 +12390,31 @@
             <a:spLocks noGrp="1"/>
           </p:cNvSpPr>
           <p:nvPr>
-            <p:ph idx="1"/>
-          </p:nvPr>
-        </p:nvSpPr>
-        <p:spPr/>
-        <p:txBody>
-          <a:bodyPr>
-            <a:normAutofit/>
-          </a:bodyPr>
-          <a:lstStyle/>
-          <a:p>
-            <a:pPr>
-              <a:lnSpc>
-                <a:spcPct val="100000"/>
-              </a:lnSpc>
-              <a:spcBef>
-                <a:spcPts val="0"/>
-              </a:spcBef>
-              <a:spcAft>
-                <a:spcPts val="600"/>
-              </a:spcAft>
-            </a:pPr>
-            <a:r>
-              <a:rPr lang="en-US" sz="1800">
-                <a:cs typeface="Arial" pitchFamily="34" charset="0"/>
-              </a:rPr>
-              <a:t>Discuss techniques for loading JavaScript files efficiently.</a:t>
-            </a:r>
-          </a:p>
-          <a:p>
-            <a:pPr>
-              <a:lnSpc>
-                <a:spcPct val="100000"/>
-              </a:lnSpc>
-              <a:spcBef>
-                <a:spcPts val="0"/>
-              </a:spcBef>
-              <a:spcAft>
-                <a:spcPts val="600"/>
-              </a:spcAft>
-            </a:pPr>
-            <a:r>
-              <a:rPr lang="en-US" sz="1800">
-                <a:cs typeface="Arial" pitchFamily="34" charset="0"/>
-              </a:rPr>
-              <a:t>Understand the differences between const/let/var.</a:t>
-            </a:r>
-          </a:p>
-          <a:p>
-            <a:pPr>
-              <a:lnSpc>
-                <a:spcPct val="100000"/>
-              </a:lnSpc>
-              <a:spcBef>
-                <a:spcPts val="0"/>
-              </a:spcBef>
-              <a:spcAft>
-                <a:spcPts val="600"/>
-              </a:spcAft>
-            </a:pPr>
-            <a:r>
-              <a:rPr lang="en-US" sz="1800">
-                <a:cs typeface="Arial" pitchFamily="34" charset="0"/>
-              </a:rPr>
-              <a:t>Declare variables with const/let.</a:t>
-            </a:r>
-          </a:p>
-          <a:p>
-            <a:pPr>
-              <a:lnSpc>
-                <a:spcPct val="100000"/>
-              </a:lnSpc>
-              <a:spcBef>
-                <a:spcPts val="0"/>
-              </a:spcBef>
-              <a:spcAft>
-                <a:spcPts val="600"/>
-              </a:spcAft>
-            </a:pPr>
-            <a:r>
-              <a:rPr lang="en-US" sz="1800">
-                <a:cs typeface="Arial" pitchFamily="34" charset="0"/>
-              </a:rPr>
-              <a:t>Use primitive datatypes: string, number, boolean, array, object, undefined</a:t>
-            </a:r>
-          </a:p>
-          <a:p>
-            <a:pPr>
-              <a:lnSpc>
-                <a:spcPct val="100000"/>
-              </a:lnSpc>
-              <a:spcBef>
-                <a:spcPts val="0"/>
-              </a:spcBef>
-              <a:spcAft>
-                <a:spcPts val="600"/>
-              </a:spcAft>
-            </a:pPr>
-            <a:r>
-              <a:rPr lang="en-US" sz="1800">
-                <a:cs typeface="Arial" pitchFamily="34" charset="0"/>
-              </a:rPr>
-              <a:t>Implement branching with if, else, else-if, or ternaries.</a:t>
-            </a:r>
-          </a:p>
-          <a:p>
-            <a:pPr>
-              <a:lnSpc>
-                <a:spcPct val="100000"/>
-              </a:lnSpc>
-              <a:spcBef>
-                <a:spcPts val="0"/>
-              </a:spcBef>
-              <a:spcAft>
-                <a:spcPts val="600"/>
-              </a:spcAft>
-            </a:pPr>
-            <a:r>
-              <a:rPr lang="en-US" sz="1800">
-                <a:cs typeface="Arial" pitchFamily="34" charset="0"/>
-              </a:rPr>
-              <a:t>Implement loops with for, for-of, and for-in.</a:t>
-            </a:r>
-          </a:p>
-          <a:p>
-            <a:pPr>
-              <a:lnSpc>
-                <a:spcPct val="100000"/>
-              </a:lnSpc>
-              <a:spcBef>
-                <a:spcPts val="0"/>
-              </a:spcBef>
-              <a:spcAft>
-                <a:spcPts val="600"/>
-              </a:spcAft>
-            </a:pPr>
-            <a:r>
-              <a:rPr lang="en-US" sz="1800">
-                <a:cs typeface="Arial" pitchFamily="34" charset="0"/>
-              </a:rPr>
-              <a:t>Use falsely and thruthy to improve branching.</a:t>
-            </a:r>
-          </a:p>
-          <a:p>
-            <a:pPr>
-              <a:lnSpc>
-                <a:spcPct val="100000"/>
-              </a:lnSpc>
-              <a:spcBef>
-                <a:spcPts val="0"/>
-              </a:spcBef>
-              <a:spcAft>
-                <a:spcPts val="600"/>
-              </a:spcAft>
-            </a:pPr>
-            <a:r>
-              <a:rPr lang="en-US" sz="1800">
-                <a:cs typeface="Arial" pitchFamily="34" charset="0"/>
-              </a:rPr>
-              <a:t>Understand the differences between the function syntax and arrow syntax.</a:t>
-            </a:r>
-          </a:p>
-          <a:p>
-            <a:pPr>
-              <a:lnSpc>
-                <a:spcPct val="100000"/>
-              </a:lnSpc>
-              <a:spcBef>
-                <a:spcPts val="0"/>
-              </a:spcBef>
-              <a:spcAft>
-                <a:spcPts val="600"/>
-              </a:spcAft>
-            </a:pPr>
-            <a:r>
-              <a:rPr lang="en-US" sz="1800">
-                <a:cs typeface="Arial" pitchFamily="34" charset="0"/>
-              </a:rPr>
-              <a:t>Write functions with the function syntax or arrow syntax.</a:t>
-            </a:r>
-          </a:p>
-          <a:p>
-            <a:pPr>
-              <a:lnSpc>
-                <a:spcPct val="100000"/>
-              </a:lnSpc>
-              <a:spcBef>
-                <a:spcPts val="0"/>
-              </a:spcBef>
-              <a:spcAft>
-                <a:spcPts val="600"/>
-              </a:spcAft>
-            </a:pPr>
-            <a:r>
-              <a:rPr lang="en-US" sz="1800">
-                <a:cs typeface="Arial" pitchFamily="34" charset="0"/>
-              </a:rPr>
-              <a:t>Use map(), filter(), and reduce() to implement efficient data processing.</a:t>
-            </a:r>
-          </a:p>
-          <a:p>
-            <a:pPr>
-              <a:lnSpc>
-                <a:spcPct val="100000"/>
-              </a:lnSpc>
-              <a:spcBef>
-                <a:spcPts val="0"/>
-              </a:spcBef>
-              <a:spcAft>
-                <a:spcPts val="600"/>
-              </a:spcAft>
-            </a:pPr>
-            <a:r>
-              <a:rPr lang="en-US" sz="1800">
-                <a:cs typeface="Arial" pitchFamily="34" charset="0"/>
-              </a:rPr>
-              <a:t>Use try-catch to handle errors.</a:t>
-            </a:r>
-          </a:p>
-        </p:txBody>
-      </p:sp>
-      <p:sp>
-        <p:nvSpPr>
-          <p:cNvPr id="5" name="Slide Number Placeholder 4"/>
+            <p:ph type="body" idx="1"/>
+          </p:nvPr>
+        </p:nvSpPr>
+        <p:spPr/>
+        <p:txBody>
+          <a:bodyPr/>
+          <a:lstStyle/>
+          <a:p>
+            <a:r>
+              <a:rPr lang="en-US"/>
+              <a:t>efficient data processing without loops</a:t>
+            </a:r>
+            <a:endParaRPr lang="en-US" dirty="0"/>
+          </a:p>
+        </p:txBody>
+      </p:sp>
+      <p:sp>
+        <p:nvSpPr>
+          <p:cNvPr id="4" name="Slide Number Placeholder 3">
+            <a:extLst>
+              <a:ext uri="{FF2B5EF4-FFF2-40B4-BE49-F238E27FC236}">
+                <a16:creationId xmlns:a16="http://schemas.microsoft.com/office/drawing/2014/main" id="{B3E58610-8DF0-4BC8-B28F-9775BE8BC83F}"/>
+              </a:ext>
+            </a:extLst>
+          </p:cNvPr>
           <p:cNvSpPr>
             <a:spLocks noGrp="1"/>
           </p:cNvSpPr>
@@ -12632,7 +12438,7 @@
     </p:spTree>
     <p:extLst>
       <p:ext uri="{BB962C8B-B14F-4D97-AF65-F5344CB8AC3E}">
-        <p14:creationId xmlns:p14="http://schemas.microsoft.com/office/powerpoint/2010/main" val="2820098090"/>
+        <p14:creationId xmlns:p14="http://schemas.microsoft.com/office/powerpoint/2010/main" val="2223990406"/>
       </p:ext>
     </p:extLst>
   </p:cSld>
@@ -12661,10 +12467,10 @@
       </p:grpSpPr>
       <p:sp>
         <p:nvSpPr>
-          <p:cNvPr id="2" name="Title 1">
+          <p:cNvPr id="5" name="Title 4">
             <a:extLst>
               <a:ext uri="{FF2B5EF4-FFF2-40B4-BE49-F238E27FC236}">
-                <a16:creationId xmlns:a16="http://schemas.microsoft.com/office/drawing/2014/main" id="{BDFAC13C-59B1-436E-B58F-C304E1C705CF}"/>
+                <a16:creationId xmlns:a16="http://schemas.microsoft.com/office/drawing/2014/main" id="{19920336-7909-426F-8081-AFA24B193F14}"/>
               </a:ext>
             </a:extLst>
           </p:cNvPr>
@@ -12677,24 +12483,23 @@
         </p:nvSpPr>
         <p:spPr/>
         <p:txBody>
-          <a:bodyPr>
-            <a:normAutofit/>
-          </a:bodyPr>
-          <a:lstStyle/>
-          <a:p>
-            <a:r>
-              <a:rPr lang="en-US" u="sng" dirty="0"/>
-              <a:t>Some Useful URLs</a:t>
-            </a:r>
-          </a:p>
-        </p:txBody>
-      </p:sp>
-      <p:sp>
-        <p:nvSpPr>
-          <p:cNvPr id="3" name="Content Placeholder 2">
+          <a:bodyPr/>
+          <a:lstStyle/>
+          <a:p>
+            <a:r>
+              <a:rPr lang="en-US" cap="none"/>
+              <a:t>try-catch</a:t>
+            </a:r>
+            <a:endParaRPr lang="en-US" cap="none" dirty="0"/>
+          </a:p>
+        </p:txBody>
+      </p:sp>
+      <p:sp>
+        <p:nvSpPr>
+          <p:cNvPr id="6" name="Text Placeholder 5">
             <a:extLst>
               <a:ext uri="{FF2B5EF4-FFF2-40B4-BE49-F238E27FC236}">
-                <a16:creationId xmlns:a16="http://schemas.microsoft.com/office/drawing/2014/main" id="{844A3DC5-46BF-4BFF-8008-98FD467C4904}"/>
+                <a16:creationId xmlns:a16="http://schemas.microsoft.com/office/drawing/2014/main" id="{DAE3D404-51E4-4D64-88D7-AFA22CFBA8F7}"/>
               </a:ext>
             </a:extLst>
           </p:cNvPr>
@@ -12702,56 +12507,31 @@
             <a:spLocks noGrp="1"/>
           </p:cNvSpPr>
           <p:nvPr>
-            <p:ph idx="1"/>
-          </p:nvPr>
-        </p:nvSpPr>
-        <p:spPr/>
-        <p:txBody>
-          <a:bodyPr>
-            <a:normAutofit/>
-          </a:bodyPr>
-          <a:lstStyle/>
-          <a:p>
-            <a:r>
-              <a:rPr lang="en-US" sz="1800" dirty="0">
-                <a:hlinkClick r:id="rId3"/>
-              </a:rPr>
-              <a:t>https://developer.mozilla.org/en-US/docs/Web/javascript/Reference</a:t>
-            </a:r>
-            <a:endParaRPr lang="en-US" sz="1800" dirty="0"/>
-          </a:p>
-          <a:p>
-            <a:r>
-              <a:rPr lang="en-US" sz="1800" dirty="0">
-                <a:cs typeface="Arial" panose="020B0604020202020204" pitchFamily="34" charset="0"/>
-                <a:hlinkClick r:id="rId4"/>
-              </a:rPr>
-              <a:t>https://developer.mozilla.org/en-US/docs/Learn/JavaScript/First_steps</a:t>
-            </a:r>
-            <a:endParaRPr lang="en-US" sz="1800" dirty="0">
-              <a:cs typeface="Arial" panose="020B0604020202020204" pitchFamily="34" charset="0"/>
-            </a:endParaRPr>
-          </a:p>
-          <a:p>
-            <a:r>
-              <a:rPr lang="en-US" sz="1800" dirty="0">
-                <a:cs typeface="Arial" panose="020B0604020202020204" pitchFamily="34" charset="0"/>
-                <a:hlinkClick r:id="rId5"/>
-              </a:rPr>
-              <a:t>https://www.w3schools.com/js/</a:t>
-            </a:r>
-            <a:r>
-              <a:rPr lang="en-US" sz="1800" dirty="0">
-                <a:cs typeface="Arial" panose="020B0604020202020204" pitchFamily="34" charset="0"/>
-              </a:rPr>
-              <a:t> </a:t>
-            </a:r>
-          </a:p>
-        </p:txBody>
-      </p:sp>
-      <p:sp>
-        <p:nvSpPr>
-          <p:cNvPr id="5" name="Slide Number Placeholder 4"/>
+            <p:ph type="body" idx="1"/>
+          </p:nvPr>
+        </p:nvSpPr>
+        <p:spPr/>
+        <p:txBody>
+          <a:bodyPr/>
+          <a:lstStyle/>
+          <a:p>
+            <a:r>
+              <a:rPr lang="en-US"/>
+              <a:t>handling errors with try-catch</a:t>
+            </a:r>
+            <a:endParaRPr lang="en-US" dirty="0"/>
+          </a:p>
+        </p:txBody>
+      </p:sp>
+      <p:sp>
+        <p:nvSpPr>
+          <p:cNvPr id="4" name="Slide Number Placeholder 3">
+            <a:extLst>
+              <a:ext uri="{FF2B5EF4-FFF2-40B4-BE49-F238E27FC236}">
+                <a16:creationId xmlns:a16="http://schemas.microsoft.com/office/drawing/2014/main" id="{B3E58610-8DF0-4BC8-B28F-9775BE8BC83F}"/>
+              </a:ext>
+            </a:extLst>
+          </p:cNvPr>
           <p:cNvSpPr>
             <a:spLocks noGrp="1"/>
           </p:cNvSpPr>
@@ -12775,7 +12555,122 @@
     </p:spTree>
     <p:extLst>
       <p:ext uri="{BB962C8B-B14F-4D97-AF65-F5344CB8AC3E}">
-        <p14:creationId xmlns:p14="http://schemas.microsoft.com/office/powerpoint/2010/main" val="1805520904"/>
+        <p14:creationId xmlns:p14="http://schemas.microsoft.com/office/powerpoint/2010/main" val="1378313255"/>
+      </p:ext>
+    </p:extLst>
+  </p:cSld>
+  <p:clrMapOvr>
+    <a:masterClrMapping/>
+  </p:clrMapOvr>
+</p:sld>
+</file>
+
+<file path=ppt/slides/slide49.xml><?xml version="1.0" encoding="utf-8"?>
+<p:sld xmlns:a="http://schemas.openxmlformats.org/drawingml/2006/main" xmlns:r="http://schemas.openxmlformats.org/officeDocument/2006/relationships" xmlns:p="http://schemas.openxmlformats.org/presentationml/2006/main">
+  <p:cSld>
+    <p:spTree>
+      <p:nvGrpSpPr>
+        <p:cNvPr id="1" name=""/>
+        <p:cNvGrpSpPr/>
+        <p:nvPr/>
+      </p:nvGrpSpPr>
+      <p:grpSpPr>
+        <a:xfrm>
+          <a:off x="0" y="0"/>
+          <a:ext cx="0" cy="0"/>
+          <a:chOff x="0" y="0"/>
+          <a:chExt cx="0" cy="0"/>
+        </a:xfrm>
+      </p:grpSpPr>
+      <p:sp>
+        <p:nvSpPr>
+          <p:cNvPr id="5" name="Title 4">
+            <a:extLst>
+              <a:ext uri="{FF2B5EF4-FFF2-40B4-BE49-F238E27FC236}">
+                <a16:creationId xmlns:a16="http://schemas.microsoft.com/office/drawing/2014/main" id="{19920336-7909-426F-8081-AFA24B193F14}"/>
+              </a:ext>
+            </a:extLst>
+          </p:cNvPr>
+          <p:cNvSpPr>
+            <a:spLocks noGrp="1"/>
+          </p:cNvSpPr>
+          <p:nvPr>
+            <p:ph type="title"/>
+          </p:nvPr>
+        </p:nvSpPr>
+        <p:spPr/>
+        <p:txBody>
+          <a:bodyPr/>
+          <a:lstStyle/>
+          <a:p>
+            <a:r>
+              <a:rPr lang="en-US" cap="none" dirty="0"/>
+              <a:t>Conclusion</a:t>
+            </a:r>
+          </a:p>
+        </p:txBody>
+      </p:sp>
+      <p:sp>
+        <p:nvSpPr>
+          <p:cNvPr id="6" name="Text Placeholder 5">
+            <a:extLst>
+              <a:ext uri="{FF2B5EF4-FFF2-40B4-BE49-F238E27FC236}">
+                <a16:creationId xmlns:a16="http://schemas.microsoft.com/office/drawing/2014/main" id="{DAE3D404-51E4-4D64-88D7-AFA22CFBA8F7}"/>
+              </a:ext>
+            </a:extLst>
+          </p:cNvPr>
+          <p:cNvSpPr>
+            <a:spLocks noGrp="1"/>
+          </p:cNvSpPr>
+          <p:nvPr>
+            <p:ph type="body" idx="1"/>
+          </p:nvPr>
+        </p:nvSpPr>
+        <p:spPr/>
+        <p:txBody>
+          <a:bodyPr/>
+          <a:lstStyle/>
+          <a:p>
+            <a:r>
+              <a:rPr lang="en-US" dirty="0"/>
+              <a:t>What did we learn today?</a:t>
+            </a:r>
+          </a:p>
+        </p:txBody>
+      </p:sp>
+      <p:sp>
+        <p:nvSpPr>
+          <p:cNvPr id="4" name="Slide Number Placeholder 3">
+            <a:extLst>
+              <a:ext uri="{FF2B5EF4-FFF2-40B4-BE49-F238E27FC236}">
+                <a16:creationId xmlns:a16="http://schemas.microsoft.com/office/drawing/2014/main" id="{B3E58610-8DF0-4BC8-B28F-9775BE8BC83F}"/>
+              </a:ext>
+            </a:extLst>
+          </p:cNvPr>
+          <p:cNvSpPr>
+            <a:spLocks noGrp="1"/>
+          </p:cNvSpPr>
+          <p:nvPr>
+            <p:ph type="sldNum" sz="quarter" idx="12"/>
+          </p:nvPr>
+        </p:nvSpPr>
+        <p:spPr/>
+        <p:txBody>
+          <a:bodyPr/>
+          <a:lstStyle/>
+          <a:p>
+            <a:fld id="{34B7E4EF-A1BD-40F4-AB7B-04F084DD991D}" type="slidenum">
+              <a:rPr lang="en-US" smtClean="0"/>
+              <a:t>49</a:t>
+            </a:fld>
+            <a:endParaRPr lang="en-US" dirty="0"/>
+          </a:p>
+        </p:txBody>
+      </p:sp>
+    </p:spTree>
+    <p:extLst>
+      <p:ext uri="{BB962C8B-B14F-4D97-AF65-F5344CB8AC3E}">
+        <p14:creationId xmlns:p14="http://schemas.microsoft.com/office/powerpoint/2010/main" val="2001641725"/>
       </p:ext>
     </p:extLst>
   </p:cSld>
@@ -12978,6 +12873,465 @@
     <p:extLst>
       <p:ext uri="{BB962C8B-B14F-4D97-AF65-F5344CB8AC3E}">
         <p14:creationId xmlns:p14="http://schemas.microsoft.com/office/powerpoint/2010/main" val="2332755127"/>
+      </p:ext>
+    </p:extLst>
+  </p:cSld>
+  <p:clrMapOvr>
+    <a:masterClrMapping/>
+  </p:clrMapOvr>
+</p:sld>
+</file>
+
+<file path=ppt/slides/slide50.xml><?xml version="1.0" encoding="utf-8"?>
+<p:sld xmlns:a="http://schemas.openxmlformats.org/drawingml/2006/main" xmlns:r="http://schemas.openxmlformats.org/officeDocument/2006/relationships" xmlns:p="http://schemas.openxmlformats.org/presentationml/2006/main">
+  <p:cSld>
+    <p:spTree>
+      <p:nvGrpSpPr>
+        <p:cNvPr id="1" name=""/>
+        <p:cNvGrpSpPr/>
+        <p:nvPr/>
+      </p:nvGrpSpPr>
+      <p:grpSpPr>
+        <a:xfrm>
+          <a:off x="0" y="0"/>
+          <a:ext cx="0" cy="0"/>
+          <a:chOff x="0" y="0"/>
+          <a:chExt cx="0" cy="0"/>
+        </a:xfrm>
+      </p:grpSpPr>
+      <p:sp>
+        <p:nvSpPr>
+          <p:cNvPr id="2" name="Title 1">
+            <a:extLst>
+              <a:ext uri="{FF2B5EF4-FFF2-40B4-BE49-F238E27FC236}">
+                <a16:creationId xmlns:a16="http://schemas.microsoft.com/office/drawing/2014/main" id="{BDFAC13C-59B1-436E-B58F-C304E1C705CF}"/>
+              </a:ext>
+            </a:extLst>
+          </p:cNvPr>
+          <p:cNvSpPr>
+            <a:spLocks noGrp="1"/>
+          </p:cNvSpPr>
+          <p:nvPr>
+            <p:ph type="title"/>
+          </p:nvPr>
+        </p:nvSpPr>
+        <p:spPr/>
+        <p:txBody>
+          <a:bodyPr>
+            <a:normAutofit/>
+          </a:bodyPr>
+          <a:lstStyle/>
+          <a:p>
+            <a:r>
+              <a:rPr lang="en-US" u="sng" dirty="0"/>
+              <a:t>What We Covered</a:t>
+            </a:r>
+          </a:p>
+        </p:txBody>
+      </p:sp>
+      <p:sp>
+        <p:nvSpPr>
+          <p:cNvPr id="3" name="Content Placeholder 2">
+            <a:extLst>
+              <a:ext uri="{FF2B5EF4-FFF2-40B4-BE49-F238E27FC236}">
+                <a16:creationId xmlns:a16="http://schemas.microsoft.com/office/drawing/2014/main" id="{844A3DC5-46BF-4BFF-8008-98FD467C4904}"/>
+              </a:ext>
+            </a:extLst>
+          </p:cNvPr>
+          <p:cNvSpPr>
+            <a:spLocks noGrp="1"/>
+          </p:cNvSpPr>
+          <p:nvPr>
+            <p:ph idx="1"/>
+          </p:nvPr>
+        </p:nvSpPr>
+        <p:spPr/>
+        <p:txBody>
+          <a:bodyPr>
+            <a:normAutofit/>
+          </a:bodyPr>
+          <a:lstStyle/>
+          <a:p>
+            <a:pPr>
+              <a:lnSpc>
+                <a:spcPct val="100000"/>
+              </a:lnSpc>
+              <a:spcBef>
+                <a:spcPts val="0"/>
+              </a:spcBef>
+              <a:spcAft>
+                <a:spcPts val="600"/>
+              </a:spcAft>
+            </a:pPr>
+            <a:r>
+              <a:rPr lang="en-US" sz="1800">
+                <a:cs typeface="Arial" pitchFamily="34" charset="0"/>
+              </a:rPr>
+              <a:t>Discuss techniques for loading JavaScript files efficiently.</a:t>
+            </a:r>
+          </a:p>
+          <a:p>
+            <a:pPr>
+              <a:lnSpc>
+                <a:spcPct val="100000"/>
+              </a:lnSpc>
+              <a:spcBef>
+                <a:spcPts val="0"/>
+              </a:spcBef>
+              <a:spcAft>
+                <a:spcPts val="600"/>
+              </a:spcAft>
+            </a:pPr>
+            <a:r>
+              <a:rPr lang="en-US" sz="1800">
+                <a:cs typeface="Arial" pitchFamily="34" charset="0"/>
+              </a:rPr>
+              <a:t>Understand the differences between const/let/var.</a:t>
+            </a:r>
+          </a:p>
+          <a:p>
+            <a:pPr>
+              <a:lnSpc>
+                <a:spcPct val="100000"/>
+              </a:lnSpc>
+              <a:spcBef>
+                <a:spcPts val="0"/>
+              </a:spcBef>
+              <a:spcAft>
+                <a:spcPts val="600"/>
+              </a:spcAft>
+            </a:pPr>
+            <a:r>
+              <a:rPr lang="en-US" sz="1800">
+                <a:cs typeface="Arial" pitchFamily="34" charset="0"/>
+              </a:rPr>
+              <a:t>Declare variables with const/let.</a:t>
+            </a:r>
+          </a:p>
+          <a:p>
+            <a:pPr>
+              <a:lnSpc>
+                <a:spcPct val="100000"/>
+              </a:lnSpc>
+              <a:spcBef>
+                <a:spcPts val="0"/>
+              </a:spcBef>
+              <a:spcAft>
+                <a:spcPts val="600"/>
+              </a:spcAft>
+            </a:pPr>
+            <a:r>
+              <a:rPr lang="en-US" sz="1800">
+                <a:cs typeface="Arial" pitchFamily="34" charset="0"/>
+              </a:rPr>
+              <a:t>Use primitive datatypes: string, number, boolean, array, object, undefined</a:t>
+            </a:r>
+          </a:p>
+          <a:p>
+            <a:pPr>
+              <a:lnSpc>
+                <a:spcPct val="100000"/>
+              </a:lnSpc>
+              <a:spcBef>
+                <a:spcPts val="0"/>
+              </a:spcBef>
+              <a:spcAft>
+                <a:spcPts val="600"/>
+              </a:spcAft>
+            </a:pPr>
+            <a:r>
+              <a:rPr lang="en-US" sz="1800">
+                <a:cs typeface="Arial" pitchFamily="34" charset="0"/>
+              </a:rPr>
+              <a:t>Implement branching with if, else, else-if, or ternaries.</a:t>
+            </a:r>
+          </a:p>
+          <a:p>
+            <a:pPr>
+              <a:lnSpc>
+                <a:spcPct val="100000"/>
+              </a:lnSpc>
+              <a:spcBef>
+                <a:spcPts val="0"/>
+              </a:spcBef>
+              <a:spcAft>
+                <a:spcPts val="600"/>
+              </a:spcAft>
+            </a:pPr>
+            <a:r>
+              <a:rPr lang="en-US" sz="1800">
+                <a:cs typeface="Arial" pitchFamily="34" charset="0"/>
+              </a:rPr>
+              <a:t>Implement loops with for, for-of, and for-in.</a:t>
+            </a:r>
+          </a:p>
+          <a:p>
+            <a:pPr>
+              <a:lnSpc>
+                <a:spcPct val="100000"/>
+              </a:lnSpc>
+              <a:spcBef>
+                <a:spcPts val="0"/>
+              </a:spcBef>
+              <a:spcAft>
+                <a:spcPts val="600"/>
+              </a:spcAft>
+            </a:pPr>
+            <a:r>
+              <a:rPr lang="en-US" sz="1800">
+                <a:cs typeface="Arial" pitchFamily="34" charset="0"/>
+              </a:rPr>
+              <a:t>Use falsely and thruthy to improve branching.</a:t>
+            </a:r>
+          </a:p>
+          <a:p>
+            <a:pPr>
+              <a:lnSpc>
+                <a:spcPct val="100000"/>
+              </a:lnSpc>
+              <a:spcBef>
+                <a:spcPts val="0"/>
+              </a:spcBef>
+              <a:spcAft>
+                <a:spcPts val="600"/>
+              </a:spcAft>
+            </a:pPr>
+            <a:r>
+              <a:rPr lang="en-US" sz="1800">
+                <a:cs typeface="Arial" pitchFamily="34" charset="0"/>
+              </a:rPr>
+              <a:t>Understand the differences between the function syntax and arrow syntax.</a:t>
+            </a:r>
+          </a:p>
+          <a:p>
+            <a:pPr>
+              <a:lnSpc>
+                <a:spcPct val="100000"/>
+              </a:lnSpc>
+              <a:spcBef>
+                <a:spcPts val="0"/>
+              </a:spcBef>
+              <a:spcAft>
+                <a:spcPts val="600"/>
+              </a:spcAft>
+            </a:pPr>
+            <a:r>
+              <a:rPr lang="en-US" sz="1800">
+                <a:cs typeface="Arial" pitchFamily="34" charset="0"/>
+              </a:rPr>
+              <a:t>Write functions with the function syntax or arrow syntax.</a:t>
+            </a:r>
+          </a:p>
+          <a:p>
+            <a:pPr>
+              <a:lnSpc>
+                <a:spcPct val="100000"/>
+              </a:lnSpc>
+              <a:spcBef>
+                <a:spcPts val="0"/>
+              </a:spcBef>
+              <a:spcAft>
+                <a:spcPts val="600"/>
+              </a:spcAft>
+            </a:pPr>
+            <a:r>
+              <a:rPr lang="en-US" sz="1800">
+                <a:cs typeface="Arial" pitchFamily="34" charset="0"/>
+              </a:rPr>
+              <a:t>Use filter(), map(), and reduce() to implement efficient data processing.</a:t>
+            </a:r>
+          </a:p>
+          <a:p>
+            <a:pPr>
+              <a:lnSpc>
+                <a:spcPct val="100000"/>
+              </a:lnSpc>
+              <a:spcBef>
+                <a:spcPts val="0"/>
+              </a:spcBef>
+              <a:spcAft>
+                <a:spcPts val="600"/>
+              </a:spcAft>
+            </a:pPr>
+            <a:r>
+              <a:rPr lang="en-US" sz="1800">
+                <a:cs typeface="Arial" pitchFamily="34" charset="0"/>
+              </a:rPr>
+              <a:t>Use try-catch to handle errors.</a:t>
+            </a:r>
+          </a:p>
+        </p:txBody>
+      </p:sp>
+      <p:sp>
+        <p:nvSpPr>
+          <p:cNvPr id="5" name="Slide Number Placeholder 4"/>
+          <p:cNvSpPr>
+            <a:spLocks noGrp="1"/>
+          </p:cNvSpPr>
+          <p:nvPr>
+            <p:ph type="sldNum" sz="quarter" idx="12"/>
+          </p:nvPr>
+        </p:nvSpPr>
+        <p:spPr/>
+        <p:txBody>
+          <a:bodyPr/>
+          <a:lstStyle/>
+          <a:p>
+            <a:fld id="{34B7E4EF-A1BD-40F4-AB7B-04F084DD991D}" type="slidenum">
+              <a:rPr lang="en-US" smtClean="0"/>
+              <a:t>50</a:t>
+            </a:fld>
+            <a:endParaRPr lang="en-US" dirty="0"/>
+          </a:p>
+        </p:txBody>
+      </p:sp>
+    </p:spTree>
+    <p:extLst>
+      <p:ext uri="{BB962C8B-B14F-4D97-AF65-F5344CB8AC3E}">
+        <p14:creationId xmlns:p14="http://schemas.microsoft.com/office/powerpoint/2010/main" val="2820098090"/>
+      </p:ext>
+    </p:extLst>
+  </p:cSld>
+  <p:clrMapOvr>
+    <a:masterClrMapping/>
+  </p:clrMapOvr>
+</p:sld>
+</file>
+
+<file path=ppt/slides/slide51.xml><?xml version="1.0" encoding="utf-8"?>
+<p:sld xmlns:a="http://schemas.openxmlformats.org/drawingml/2006/main" xmlns:r="http://schemas.openxmlformats.org/officeDocument/2006/relationships" xmlns:p="http://schemas.openxmlformats.org/presentationml/2006/main">
+  <p:cSld>
+    <p:spTree>
+      <p:nvGrpSpPr>
+        <p:cNvPr id="1" name=""/>
+        <p:cNvGrpSpPr/>
+        <p:nvPr/>
+      </p:nvGrpSpPr>
+      <p:grpSpPr>
+        <a:xfrm>
+          <a:off x="0" y="0"/>
+          <a:ext cx="0" cy="0"/>
+          <a:chOff x="0" y="0"/>
+          <a:chExt cx="0" cy="0"/>
+        </a:xfrm>
+      </p:grpSpPr>
+      <p:sp>
+        <p:nvSpPr>
+          <p:cNvPr id="2" name="Title 1">
+            <a:extLst>
+              <a:ext uri="{FF2B5EF4-FFF2-40B4-BE49-F238E27FC236}">
+                <a16:creationId xmlns:a16="http://schemas.microsoft.com/office/drawing/2014/main" id="{BDFAC13C-59B1-436E-B58F-C304E1C705CF}"/>
+              </a:ext>
+            </a:extLst>
+          </p:cNvPr>
+          <p:cNvSpPr>
+            <a:spLocks noGrp="1"/>
+          </p:cNvSpPr>
+          <p:nvPr>
+            <p:ph type="title"/>
+          </p:nvPr>
+        </p:nvSpPr>
+        <p:spPr/>
+        <p:txBody>
+          <a:bodyPr>
+            <a:normAutofit/>
+          </a:bodyPr>
+          <a:lstStyle/>
+          <a:p>
+            <a:r>
+              <a:rPr lang="en-US" u="sng" dirty="0"/>
+              <a:t>Some Useful URLs</a:t>
+            </a:r>
+          </a:p>
+        </p:txBody>
+      </p:sp>
+      <p:sp>
+        <p:nvSpPr>
+          <p:cNvPr id="3" name="Content Placeholder 2">
+            <a:extLst>
+              <a:ext uri="{FF2B5EF4-FFF2-40B4-BE49-F238E27FC236}">
+                <a16:creationId xmlns:a16="http://schemas.microsoft.com/office/drawing/2014/main" id="{844A3DC5-46BF-4BFF-8008-98FD467C4904}"/>
+              </a:ext>
+            </a:extLst>
+          </p:cNvPr>
+          <p:cNvSpPr>
+            <a:spLocks noGrp="1"/>
+          </p:cNvSpPr>
+          <p:nvPr>
+            <p:ph idx="1"/>
+          </p:nvPr>
+        </p:nvSpPr>
+        <p:spPr/>
+        <p:txBody>
+          <a:bodyPr>
+            <a:normAutofit/>
+          </a:bodyPr>
+          <a:lstStyle/>
+          <a:p>
+            <a:r>
+              <a:rPr lang="en-US" sz="1800" dirty="0">
+                <a:hlinkClick r:id="rId3"/>
+              </a:rPr>
+              <a:t>https://developer.mozilla.org/en-US/docs/Web/javascript/Reference</a:t>
+            </a:r>
+            <a:endParaRPr lang="en-US" sz="1800" dirty="0"/>
+          </a:p>
+          <a:p>
+            <a:r>
+              <a:rPr lang="en-US" sz="1800" dirty="0">
+                <a:cs typeface="Arial" panose="020B0604020202020204" pitchFamily="34" charset="0"/>
+                <a:hlinkClick r:id="rId4"/>
+              </a:rPr>
+              <a:t>https://developer.mozilla.org/en-US/docs/Learn/JavaScript/First_steps</a:t>
+            </a:r>
+            <a:endParaRPr lang="en-US" sz="1800" dirty="0">
+              <a:cs typeface="Arial" panose="020B0604020202020204" pitchFamily="34" charset="0"/>
+            </a:endParaRPr>
+          </a:p>
+          <a:p>
+            <a:r>
+              <a:rPr lang="en-US" sz="1800" dirty="0">
+                <a:cs typeface="Arial" panose="020B0604020202020204" pitchFamily="34" charset="0"/>
+                <a:hlinkClick r:id="rId5"/>
+              </a:rPr>
+              <a:t>https://www.w3schools.com/js/</a:t>
+            </a:r>
+            <a:r>
+              <a:rPr lang="en-US" sz="1800" dirty="0">
+                <a:cs typeface="Arial" panose="020B0604020202020204" pitchFamily="34" charset="0"/>
+              </a:rPr>
+              <a:t> </a:t>
+            </a:r>
+          </a:p>
+        </p:txBody>
+      </p:sp>
+      <p:sp>
+        <p:nvSpPr>
+          <p:cNvPr id="5" name="Slide Number Placeholder 4"/>
+          <p:cNvSpPr>
+            <a:spLocks noGrp="1"/>
+          </p:cNvSpPr>
+          <p:nvPr>
+            <p:ph type="sldNum" sz="quarter" idx="12"/>
+          </p:nvPr>
+        </p:nvSpPr>
+        <p:spPr/>
+        <p:txBody>
+          <a:bodyPr/>
+          <a:lstStyle/>
+          <a:p>
+            <a:fld id="{34B7E4EF-A1BD-40F4-AB7B-04F084DD991D}" type="slidenum">
+              <a:rPr lang="en-US" smtClean="0"/>
+              <a:t>51</a:t>
+            </a:fld>
+            <a:endParaRPr lang="en-US" dirty="0"/>
+          </a:p>
+        </p:txBody>
+      </p:sp>
+    </p:spTree>
+    <p:extLst>
+      <p:ext uri="{BB962C8B-B14F-4D97-AF65-F5344CB8AC3E}">
+        <p14:creationId xmlns:p14="http://schemas.microsoft.com/office/powerpoint/2010/main" val="1805520904"/>
       </p:ext>
     </p:extLst>
   </p:cSld>
@@ -15311,24 +15665,6 @@
 </file>
 
 <file path=customXml/item1.xml><?xml version="1.0" encoding="utf-8"?>
-<?mso-contentType ?>
-<FormTemplates xmlns="http://schemas.microsoft.com/sharepoint/v3/contenttype/forms">
-  <Display>DocumentLibraryForm</Display>
-  <Edit>DocumentLibraryForm</Edit>
-  <New>DocumentLibraryForm</New>
-</FormTemplates>
-</file>
-
-<file path=customXml/item2.xml><?xml version="1.0" encoding="utf-8"?>
-<p:properties xmlns:p="http://schemas.microsoft.com/office/2006/metadata/properties" xmlns:xsi="http://www.w3.org/2001/XMLSchema-instance" xmlns:pc="http://schemas.microsoft.com/office/infopath/2007/PartnerControls">
-  <documentManagement>
-    <Status xmlns="71af3243-3dd4-4a8d-8c0d-dd76da1f02a5">Not started</Status>
-    <MediaServiceKeyPoints xmlns="71af3243-3dd4-4a8d-8c0d-dd76da1f02a5" xsi:nil="true"/>
-  </documentManagement>
-</p:properties>
-</file>
-
-<file path=customXml/item3.xml><?xml version="1.0" encoding="utf-8"?>
 <ct:contentTypeSchema xmlns:ct="http://schemas.microsoft.com/office/2006/metadata/contentType" xmlns:ma="http://schemas.microsoft.com/office/2006/metadata/properties/metaAttributes" ct:_="" ma:_="" ma:contentTypeName="Document" ma:contentTypeID="0x01010079F111ED35F8CC479449609E8A0923A6" ma:contentTypeVersion="12" ma:contentTypeDescription="Create a new document." ma:contentTypeScope="" ma:versionID="a410dd7f93c95333ffa1b60ed6adedd1">
   <xsd:schema xmlns:xsd="http://www.w3.org/2001/XMLSchema" xmlns:xs="http://www.w3.org/2001/XMLSchema" xmlns:p="http://schemas.microsoft.com/office/2006/metadata/properties" xmlns:ns2="71af3243-3dd4-4a8d-8c0d-dd76da1f02a5" xmlns:ns3="16c05727-aa75-4e4a-9b5f-8a80a1165891" targetNamespace="http://schemas.microsoft.com/office/2006/metadata/properties" ma:root="true" ma:fieldsID="a936d9baba76aa3866493feff160faab" ns2:_="" ns3:_="">
     <xsd:import namespace="71af3243-3dd4-4a8d-8c0d-dd76da1f02a5"/>
@@ -15549,32 +15885,25 @@
 </ct:contentTypeSchema>
 </file>
 
-<file path=customXml/itemProps1.xml><?xml version="1.0" encoding="utf-8"?>
-<ds:datastoreItem xmlns:ds="http://schemas.openxmlformats.org/officeDocument/2006/customXml" ds:itemID="{CDB58277-F8DF-46FF-84EC-EF41B835E69F}">
-  <ds:schemaRefs>
-    <ds:schemaRef ds:uri="http://schemas.microsoft.com/sharepoint/v3/contenttype/forms"/>
-  </ds:schemaRefs>
-</ds:datastoreItem>
+<file path=customXml/item2.xml><?xml version="1.0" encoding="utf-8"?>
+<?mso-contentType ?>
+<FormTemplates xmlns="http://schemas.microsoft.com/sharepoint/v3/contenttype/forms">
+  <Display>DocumentLibraryForm</Display>
+  <Edit>DocumentLibraryForm</Edit>
+  <New>DocumentLibraryForm</New>
+</FormTemplates>
 </file>
 
-<file path=customXml/itemProps2.xml><?xml version="1.0" encoding="utf-8"?>
-<ds:datastoreItem xmlns:ds="http://schemas.openxmlformats.org/officeDocument/2006/customXml" ds:itemID="{137651BA-F45C-4845-9AB3-E0A65B39F5E1}">
-  <ds:schemaRefs>
-    <ds:schemaRef ds:uri="http://schemas.microsoft.com/office/2006/documentManagement/types"/>
-    <ds:schemaRef ds:uri="http://schemas.microsoft.com/office/infopath/2007/PartnerControls"/>
-    <ds:schemaRef ds:uri="http://purl.org/dc/elements/1.1/"/>
-    <ds:schemaRef ds:uri="71af3243-3dd4-4a8d-8c0d-dd76da1f02a5"/>
-    <ds:schemaRef ds:uri="http://schemas.microsoft.com/office/2006/metadata/properties"/>
-    <ds:schemaRef ds:uri="16c05727-aa75-4e4a-9b5f-8a80a1165891"/>
-    <ds:schemaRef ds:uri="http://purl.org/dc/terms/"/>
-    <ds:schemaRef ds:uri="http://schemas.openxmlformats.org/package/2006/metadata/core-properties"/>
-    <ds:schemaRef ds:uri="http://www.w3.org/XML/1998/namespace"/>
-    <ds:schemaRef ds:uri="http://purl.org/dc/dcmitype/"/>
-  </ds:schemaRefs>
-</ds:datastoreItem>
+<file path=customXml/item3.xml><?xml version="1.0" encoding="utf-8"?>
+<p:properties xmlns:p="http://schemas.microsoft.com/office/2006/metadata/properties" xmlns:xsi="http://www.w3.org/2001/XMLSchema-instance" xmlns:pc="http://schemas.microsoft.com/office/infopath/2007/PartnerControls">
+  <documentManagement>
+    <Status xmlns="71af3243-3dd4-4a8d-8c0d-dd76da1f02a5">Not started</Status>
+    <MediaServiceKeyPoints xmlns="71af3243-3dd4-4a8d-8c0d-dd76da1f02a5" xsi:nil="true"/>
+  </documentManagement>
+</p:properties>
 </file>
 
-<file path=customXml/itemProps3.xml><?xml version="1.0" encoding="utf-8"?>
+<file path=customXml/itemProps1.xml><?xml version="1.0" encoding="utf-8"?>
 <ds:datastoreItem xmlns:ds="http://schemas.openxmlformats.org/officeDocument/2006/customXml" ds:itemID="{2D276E62-80A3-44DD-9BCC-97ED2B99B57F}">
   <ds:schemaRefs>
     <ds:schemaRef ds:uri="http://schemas.microsoft.com/office/2006/metadata/contentType"/>
@@ -15591,4 +15920,29 @@
     <ds:schemaRef ds:uri="http://schemas.microsoft.com/internal/obd"/>
   </ds:schemaRefs>
 </ds:datastoreItem>
+</file>
+
+<file path=customXml/itemProps2.xml><?xml version="1.0" encoding="utf-8"?>
+<ds:datastoreItem xmlns:ds="http://schemas.openxmlformats.org/officeDocument/2006/customXml" ds:itemID="{CDB58277-F8DF-46FF-84EC-EF41B835E69F}">
+  <ds:schemaRefs>
+    <ds:schemaRef ds:uri="http://schemas.microsoft.com/sharepoint/v3/contenttype/forms"/>
+  </ds:schemaRefs>
+</ds:datastoreItem>
+</file>
+
+<file path=customXml/itemProps3.xml><?xml version="1.0" encoding="utf-8"?>
+<ds:datastoreItem xmlns:ds="http://schemas.openxmlformats.org/officeDocument/2006/customXml" ds:itemID="{137651BA-F45C-4845-9AB3-E0A65B39F5E1}">
+  <ds:schemaRefs>
+    <ds:schemaRef ds:uri="http://schemas.microsoft.com/office/2006/documentManagement/types"/>
+    <ds:schemaRef ds:uri="http://schemas.microsoft.com/office/infopath/2007/PartnerControls"/>
+    <ds:schemaRef ds:uri="http://purl.org/dc/elements/1.1/"/>
+    <ds:schemaRef ds:uri="71af3243-3dd4-4a8d-8c0d-dd76da1f02a5"/>
+    <ds:schemaRef ds:uri="http://schemas.microsoft.com/office/2006/metadata/properties"/>
+    <ds:schemaRef ds:uri="16c05727-aa75-4e4a-9b5f-8a80a1165891"/>
+    <ds:schemaRef ds:uri="http://purl.org/dc/terms/"/>
+    <ds:schemaRef ds:uri="http://schemas.openxmlformats.org/package/2006/metadata/core-properties"/>
+    <ds:schemaRef ds:uri="http://www.w3.org/XML/1998/namespace"/>
+    <ds:schemaRef ds:uri="http://purl.org/dc/dcmitype/"/>
+  </ds:schemaRefs>
+</ds:datastoreItem>
 </file>
--- a/unit_00/html_review/04 JavaScript.pptx
+++ b/unit_00/html_review/04 JavaScript.pptx
@@ -5,7 +5,7 @@
     <p:sldMasterId id="2147483673" r:id="rId4"/>
   </p:sldMasterIdLst>
   <p:notesMasterIdLst>
-    <p:notesMasterId r:id="rId53"/>
+    <p:notesMasterId r:id="rId62"/>
   </p:notesMasterIdLst>
   <p:sldIdLst>
     <p:sldId id="257" r:id="rId5"/>
@@ -52,10 +52,19 @@
     <p:sldId id="482" r:id="rId46"/>
     <p:sldId id="483" r:id="rId47"/>
     <p:sldId id="450" r:id="rId48"/>
-    <p:sldId id="452" r:id="rId49"/>
-    <p:sldId id="441" r:id="rId50"/>
-    <p:sldId id="280" r:id="rId51"/>
-    <p:sldId id="277" r:id="rId52"/>
+    <p:sldId id="485" r:id="rId49"/>
+    <p:sldId id="484" r:id="rId50"/>
+    <p:sldId id="486" r:id="rId51"/>
+    <p:sldId id="487" r:id="rId52"/>
+    <p:sldId id="488" r:id="rId53"/>
+    <p:sldId id="490" r:id="rId54"/>
+    <p:sldId id="489" r:id="rId55"/>
+    <p:sldId id="452" r:id="rId56"/>
+    <p:sldId id="492" r:id="rId57"/>
+    <p:sldId id="491" r:id="rId58"/>
+    <p:sldId id="441" r:id="rId59"/>
+    <p:sldId id="280" r:id="rId60"/>
+    <p:sldId id="277" r:id="rId61"/>
   </p:sldIdLst>
   <p:sldSz cx="12192000" cy="6858000"/>
   <p:notesSz cx="6858000" cy="9144000"/>
@@ -244,7 +253,7 @@
           <a:p>
             <a:fld id="{3F839238-B565-4611-A910-43B731DECEC1}" type="datetimeFigureOut">
               <a:rPr lang="en-US" smtClean="0"/>
-              <a:t>8/5/2020</a:t>
+              <a:t>8/6/2020</a:t>
             </a:fld>
             <a:endParaRPr lang="en-US" dirty="0"/>
           </a:p>
@@ -601,6 +610,895 @@
 </p:notes>
 </file>
 
+<file path=ppt/notesSlides/notesSlide10.xml><?xml version="1.0" encoding="utf-8"?>
+<p:notes xmlns:a="http://schemas.openxmlformats.org/drawingml/2006/main" xmlns:r="http://schemas.openxmlformats.org/officeDocument/2006/relationships" xmlns:p="http://schemas.openxmlformats.org/presentationml/2006/main">
+  <p:cSld>
+    <p:spTree>
+      <p:nvGrpSpPr>
+        <p:cNvPr id="1" name=""/>
+        <p:cNvGrpSpPr/>
+        <p:nvPr/>
+      </p:nvGrpSpPr>
+      <p:grpSpPr>
+        <a:xfrm>
+          <a:off x="0" y="0"/>
+          <a:ext cx="0" cy="0"/>
+          <a:chOff x="0" y="0"/>
+          <a:chExt cx="0" cy="0"/>
+        </a:xfrm>
+      </p:grpSpPr>
+      <p:sp>
+        <p:nvSpPr>
+          <p:cNvPr id="2" name="Slide Image Placeholder 1"/>
+          <p:cNvSpPr>
+            <a:spLocks noGrp="1" noRot="1" noChangeAspect="1"/>
+          </p:cNvSpPr>
+          <p:nvPr>
+            <p:ph type="sldImg"/>
+          </p:nvPr>
+        </p:nvSpPr>
+        <p:spPr/>
+      </p:sp>
+      <p:sp>
+        <p:nvSpPr>
+          <p:cNvPr id="3" name="Notes Placeholder 2"/>
+          <p:cNvSpPr>
+            <a:spLocks noGrp="1"/>
+          </p:cNvSpPr>
+          <p:nvPr>
+            <p:ph type="body" idx="1"/>
+          </p:nvPr>
+        </p:nvSpPr>
+        <p:spPr/>
+        <p:txBody>
+          <a:bodyPr/>
+          <a:lstStyle/>
+          <a:p>
+            <a:r>
+              <a:rPr lang="en-US">
+                <a:hlinkClick r:id="rId3"/>
+              </a:rPr>
+              <a:t>https://twitter.com/steveluscher/status/741089564329054208</a:t>
+            </a:r>
+            <a:endParaRPr lang="en-US"/>
+          </a:p>
+        </p:txBody>
+      </p:sp>
+      <p:sp>
+        <p:nvSpPr>
+          <p:cNvPr id="4" name="Slide Number Placeholder 3"/>
+          <p:cNvSpPr>
+            <a:spLocks noGrp="1"/>
+          </p:cNvSpPr>
+          <p:nvPr>
+            <p:ph type="sldNum" sz="quarter" idx="5"/>
+          </p:nvPr>
+        </p:nvSpPr>
+        <p:spPr/>
+        <p:txBody>
+          <a:bodyPr/>
+          <a:lstStyle/>
+          <a:p>
+            <a:fld id="{913AAEB1-1BB9-43BA-8E44-621D6A53A2EE}" type="slidenum">
+              <a:rPr lang="en-US" smtClean="0"/>
+              <a:t>46</a:t>
+            </a:fld>
+            <a:endParaRPr lang="en-US" dirty="0"/>
+          </a:p>
+        </p:txBody>
+      </p:sp>
+    </p:spTree>
+    <p:extLst>
+      <p:ext uri="{BB962C8B-B14F-4D97-AF65-F5344CB8AC3E}">
+        <p14:creationId xmlns:p14="http://schemas.microsoft.com/office/powerpoint/2010/main" val="1244621595"/>
+      </p:ext>
+    </p:extLst>
+  </p:cSld>
+  <p:clrMapOvr>
+    <a:masterClrMapping/>
+  </p:clrMapOvr>
+</p:notes>
+</file>
+
+<file path=ppt/notesSlides/notesSlide11.xml><?xml version="1.0" encoding="utf-8"?>
+<p:notes xmlns:a="http://schemas.openxmlformats.org/drawingml/2006/main" xmlns:r="http://schemas.openxmlformats.org/officeDocument/2006/relationships" xmlns:p="http://schemas.openxmlformats.org/presentationml/2006/main">
+  <p:cSld>
+    <p:spTree>
+      <p:nvGrpSpPr>
+        <p:cNvPr id="1" name=""/>
+        <p:cNvGrpSpPr/>
+        <p:nvPr/>
+      </p:nvGrpSpPr>
+      <p:grpSpPr>
+        <a:xfrm>
+          <a:off x="0" y="0"/>
+          <a:ext cx="0" cy="0"/>
+          <a:chOff x="0" y="0"/>
+          <a:chExt cx="0" cy="0"/>
+        </a:xfrm>
+      </p:grpSpPr>
+      <p:sp>
+        <p:nvSpPr>
+          <p:cNvPr id="2" name="Slide Image Placeholder 1"/>
+          <p:cNvSpPr>
+            <a:spLocks noGrp="1" noRot="1" noChangeAspect="1"/>
+          </p:cNvSpPr>
+          <p:nvPr>
+            <p:ph type="sldImg"/>
+          </p:nvPr>
+        </p:nvSpPr>
+        <p:spPr/>
+      </p:sp>
+      <p:sp>
+        <p:nvSpPr>
+          <p:cNvPr id="3" name="Notes Placeholder 2"/>
+          <p:cNvSpPr>
+            <a:spLocks noGrp="1"/>
+          </p:cNvSpPr>
+          <p:nvPr>
+            <p:ph type="body" idx="1"/>
+          </p:nvPr>
+        </p:nvSpPr>
+        <p:spPr/>
+        <p:txBody>
+          <a:bodyPr/>
+          <a:lstStyle/>
+          <a:p>
+            <a:r>
+              <a:rPr lang="en-US">
+                <a:hlinkClick r:id="rId3"/>
+              </a:rPr>
+              <a:t>https://medium.com/poka-techblog/simplify-your-javascript-use-map-reduce-and-filter-bd02c593cc2d</a:t>
+            </a:r>
+            <a:endParaRPr lang="en-US"/>
+          </a:p>
+          <a:p>
+            <a:r>
+              <a:rPr lang="en-US">
+                <a:hlinkClick r:id="rId4"/>
+              </a:rPr>
+              <a:t>https://www.freecodecamp.org/news/javascript-map-reduce-and-filter-explained-with-examples/</a:t>
+            </a:r>
+            <a:endParaRPr lang="en-US"/>
+          </a:p>
+        </p:txBody>
+      </p:sp>
+      <p:sp>
+        <p:nvSpPr>
+          <p:cNvPr id="4" name="Slide Number Placeholder 3"/>
+          <p:cNvSpPr>
+            <a:spLocks noGrp="1"/>
+          </p:cNvSpPr>
+          <p:nvPr>
+            <p:ph type="sldNum" sz="quarter" idx="5"/>
+          </p:nvPr>
+        </p:nvSpPr>
+        <p:spPr/>
+        <p:txBody>
+          <a:bodyPr/>
+          <a:lstStyle/>
+          <a:p>
+            <a:fld id="{913AAEB1-1BB9-43BA-8E44-621D6A53A2EE}" type="slidenum">
+              <a:rPr lang="en-US" smtClean="0"/>
+              <a:t>47</a:t>
+            </a:fld>
+            <a:endParaRPr lang="en-US" dirty="0"/>
+          </a:p>
+        </p:txBody>
+      </p:sp>
+    </p:spTree>
+    <p:extLst>
+      <p:ext uri="{BB962C8B-B14F-4D97-AF65-F5344CB8AC3E}">
+        <p14:creationId xmlns:p14="http://schemas.microsoft.com/office/powerpoint/2010/main" val="1645261999"/>
+      </p:ext>
+    </p:extLst>
+  </p:cSld>
+  <p:clrMapOvr>
+    <a:masterClrMapping/>
+  </p:clrMapOvr>
+</p:notes>
+</file>
+
+<file path=ppt/notesSlides/notesSlide12.xml><?xml version="1.0" encoding="utf-8"?>
+<p:notes xmlns:a="http://schemas.openxmlformats.org/drawingml/2006/main" xmlns:r="http://schemas.openxmlformats.org/officeDocument/2006/relationships" xmlns:p="http://schemas.openxmlformats.org/presentationml/2006/main">
+  <p:cSld>
+    <p:spTree>
+      <p:nvGrpSpPr>
+        <p:cNvPr id="1" name=""/>
+        <p:cNvGrpSpPr/>
+        <p:nvPr/>
+      </p:nvGrpSpPr>
+      <p:grpSpPr>
+        <a:xfrm>
+          <a:off x="0" y="0"/>
+          <a:ext cx="0" cy="0"/>
+          <a:chOff x="0" y="0"/>
+          <a:chExt cx="0" cy="0"/>
+        </a:xfrm>
+      </p:grpSpPr>
+      <p:sp>
+        <p:nvSpPr>
+          <p:cNvPr id="2" name="Slide Image Placeholder 1"/>
+          <p:cNvSpPr>
+            <a:spLocks noGrp="1" noRot="1" noChangeAspect="1"/>
+          </p:cNvSpPr>
+          <p:nvPr>
+            <p:ph type="sldImg"/>
+          </p:nvPr>
+        </p:nvSpPr>
+        <p:spPr/>
+      </p:sp>
+      <p:sp>
+        <p:nvSpPr>
+          <p:cNvPr id="3" name="Notes Placeholder 2"/>
+          <p:cNvSpPr>
+            <a:spLocks noGrp="1"/>
+          </p:cNvSpPr>
+          <p:nvPr>
+            <p:ph type="body" idx="1"/>
+          </p:nvPr>
+        </p:nvSpPr>
+        <p:spPr/>
+        <p:txBody>
+          <a:bodyPr/>
+          <a:lstStyle/>
+          <a:p>
+            <a:r>
+              <a:rPr lang="en-US">
+                <a:hlinkClick r:id="rId3"/>
+              </a:rPr>
+              <a:t>https://medium.com/poka-techblog/simplify-your-javascript-use-map-reduce-and-filter-bd02c593cc2d</a:t>
+            </a:r>
+            <a:endParaRPr lang="en-US"/>
+          </a:p>
+          <a:p>
+            <a:r>
+              <a:rPr lang="en-US">
+                <a:hlinkClick r:id="rId4"/>
+              </a:rPr>
+              <a:t>https://www.freecodecamp.org/news/javascript-map-reduce-and-filter-explained-with-examples/</a:t>
+            </a:r>
+            <a:endParaRPr lang="en-US"/>
+          </a:p>
+        </p:txBody>
+      </p:sp>
+      <p:sp>
+        <p:nvSpPr>
+          <p:cNvPr id="4" name="Slide Number Placeholder 3"/>
+          <p:cNvSpPr>
+            <a:spLocks noGrp="1"/>
+          </p:cNvSpPr>
+          <p:nvPr>
+            <p:ph type="sldNum" sz="quarter" idx="5"/>
+          </p:nvPr>
+        </p:nvSpPr>
+        <p:spPr/>
+        <p:txBody>
+          <a:bodyPr/>
+          <a:lstStyle/>
+          <a:p>
+            <a:fld id="{913AAEB1-1BB9-43BA-8E44-621D6A53A2EE}" type="slidenum">
+              <a:rPr lang="en-US" smtClean="0"/>
+              <a:t>48</a:t>
+            </a:fld>
+            <a:endParaRPr lang="en-US" dirty="0"/>
+          </a:p>
+        </p:txBody>
+      </p:sp>
+    </p:spTree>
+    <p:extLst>
+      <p:ext uri="{BB962C8B-B14F-4D97-AF65-F5344CB8AC3E}">
+        <p14:creationId xmlns:p14="http://schemas.microsoft.com/office/powerpoint/2010/main" val="4028186796"/>
+      </p:ext>
+    </p:extLst>
+  </p:cSld>
+  <p:clrMapOvr>
+    <a:masterClrMapping/>
+  </p:clrMapOvr>
+</p:notes>
+</file>
+
+<file path=ppt/notesSlides/notesSlide13.xml><?xml version="1.0" encoding="utf-8"?>
+<p:notes xmlns:a="http://schemas.openxmlformats.org/drawingml/2006/main" xmlns:r="http://schemas.openxmlformats.org/officeDocument/2006/relationships" xmlns:p="http://schemas.openxmlformats.org/presentationml/2006/main">
+  <p:cSld>
+    <p:spTree>
+      <p:nvGrpSpPr>
+        <p:cNvPr id="1" name=""/>
+        <p:cNvGrpSpPr/>
+        <p:nvPr/>
+      </p:nvGrpSpPr>
+      <p:grpSpPr>
+        <a:xfrm>
+          <a:off x="0" y="0"/>
+          <a:ext cx="0" cy="0"/>
+          <a:chOff x="0" y="0"/>
+          <a:chExt cx="0" cy="0"/>
+        </a:xfrm>
+      </p:grpSpPr>
+      <p:sp>
+        <p:nvSpPr>
+          <p:cNvPr id="2" name="Slide Image Placeholder 1"/>
+          <p:cNvSpPr>
+            <a:spLocks noGrp="1" noRot="1" noChangeAspect="1"/>
+          </p:cNvSpPr>
+          <p:nvPr>
+            <p:ph type="sldImg"/>
+          </p:nvPr>
+        </p:nvSpPr>
+        <p:spPr/>
+      </p:sp>
+      <p:sp>
+        <p:nvSpPr>
+          <p:cNvPr id="3" name="Notes Placeholder 2"/>
+          <p:cNvSpPr>
+            <a:spLocks noGrp="1"/>
+          </p:cNvSpPr>
+          <p:nvPr>
+            <p:ph type="body" idx="1"/>
+          </p:nvPr>
+        </p:nvSpPr>
+        <p:spPr/>
+        <p:txBody>
+          <a:bodyPr/>
+          <a:lstStyle/>
+          <a:p>
+            <a:r>
+              <a:rPr lang="en-US">
+                <a:hlinkClick r:id="rId3"/>
+              </a:rPr>
+              <a:t>https://medium.com/poka-techblog/simplify-your-javascript-use-map-reduce-and-filter-bd02c593cc2d</a:t>
+            </a:r>
+            <a:endParaRPr lang="en-US"/>
+          </a:p>
+          <a:p>
+            <a:r>
+              <a:rPr lang="en-US">
+                <a:hlinkClick r:id="rId4"/>
+              </a:rPr>
+              <a:t>https://www.freecodecamp.org/news/javascript-map-reduce-and-filter-explained-with-examples/</a:t>
+            </a:r>
+            <a:endParaRPr lang="en-US"/>
+          </a:p>
+        </p:txBody>
+      </p:sp>
+      <p:sp>
+        <p:nvSpPr>
+          <p:cNvPr id="4" name="Slide Number Placeholder 3"/>
+          <p:cNvSpPr>
+            <a:spLocks noGrp="1"/>
+          </p:cNvSpPr>
+          <p:nvPr>
+            <p:ph type="sldNum" sz="quarter" idx="5"/>
+          </p:nvPr>
+        </p:nvSpPr>
+        <p:spPr/>
+        <p:txBody>
+          <a:bodyPr/>
+          <a:lstStyle/>
+          <a:p>
+            <a:fld id="{913AAEB1-1BB9-43BA-8E44-621D6A53A2EE}" type="slidenum">
+              <a:rPr lang="en-US" smtClean="0"/>
+              <a:t>49</a:t>
+            </a:fld>
+            <a:endParaRPr lang="en-US" dirty="0"/>
+          </a:p>
+        </p:txBody>
+      </p:sp>
+    </p:spTree>
+    <p:extLst>
+      <p:ext uri="{BB962C8B-B14F-4D97-AF65-F5344CB8AC3E}">
+        <p14:creationId xmlns:p14="http://schemas.microsoft.com/office/powerpoint/2010/main" val="3649656272"/>
+      </p:ext>
+    </p:extLst>
+  </p:cSld>
+  <p:clrMapOvr>
+    <a:masterClrMapping/>
+  </p:clrMapOvr>
+</p:notes>
+</file>
+
+<file path=ppt/notesSlides/notesSlide14.xml><?xml version="1.0" encoding="utf-8"?>
+<p:notes xmlns:a="http://schemas.openxmlformats.org/drawingml/2006/main" xmlns:r="http://schemas.openxmlformats.org/officeDocument/2006/relationships" xmlns:p="http://schemas.openxmlformats.org/presentationml/2006/main">
+  <p:cSld>
+    <p:spTree>
+      <p:nvGrpSpPr>
+        <p:cNvPr id="1" name=""/>
+        <p:cNvGrpSpPr/>
+        <p:nvPr/>
+      </p:nvGrpSpPr>
+      <p:grpSpPr>
+        <a:xfrm>
+          <a:off x="0" y="0"/>
+          <a:ext cx="0" cy="0"/>
+          <a:chOff x="0" y="0"/>
+          <a:chExt cx="0" cy="0"/>
+        </a:xfrm>
+      </p:grpSpPr>
+      <p:sp>
+        <p:nvSpPr>
+          <p:cNvPr id="2" name="Slide Image Placeholder 1"/>
+          <p:cNvSpPr>
+            <a:spLocks noGrp="1" noRot="1" noChangeAspect="1"/>
+          </p:cNvSpPr>
+          <p:nvPr>
+            <p:ph type="sldImg"/>
+          </p:nvPr>
+        </p:nvSpPr>
+        <p:spPr/>
+      </p:sp>
+      <p:sp>
+        <p:nvSpPr>
+          <p:cNvPr id="3" name="Notes Placeholder 2"/>
+          <p:cNvSpPr>
+            <a:spLocks noGrp="1"/>
+          </p:cNvSpPr>
+          <p:nvPr>
+            <p:ph type="body" idx="1"/>
+          </p:nvPr>
+        </p:nvSpPr>
+        <p:spPr/>
+        <p:txBody>
+          <a:bodyPr/>
+          <a:lstStyle/>
+          <a:p>
+            <a:r>
+              <a:rPr lang="en-US">
+                <a:hlinkClick r:id="rId3"/>
+              </a:rPr>
+              <a:t>https://medium.com/poka-techblog/simplify-your-javascript-use-map-reduce-and-filter-bd02c593cc2d</a:t>
+            </a:r>
+            <a:endParaRPr lang="en-US"/>
+          </a:p>
+          <a:p>
+            <a:r>
+              <a:rPr lang="en-US">
+                <a:hlinkClick r:id="rId4"/>
+              </a:rPr>
+              <a:t>https://www.freecodecamp.org/news/javascript-map-reduce-and-filter-explained-with-examples/</a:t>
+            </a:r>
+            <a:endParaRPr lang="en-US"/>
+          </a:p>
+        </p:txBody>
+      </p:sp>
+      <p:sp>
+        <p:nvSpPr>
+          <p:cNvPr id="4" name="Slide Number Placeholder 3"/>
+          <p:cNvSpPr>
+            <a:spLocks noGrp="1"/>
+          </p:cNvSpPr>
+          <p:nvPr>
+            <p:ph type="sldNum" sz="quarter" idx="5"/>
+          </p:nvPr>
+        </p:nvSpPr>
+        <p:spPr/>
+        <p:txBody>
+          <a:bodyPr/>
+          <a:lstStyle/>
+          <a:p>
+            <a:fld id="{913AAEB1-1BB9-43BA-8E44-621D6A53A2EE}" type="slidenum">
+              <a:rPr lang="en-US" smtClean="0"/>
+              <a:t>50</a:t>
+            </a:fld>
+            <a:endParaRPr lang="en-US" dirty="0"/>
+          </a:p>
+        </p:txBody>
+      </p:sp>
+    </p:spTree>
+    <p:extLst>
+      <p:ext uri="{BB962C8B-B14F-4D97-AF65-F5344CB8AC3E}">
+        <p14:creationId xmlns:p14="http://schemas.microsoft.com/office/powerpoint/2010/main" val="1986226693"/>
+      </p:ext>
+    </p:extLst>
+  </p:cSld>
+  <p:clrMapOvr>
+    <a:masterClrMapping/>
+  </p:clrMapOvr>
+</p:notes>
+</file>
+
+<file path=ppt/notesSlides/notesSlide15.xml><?xml version="1.0" encoding="utf-8"?>
+<p:notes xmlns:a="http://schemas.openxmlformats.org/drawingml/2006/main" xmlns:r="http://schemas.openxmlformats.org/officeDocument/2006/relationships" xmlns:p="http://schemas.openxmlformats.org/presentationml/2006/main">
+  <p:cSld>
+    <p:spTree>
+      <p:nvGrpSpPr>
+        <p:cNvPr id="1" name=""/>
+        <p:cNvGrpSpPr/>
+        <p:nvPr/>
+      </p:nvGrpSpPr>
+      <p:grpSpPr>
+        <a:xfrm>
+          <a:off x="0" y="0"/>
+          <a:ext cx="0" cy="0"/>
+          <a:chOff x="0" y="0"/>
+          <a:chExt cx="0" cy="0"/>
+        </a:xfrm>
+      </p:grpSpPr>
+      <p:sp>
+        <p:nvSpPr>
+          <p:cNvPr id="2" name="Slide Image Placeholder 1"/>
+          <p:cNvSpPr>
+            <a:spLocks noGrp="1" noRot="1" noChangeAspect="1"/>
+          </p:cNvSpPr>
+          <p:nvPr>
+            <p:ph type="sldImg"/>
+          </p:nvPr>
+        </p:nvSpPr>
+        <p:spPr/>
+      </p:sp>
+      <p:sp>
+        <p:nvSpPr>
+          <p:cNvPr id="3" name="Notes Placeholder 2"/>
+          <p:cNvSpPr>
+            <a:spLocks noGrp="1"/>
+          </p:cNvSpPr>
+          <p:nvPr>
+            <p:ph type="body" idx="1"/>
+          </p:nvPr>
+        </p:nvSpPr>
+        <p:spPr/>
+        <p:txBody>
+          <a:bodyPr/>
+          <a:lstStyle/>
+          <a:p>
+            <a:r>
+              <a:rPr lang="en-US">
+                <a:hlinkClick r:id="rId3"/>
+              </a:rPr>
+              <a:t>https://medium.com/poka-techblog/simplify-your-javascript-use-map-reduce-and-filter-bd02c593cc2d</a:t>
+            </a:r>
+            <a:endParaRPr lang="en-US"/>
+          </a:p>
+          <a:p>
+            <a:r>
+              <a:rPr lang="en-US">
+                <a:hlinkClick r:id="rId4"/>
+              </a:rPr>
+              <a:t>https://www.freecodecamp.org/news/javascript-map-reduce-and-filter-explained-with-examples/</a:t>
+            </a:r>
+            <a:endParaRPr lang="en-US"/>
+          </a:p>
+        </p:txBody>
+      </p:sp>
+      <p:sp>
+        <p:nvSpPr>
+          <p:cNvPr id="4" name="Slide Number Placeholder 3"/>
+          <p:cNvSpPr>
+            <a:spLocks noGrp="1"/>
+          </p:cNvSpPr>
+          <p:nvPr>
+            <p:ph type="sldNum" sz="quarter" idx="5"/>
+          </p:nvPr>
+        </p:nvSpPr>
+        <p:spPr/>
+        <p:txBody>
+          <a:bodyPr/>
+          <a:lstStyle/>
+          <a:p>
+            <a:fld id="{913AAEB1-1BB9-43BA-8E44-621D6A53A2EE}" type="slidenum">
+              <a:rPr lang="en-US" smtClean="0"/>
+              <a:t>51</a:t>
+            </a:fld>
+            <a:endParaRPr lang="en-US" dirty="0"/>
+          </a:p>
+        </p:txBody>
+      </p:sp>
+    </p:spTree>
+    <p:extLst>
+      <p:ext uri="{BB962C8B-B14F-4D97-AF65-F5344CB8AC3E}">
+        <p14:creationId xmlns:p14="http://schemas.microsoft.com/office/powerpoint/2010/main" val="1232741654"/>
+      </p:ext>
+    </p:extLst>
+  </p:cSld>
+  <p:clrMapOvr>
+    <a:masterClrMapping/>
+  </p:clrMapOvr>
+</p:notes>
+</file>
+
+<file path=ppt/notesSlides/notesSlide16.xml><?xml version="1.0" encoding="utf-8"?>
+<p:notes xmlns:a="http://schemas.openxmlformats.org/drawingml/2006/main" xmlns:r="http://schemas.openxmlformats.org/officeDocument/2006/relationships" xmlns:p="http://schemas.openxmlformats.org/presentationml/2006/main">
+  <p:cSld>
+    <p:spTree>
+      <p:nvGrpSpPr>
+        <p:cNvPr id="1" name=""/>
+        <p:cNvGrpSpPr/>
+        <p:nvPr/>
+      </p:nvGrpSpPr>
+      <p:grpSpPr>
+        <a:xfrm>
+          <a:off x="0" y="0"/>
+          <a:ext cx="0" cy="0"/>
+          <a:chOff x="0" y="0"/>
+          <a:chExt cx="0" cy="0"/>
+        </a:xfrm>
+      </p:grpSpPr>
+      <p:sp>
+        <p:nvSpPr>
+          <p:cNvPr id="2" name="Slide Image Placeholder 1"/>
+          <p:cNvSpPr>
+            <a:spLocks noGrp="1" noRot="1" noChangeAspect="1"/>
+          </p:cNvSpPr>
+          <p:nvPr>
+            <p:ph type="sldImg"/>
+          </p:nvPr>
+        </p:nvSpPr>
+        <p:spPr/>
+      </p:sp>
+      <p:sp>
+        <p:nvSpPr>
+          <p:cNvPr id="3" name="Notes Placeholder 2"/>
+          <p:cNvSpPr>
+            <a:spLocks noGrp="1"/>
+          </p:cNvSpPr>
+          <p:nvPr>
+            <p:ph type="body" idx="1"/>
+          </p:nvPr>
+        </p:nvSpPr>
+        <p:spPr/>
+        <p:txBody>
+          <a:bodyPr/>
+          <a:lstStyle/>
+          <a:p>
+            <a:r>
+              <a:rPr lang="en-US">
+                <a:hlinkClick r:id="rId3"/>
+              </a:rPr>
+              <a:t>https://www.youtube.com/watch?v=cFTFtuEQ-10</a:t>
+            </a:r>
+            <a:endParaRPr lang="en-US">
+              <a:hlinkClick r:id="rId4"/>
+            </a:endParaRPr>
+          </a:p>
+          <a:p>
+            <a:r>
+              <a:rPr lang="en-US">
+                <a:hlinkClick r:id="rId4"/>
+              </a:rPr>
+              <a:t>https://developer.mozilla.org/en-US/docs/Web/JavaScript/Reference/Statements/try...catch</a:t>
+            </a:r>
+            <a:endParaRPr lang="en-US"/>
+          </a:p>
+          <a:p>
+            <a:r>
+              <a:rPr lang="en-US">
+                <a:hlinkClick r:id="rId5"/>
+              </a:rPr>
+              <a:t>https://javascript.info/try-catch</a:t>
+            </a:r>
+            <a:endParaRPr lang="en-US"/>
+          </a:p>
+        </p:txBody>
+      </p:sp>
+      <p:sp>
+        <p:nvSpPr>
+          <p:cNvPr id="4" name="Slide Number Placeholder 3"/>
+          <p:cNvSpPr>
+            <a:spLocks noGrp="1"/>
+          </p:cNvSpPr>
+          <p:nvPr>
+            <p:ph type="sldNum" sz="quarter" idx="5"/>
+          </p:nvPr>
+        </p:nvSpPr>
+        <p:spPr/>
+        <p:txBody>
+          <a:bodyPr/>
+          <a:lstStyle/>
+          <a:p>
+            <a:fld id="{913AAEB1-1BB9-43BA-8E44-621D6A53A2EE}" type="slidenum">
+              <a:rPr lang="en-US" smtClean="0"/>
+              <a:t>53</a:t>
+            </a:fld>
+            <a:endParaRPr lang="en-US" dirty="0"/>
+          </a:p>
+        </p:txBody>
+      </p:sp>
+    </p:spTree>
+    <p:extLst>
+      <p:ext uri="{BB962C8B-B14F-4D97-AF65-F5344CB8AC3E}">
+        <p14:creationId xmlns:p14="http://schemas.microsoft.com/office/powerpoint/2010/main" val="2719561539"/>
+      </p:ext>
+    </p:extLst>
+  </p:cSld>
+  <p:clrMapOvr>
+    <a:masterClrMapping/>
+  </p:clrMapOvr>
+</p:notes>
+</file>
+
+<file path=ppt/notesSlides/notesSlide17.xml><?xml version="1.0" encoding="utf-8"?>
+<p:notes xmlns:a="http://schemas.openxmlformats.org/drawingml/2006/main" xmlns:r="http://schemas.openxmlformats.org/officeDocument/2006/relationships" xmlns:p="http://schemas.openxmlformats.org/presentationml/2006/main">
+  <p:cSld>
+    <p:spTree>
+      <p:nvGrpSpPr>
+        <p:cNvPr id="1" name=""/>
+        <p:cNvGrpSpPr/>
+        <p:nvPr/>
+      </p:nvGrpSpPr>
+      <p:grpSpPr>
+        <a:xfrm>
+          <a:off x="0" y="0"/>
+          <a:ext cx="0" cy="0"/>
+          <a:chOff x="0" y="0"/>
+          <a:chExt cx="0" cy="0"/>
+        </a:xfrm>
+      </p:grpSpPr>
+      <p:sp>
+        <p:nvSpPr>
+          <p:cNvPr id="2" name="Slide Image Placeholder 1"/>
+          <p:cNvSpPr>
+            <a:spLocks noGrp="1" noRot="1" noChangeAspect="1"/>
+          </p:cNvSpPr>
+          <p:nvPr>
+            <p:ph type="sldImg"/>
+          </p:nvPr>
+        </p:nvSpPr>
+        <p:spPr/>
+      </p:sp>
+      <p:sp>
+        <p:nvSpPr>
+          <p:cNvPr id="3" name="Notes Placeholder 2"/>
+          <p:cNvSpPr>
+            <a:spLocks noGrp="1"/>
+          </p:cNvSpPr>
+          <p:nvPr>
+            <p:ph type="body" idx="1"/>
+          </p:nvPr>
+        </p:nvSpPr>
+        <p:spPr/>
+        <p:txBody>
+          <a:bodyPr/>
+          <a:lstStyle/>
+          <a:p>
+            <a:r>
+              <a:rPr lang="en-US">
+                <a:hlinkClick r:id="rId3"/>
+              </a:rPr>
+              <a:t>https://www.youtube.com/watch?v=cFTFtuEQ-10</a:t>
+            </a:r>
+            <a:endParaRPr lang="en-US">
+              <a:hlinkClick r:id="rId4"/>
+            </a:endParaRPr>
+          </a:p>
+          <a:p>
+            <a:r>
+              <a:rPr lang="en-US">
+                <a:hlinkClick r:id="rId4"/>
+              </a:rPr>
+              <a:t>https://developer.mozilla.org/en-US/docs/Web/JavaScript/Reference/Statements/try...catch</a:t>
+            </a:r>
+            <a:endParaRPr lang="en-US"/>
+          </a:p>
+          <a:p>
+            <a:r>
+              <a:rPr lang="en-US">
+                <a:hlinkClick r:id="rId5"/>
+              </a:rPr>
+              <a:t>https://javascript.info/try-catch</a:t>
+            </a:r>
+            <a:endParaRPr lang="en-US"/>
+          </a:p>
+        </p:txBody>
+      </p:sp>
+      <p:sp>
+        <p:nvSpPr>
+          <p:cNvPr id="4" name="Slide Number Placeholder 3"/>
+          <p:cNvSpPr>
+            <a:spLocks noGrp="1"/>
+          </p:cNvSpPr>
+          <p:nvPr>
+            <p:ph type="sldNum" sz="quarter" idx="5"/>
+          </p:nvPr>
+        </p:nvSpPr>
+        <p:spPr/>
+        <p:txBody>
+          <a:bodyPr/>
+          <a:lstStyle/>
+          <a:p>
+            <a:fld id="{913AAEB1-1BB9-43BA-8E44-621D6A53A2EE}" type="slidenum">
+              <a:rPr lang="en-US" smtClean="0"/>
+              <a:t>54</a:t>
+            </a:fld>
+            <a:endParaRPr lang="en-US" dirty="0"/>
+          </a:p>
+        </p:txBody>
+      </p:sp>
+    </p:spTree>
+    <p:extLst>
+      <p:ext uri="{BB962C8B-B14F-4D97-AF65-F5344CB8AC3E}">
+        <p14:creationId xmlns:p14="http://schemas.microsoft.com/office/powerpoint/2010/main" val="4114298702"/>
+      </p:ext>
+    </p:extLst>
+  </p:cSld>
+  <p:clrMapOvr>
+    <a:masterClrMapping/>
+  </p:clrMapOvr>
+</p:notes>
+</file>
+
+<file path=ppt/notesSlides/notesSlide18.xml><?xml version="1.0" encoding="utf-8"?>
+<p:notes xmlns:a="http://schemas.openxmlformats.org/drawingml/2006/main" xmlns:r="http://schemas.openxmlformats.org/officeDocument/2006/relationships" xmlns:p="http://schemas.openxmlformats.org/presentationml/2006/main">
+  <p:cSld>
+    <p:spTree>
+      <p:nvGrpSpPr>
+        <p:cNvPr id="1" name=""/>
+        <p:cNvGrpSpPr/>
+        <p:nvPr/>
+      </p:nvGrpSpPr>
+      <p:grpSpPr>
+        <a:xfrm>
+          <a:off x="0" y="0"/>
+          <a:ext cx="0" cy="0"/>
+          <a:chOff x="0" y="0"/>
+          <a:chExt cx="0" cy="0"/>
+        </a:xfrm>
+      </p:grpSpPr>
+      <p:sp>
+        <p:nvSpPr>
+          <p:cNvPr id="2" name="Slide Image Placeholder 1"/>
+          <p:cNvSpPr>
+            <a:spLocks noGrp="1" noRot="1" noChangeAspect="1"/>
+          </p:cNvSpPr>
+          <p:nvPr>
+            <p:ph type="sldImg"/>
+          </p:nvPr>
+        </p:nvSpPr>
+        <p:spPr/>
+      </p:sp>
+      <p:sp>
+        <p:nvSpPr>
+          <p:cNvPr id="3" name="Notes Placeholder 2"/>
+          <p:cNvSpPr>
+            <a:spLocks noGrp="1"/>
+          </p:cNvSpPr>
+          <p:nvPr>
+            <p:ph type="body" idx="1"/>
+          </p:nvPr>
+        </p:nvSpPr>
+        <p:spPr/>
+        <p:txBody>
+          <a:bodyPr/>
+          <a:lstStyle/>
+          <a:p>
+            <a:endParaRPr lang="en-US" dirty="0"/>
+          </a:p>
+        </p:txBody>
+      </p:sp>
+      <p:sp>
+        <p:nvSpPr>
+          <p:cNvPr id="4" name="Slide Number Placeholder 3"/>
+          <p:cNvSpPr>
+            <a:spLocks noGrp="1"/>
+          </p:cNvSpPr>
+          <p:nvPr>
+            <p:ph type="sldNum" sz="quarter" idx="10"/>
+          </p:nvPr>
+        </p:nvSpPr>
+        <p:spPr/>
+        <p:txBody>
+          <a:bodyPr/>
+          <a:lstStyle/>
+          <a:p>
+            <a:fld id="{913AAEB1-1BB9-43BA-8E44-621D6A53A2EE}" type="slidenum">
+              <a:rPr lang="en-US" smtClean="0"/>
+              <a:t>57</a:t>
+            </a:fld>
+            <a:endParaRPr lang="en-US" dirty="0"/>
+          </a:p>
+        </p:txBody>
+      </p:sp>
+    </p:spTree>
+    <p:extLst>
+      <p:ext uri="{BB962C8B-B14F-4D97-AF65-F5344CB8AC3E}">
+        <p14:creationId xmlns:p14="http://schemas.microsoft.com/office/powerpoint/2010/main" val="2309939056"/>
+      </p:ext>
+    </p:extLst>
+  </p:cSld>
+  <p:clrMapOvr>
+    <a:masterClrMapping/>
+  </p:clrMapOvr>
+</p:notes>
+</file>
+
 <file path=ppt/notesSlides/notesSlide2.xml><?xml version="1.0" encoding="utf-8"?>
 <p:notes xmlns:a="http://schemas.openxmlformats.org/drawingml/2006/main" xmlns:r="http://schemas.openxmlformats.org/officeDocument/2006/relationships" xmlns:p="http://schemas.openxmlformats.org/presentationml/2006/main">
   <p:cSld>
@@ -1394,7 +2292,22 @@
           <a:bodyPr/>
           <a:lstStyle/>
           <a:p>
-            <a:endParaRPr lang="en-US" dirty="0"/>
+            <a:r>
+              <a:rPr lang="en-US">
+                <a:hlinkClick r:id="rId3"/>
+              </a:rPr>
+              <a:t>https://medium.com/poka-techblog/simplify-your-javascript-use-map-reduce-and-filter-bd02c593cc2d</a:t>
+            </a:r>
+            <a:endParaRPr lang="en-US"/>
+          </a:p>
+          <a:p>
+            <a:r>
+              <a:rPr lang="en-US">
+                <a:hlinkClick r:id="rId4"/>
+              </a:rPr>
+              <a:t>https://www.freecodecamp.org/news/javascript-map-reduce-and-filter-explained-with-examples/</a:t>
+            </a:r>
+            <a:endParaRPr lang="en-US"/>
           </a:p>
         </p:txBody>
       </p:sp>
@@ -1405,7 +2318,7 @@
             <a:spLocks noGrp="1"/>
           </p:cNvSpPr>
           <p:nvPr>
-            <p:ph type="sldNum" sz="quarter" idx="10"/>
+            <p:ph type="sldNum" sz="quarter" idx="5"/>
           </p:nvPr>
         </p:nvSpPr>
         <p:spPr/>
@@ -1415,7 +2328,7 @@
           <a:p>
             <a:fld id="{913AAEB1-1BB9-43BA-8E44-621D6A53A2EE}" type="slidenum">
               <a:rPr lang="en-US" smtClean="0"/>
-              <a:t>48</a:t>
+              <a:t>45</a:t>
             </a:fld>
             <a:endParaRPr lang="en-US" dirty="0"/>
           </a:p>
@@ -1424,7 +2337,7 @@
     </p:spTree>
     <p:extLst>
       <p:ext uri="{BB962C8B-B14F-4D97-AF65-F5344CB8AC3E}">
-        <p14:creationId xmlns:p14="http://schemas.microsoft.com/office/powerpoint/2010/main" val="2309939056"/>
+        <p14:creationId xmlns:p14="http://schemas.microsoft.com/office/powerpoint/2010/main" val="3452217759"/>
       </p:ext>
     </p:extLst>
   </p:cSld>
@@ -1903,7 +2816,7 @@
           <a:p>
             <a:fld id="{E9F25E47-8026-47FD-8FD6-2C7B55A6BE4F}" type="datetime1">
               <a:rPr lang="en-US" smtClean="0"/>
-              <a:t>8/5/2020</a:t>
+              <a:t>8/6/2020</a:t>
             </a:fld>
             <a:endParaRPr lang="en-US" dirty="0"/>
           </a:p>
@@ -2105,7 +3018,7 @@
           <a:p>
             <a:fld id="{49F0A7AA-AB30-4D36-B646-A02FA5DCCA55}" type="datetime1">
               <a:rPr lang="en-US" smtClean="0"/>
-              <a:t>8/5/2020</a:t>
+              <a:t>8/6/2020</a:t>
             </a:fld>
             <a:endParaRPr lang="en-US" dirty="0"/>
           </a:p>
@@ -2704,7 +3617,7 @@
           <a:p>
             <a:fld id="{CFA4D178-B71E-4B10-AF0F-C5E0B7294A7C}" type="datetime1">
               <a:rPr lang="en-US" smtClean="0"/>
-              <a:t>8/5/2020</a:t>
+              <a:t>8/6/2020</a:t>
             </a:fld>
             <a:endParaRPr lang="en-US" dirty="0"/>
           </a:p>
@@ -3024,7 +3937,7 @@
           <a:p>
             <a:fld id="{27E6D853-85C2-4120-A6B2-2EAC4467BF8B}" type="datetime1">
               <a:rPr lang="en-US" smtClean="0"/>
-              <a:t>8/5/2020</a:t>
+              <a:t>8/6/2020</a:t>
             </a:fld>
             <a:endParaRPr lang="en-US" dirty="0"/>
           </a:p>
@@ -3461,7 +4374,7 @@
           <a:p>
             <a:fld id="{CA3AECF5-4644-4878-B4B4-3AC946C4B252}" type="datetime1">
               <a:rPr lang="en-US" smtClean="0"/>
-              <a:t>8/5/2020</a:t>
+              <a:t>8/6/2020</a:t>
             </a:fld>
             <a:endParaRPr lang="en-US" dirty="0"/>
           </a:p>
@@ -3579,7 +4492,7 @@
           <a:p>
             <a:fld id="{B8E389F8-4EAE-4B22-8731-40270585493B}" type="datetime1">
               <a:rPr lang="en-US" smtClean="0"/>
-              <a:t>8/5/2020</a:t>
+              <a:t>8/6/2020</a:t>
             </a:fld>
             <a:endParaRPr lang="en-US" dirty="0"/>
           </a:p>
@@ -3674,7 +4587,7 @@
           <a:p>
             <a:fld id="{772F4F3F-699B-4D10-AAB9-00C2579C25F8}" type="datetime1">
               <a:rPr lang="en-US" smtClean="0"/>
-              <a:t>8/5/2020</a:t>
+              <a:t>8/6/2020</a:t>
             </a:fld>
             <a:endParaRPr lang="en-US" dirty="0"/>
           </a:p>
@@ -4091,7 +5004,7 @@
           <a:p>
             <a:fld id="{E51BA90F-EE6C-42F5-8961-2F52EE18037D}" type="datetime1">
               <a:rPr lang="en-US" smtClean="0"/>
-              <a:t>8/5/2020</a:t>
+              <a:t>8/6/2020</a:t>
             </a:fld>
             <a:endParaRPr lang="en-US" dirty="0"/>
           </a:p>
@@ -4351,7 +5264,7 @@
           <a:p>
             <a:fld id="{FB6292F5-AD2B-47F4-B460-BF55BF34C27D}" type="datetime1">
               <a:rPr lang="en-US" smtClean="0"/>
-              <a:t>8/5/2020</a:t>
+              <a:t>8/6/2020</a:t>
             </a:fld>
             <a:endParaRPr lang="en-US" dirty="0"/>
           </a:p>
@@ -4867,7 +5780,7 @@
           <a:p>
             <a:fld id="{8B88B800-945A-43B0-8EA5-8657D67FD7E1}" type="datetime1">
               <a:rPr lang="en-US" smtClean="0"/>
-              <a:t>8/5/2020</a:t>
+              <a:t>8/6/2020</a:t>
             </a:fld>
             <a:endParaRPr lang="en-US" dirty="0"/>
           </a:p>
@@ -17248,7 +18161,7 @@
           <p:cNvPr id="5" name="Title 4">
             <a:extLst>
               <a:ext uri="{FF2B5EF4-FFF2-40B4-BE49-F238E27FC236}">
-                <a16:creationId xmlns:a16="http://schemas.microsoft.com/office/drawing/2014/main" id="{19920336-7909-426F-8081-AFA24B193F14}"/>
+                <a16:creationId xmlns:a16="http://schemas.microsoft.com/office/drawing/2014/main" id="{49A984C3-8268-460F-8503-D762E77C1268}"/>
               </a:ext>
             </a:extLst>
           </p:cNvPr>
@@ -17265,19 +18178,18 @@
           <a:lstStyle/>
           <a:p>
             <a:r>
-              <a:rPr lang="en-US" cap="none"/>
-              <a:t>try-catch</a:t>
-            </a:r>
-            <a:endParaRPr lang="en-US" cap="none" dirty="0"/>
-          </a:p>
-        </p:txBody>
-      </p:sp>
-      <p:sp>
-        <p:nvSpPr>
-          <p:cNvPr id="6" name="Text Placeholder 5">
+              <a:rPr lang="en-US" u="sng"/>
+              <a:t>Why?</a:t>
+            </a:r>
+          </a:p>
+        </p:txBody>
+      </p:sp>
+      <p:sp>
+        <p:nvSpPr>
+          <p:cNvPr id="6" name="Content Placeholder 5">
             <a:extLst>
               <a:ext uri="{FF2B5EF4-FFF2-40B4-BE49-F238E27FC236}">
-                <a16:creationId xmlns:a16="http://schemas.microsoft.com/office/drawing/2014/main" id="{DAE3D404-51E4-4D64-88D7-AFA22CFBA8F7}"/>
+                <a16:creationId xmlns:a16="http://schemas.microsoft.com/office/drawing/2014/main" id="{EDC11664-927D-4A6E-9A84-5592FEDA3549}"/>
               </a:ext>
             </a:extLst>
           </p:cNvPr>
@@ -17285,19 +18197,182 @@
             <a:spLocks noGrp="1"/>
           </p:cNvSpPr>
           <p:nvPr>
-            <p:ph type="body" idx="1"/>
+            <p:ph idx="1"/>
           </p:nvPr>
         </p:nvSpPr>
         <p:spPr/>
         <p:txBody>
-          <a:bodyPr/>
+          <a:bodyPr>
+            <a:normAutofit/>
+          </a:bodyPr>
           <a:lstStyle/>
           <a:p>
-            <a:r>
-              <a:rPr lang="en-US"/>
-              <a:t>handling errors with try-catch</a:t>
-            </a:r>
-            <a:endParaRPr lang="en-US" dirty="0"/>
+            <a:pPr marL="0" indent="0">
+              <a:lnSpc>
+                <a:spcPct val="100000"/>
+              </a:lnSpc>
+              <a:spcBef>
+                <a:spcPts val="600"/>
+              </a:spcBef>
+              <a:buNone/>
+            </a:pPr>
+            <a:r>
+              <a:rPr lang="en-US" sz="1600" b="1" u="sng"/>
+              <a:t>Disadvantages of loops:</a:t>
+            </a:r>
+          </a:p>
+          <a:p>
+            <a:pPr>
+              <a:lnSpc>
+                <a:spcPct val="100000"/>
+              </a:lnSpc>
+              <a:spcBef>
+                <a:spcPts val="600"/>
+              </a:spcBef>
+            </a:pPr>
+            <a:r>
+              <a:rPr lang="en-US" sz="1600"/>
+              <a:t>There a lots ways to make a mistake when writing loops. Many of which are hard to spot.</a:t>
+            </a:r>
+          </a:p>
+          <a:p>
+            <a:pPr>
+              <a:lnSpc>
+                <a:spcPct val="100000"/>
+              </a:lnSpc>
+              <a:spcBef>
+                <a:spcPts val="600"/>
+              </a:spcBef>
+            </a:pPr>
+            <a:r>
+              <a:rPr lang="en-US" sz="1600"/>
+              <a:t>The slowest parts of our application often involve loops.</a:t>
+            </a:r>
+          </a:p>
+          <a:p>
+            <a:pPr>
+              <a:lnSpc>
+                <a:spcPct val="100000"/>
+              </a:lnSpc>
+              <a:spcBef>
+                <a:spcPts val="600"/>
+              </a:spcBef>
+            </a:pPr>
+            <a:r>
+              <a:rPr lang="en-US" sz="1600"/>
+              <a:t>We often do unecessary work when processing arrays with loops.</a:t>
+            </a:r>
+          </a:p>
+          <a:p>
+            <a:pPr>
+              <a:lnSpc>
+                <a:spcPct val="100000"/>
+              </a:lnSpc>
+              <a:spcBef>
+                <a:spcPts val="600"/>
+              </a:spcBef>
+            </a:pPr>
+            <a:r>
+              <a:rPr lang="en-US" sz="1600"/>
+              <a:t>Most operations/algorithms can be implemented from a very small set of reusable tools.</a:t>
+            </a:r>
+          </a:p>
+          <a:p>
+            <a:pPr marL="0" indent="0">
+              <a:lnSpc>
+                <a:spcPct val="100000"/>
+              </a:lnSpc>
+              <a:spcBef>
+                <a:spcPts val="600"/>
+              </a:spcBef>
+              <a:buNone/>
+            </a:pPr>
+            <a:endParaRPr lang="en-US" sz="1600"/>
+          </a:p>
+          <a:p>
+            <a:pPr marL="0" indent="0">
+              <a:lnSpc>
+                <a:spcPct val="100000"/>
+              </a:lnSpc>
+              <a:spcBef>
+                <a:spcPts val="600"/>
+              </a:spcBef>
+              <a:buNone/>
+            </a:pPr>
+            <a:r>
+              <a:rPr lang="en-US" sz="1600" b="1" u="sng"/>
+              <a:t>The filter(), map(), and reduce() methods:</a:t>
+            </a:r>
+          </a:p>
+          <a:p>
+            <a:pPr>
+              <a:lnSpc>
+                <a:spcPct val="100000"/>
+              </a:lnSpc>
+              <a:spcBef>
+                <a:spcPts val="600"/>
+              </a:spcBef>
+            </a:pPr>
+            <a:r>
+              <a:rPr lang="en-US" sz="1600"/>
+              <a:t>Encapsulate this common logic.</a:t>
+            </a:r>
+          </a:p>
+          <a:p>
+            <a:pPr>
+              <a:lnSpc>
+                <a:spcPct val="100000"/>
+              </a:lnSpc>
+              <a:spcBef>
+                <a:spcPts val="600"/>
+              </a:spcBef>
+            </a:pPr>
+            <a:r>
+              <a:rPr lang="en-US" sz="1600"/>
+              <a:t>Eliminate common errors, and put the focus on the important bits.</a:t>
+            </a:r>
+          </a:p>
+          <a:p>
+            <a:pPr>
+              <a:lnSpc>
+                <a:spcPct val="100000"/>
+              </a:lnSpc>
+              <a:spcBef>
+                <a:spcPts val="600"/>
+              </a:spcBef>
+            </a:pPr>
+            <a:r>
+              <a:rPr lang="en-US" sz="1600"/>
+              <a:t>Are implemented with iterators to improve efficiency. (Often better than a series of for loops.)</a:t>
+            </a:r>
+          </a:p>
+          <a:p>
+            <a:pPr>
+              <a:lnSpc>
+                <a:spcPct val="100000"/>
+              </a:lnSpc>
+              <a:spcBef>
+                <a:spcPts val="600"/>
+              </a:spcBef>
+            </a:pPr>
+            <a:r>
+              <a:rPr lang="en-US" sz="1600"/>
+              <a:t>Make it easy to chain and combine operations.</a:t>
+            </a:r>
+          </a:p>
+          <a:p>
+            <a:pPr>
+              <a:lnSpc>
+                <a:spcPct val="100000"/>
+              </a:lnSpc>
+              <a:spcBef>
+                <a:spcPts val="600"/>
+              </a:spcBef>
+            </a:pPr>
+            <a:r>
+              <a:rPr lang="en-US" sz="1600"/>
+              <a:t>Leads to shorter and simpler code.</a:t>
+            </a:r>
           </a:p>
         </p:txBody>
       </p:sp>
@@ -17306,7 +18381,7 @@
           <p:cNvPr id="4" name="Slide Number Placeholder 3">
             <a:extLst>
               <a:ext uri="{FF2B5EF4-FFF2-40B4-BE49-F238E27FC236}">
-                <a16:creationId xmlns:a16="http://schemas.microsoft.com/office/drawing/2014/main" id="{B3E58610-8DF0-4BC8-B28F-9775BE8BC83F}"/>
+                <a16:creationId xmlns:a16="http://schemas.microsoft.com/office/drawing/2014/main" id="{079932A0-F4B0-4EF6-B612-E3FB9B3FEB9D}"/>
               </a:ext>
             </a:extLst>
           </p:cNvPr>
@@ -17333,7 +18408,7 @@
     </p:spTree>
     <p:extLst>
       <p:ext uri="{BB962C8B-B14F-4D97-AF65-F5344CB8AC3E}">
-        <p14:creationId xmlns:p14="http://schemas.microsoft.com/office/powerpoint/2010/main" val="1378313255"/>
+        <p14:creationId xmlns:p14="http://schemas.microsoft.com/office/powerpoint/2010/main" val="1222812502"/>
       </p:ext>
     </p:extLst>
   </p:cSld>
@@ -17362,66 +18437,10 @@
       </p:grpSpPr>
       <p:sp>
         <p:nvSpPr>
-          <p:cNvPr id="5" name="Title 4">
-            <a:extLst>
-              <a:ext uri="{FF2B5EF4-FFF2-40B4-BE49-F238E27FC236}">
-                <a16:creationId xmlns:a16="http://schemas.microsoft.com/office/drawing/2014/main" id="{19920336-7909-426F-8081-AFA24B193F14}"/>
-              </a:ext>
-            </a:extLst>
-          </p:cNvPr>
-          <p:cNvSpPr>
-            <a:spLocks noGrp="1"/>
-          </p:cNvSpPr>
-          <p:nvPr>
-            <p:ph type="title"/>
-          </p:nvPr>
-        </p:nvSpPr>
-        <p:spPr/>
-        <p:txBody>
-          <a:bodyPr/>
-          <a:lstStyle/>
-          <a:p>
-            <a:r>
-              <a:rPr lang="en-US" cap="none" dirty="0"/>
-              <a:t>Conclusion</a:t>
-            </a:r>
-          </a:p>
-        </p:txBody>
-      </p:sp>
-      <p:sp>
-        <p:nvSpPr>
-          <p:cNvPr id="6" name="Text Placeholder 5">
-            <a:extLst>
-              <a:ext uri="{FF2B5EF4-FFF2-40B4-BE49-F238E27FC236}">
-                <a16:creationId xmlns:a16="http://schemas.microsoft.com/office/drawing/2014/main" id="{DAE3D404-51E4-4D64-88D7-AFA22CFBA8F7}"/>
-              </a:ext>
-            </a:extLst>
-          </p:cNvPr>
-          <p:cNvSpPr>
-            <a:spLocks noGrp="1"/>
-          </p:cNvSpPr>
-          <p:nvPr>
-            <p:ph type="body" idx="1"/>
-          </p:nvPr>
-        </p:nvSpPr>
-        <p:spPr/>
-        <p:txBody>
-          <a:bodyPr/>
-          <a:lstStyle/>
-          <a:p>
-            <a:r>
-              <a:rPr lang="en-US" dirty="0"/>
-              <a:t>What did we learn today?</a:t>
-            </a:r>
-          </a:p>
-        </p:txBody>
-      </p:sp>
-      <p:sp>
-        <p:nvSpPr>
           <p:cNvPr id="4" name="Slide Number Placeholder 3">
             <a:extLst>
               <a:ext uri="{FF2B5EF4-FFF2-40B4-BE49-F238E27FC236}">
-                <a16:creationId xmlns:a16="http://schemas.microsoft.com/office/drawing/2014/main" id="{B3E58610-8DF0-4BC8-B28F-9775BE8BC83F}"/>
+                <a16:creationId xmlns:a16="http://schemas.microsoft.com/office/drawing/2014/main" id="{079932A0-F4B0-4EF6-B612-E3FB9B3FEB9D}"/>
               </a:ext>
             </a:extLst>
           </p:cNvPr>
@@ -17445,10 +18464,79 @@
           </a:p>
         </p:txBody>
       </p:sp>
+      <p:pic>
+        <p:nvPicPr>
+          <p:cNvPr id="2" name="Picture 1">
+            <a:extLst>
+              <a:ext uri="{FF2B5EF4-FFF2-40B4-BE49-F238E27FC236}">
+                <a16:creationId xmlns:a16="http://schemas.microsoft.com/office/drawing/2014/main" id="{A9093745-983C-4B84-9DA6-BD2B992CC1CC}"/>
+              </a:ext>
+            </a:extLst>
+          </p:cNvPr>
+          <p:cNvPicPr>
+            <a:picLocks noChangeAspect="1"/>
+          </p:cNvPicPr>
+          <p:nvPr/>
+        </p:nvPicPr>
+        <p:blipFill>
+          <a:blip r:embed="rId3"/>
+          <a:stretch>
+            <a:fillRect/>
+          </a:stretch>
+        </p:blipFill>
+        <p:spPr>
+          <a:xfrm>
+            <a:off x="3356037" y="1313223"/>
+            <a:ext cx="5476875" cy="3895725"/>
+          </a:xfrm>
+          <a:prstGeom prst="rect">
+            <a:avLst/>
+          </a:prstGeom>
+        </p:spPr>
+      </p:pic>
+      <p:sp>
+        <p:nvSpPr>
+          <p:cNvPr id="11" name="TextBox 10">
+            <a:extLst>
+              <a:ext uri="{FF2B5EF4-FFF2-40B4-BE49-F238E27FC236}">
+                <a16:creationId xmlns:a16="http://schemas.microsoft.com/office/drawing/2014/main" id="{6D4C5CDC-B8CB-43A5-9F5E-1D504C22EC2A}"/>
+              </a:ext>
+            </a:extLst>
+          </p:cNvPr>
+          <p:cNvSpPr txBox="1"/>
+          <p:nvPr/>
+        </p:nvSpPr>
+        <p:spPr>
+          <a:xfrm>
+            <a:off x="-1525" y="5452717"/>
+            <a:ext cx="12192000" cy="338554"/>
+          </a:xfrm>
+          <a:prstGeom prst="rect">
+            <a:avLst/>
+          </a:prstGeom>
+          <a:noFill/>
+        </p:spPr>
+        <p:txBody>
+          <a:bodyPr wrap="square">
+            <a:spAutoFit/>
+          </a:bodyPr>
+          <a:lstStyle/>
+          <a:p>
+            <a:pPr algn="ctr"/>
+            <a:r>
+              <a:rPr lang="en-US" sz="1600">
+                <a:hlinkClick r:id="rId4"/>
+              </a:rPr>
+              <a:t>https://twitter.com/steveluscher/status/741089564329054208</a:t>
+            </a:r>
+            <a:endParaRPr lang="en-US" sz="1600"/>
+          </a:p>
+        </p:txBody>
+      </p:sp>
     </p:spTree>
     <p:extLst>
       <p:ext uri="{BB962C8B-B14F-4D97-AF65-F5344CB8AC3E}">
-        <p14:creationId xmlns:p14="http://schemas.microsoft.com/office/powerpoint/2010/main" val="2001641725"/>
+        <p14:creationId xmlns:p14="http://schemas.microsoft.com/office/powerpoint/2010/main" val="3123113076"/>
       </p:ext>
     </p:extLst>
   </p:cSld>
@@ -17477,10 +18565,10 @@
       </p:grpSpPr>
       <p:sp>
         <p:nvSpPr>
-          <p:cNvPr id="2" name="Title 1">
+          <p:cNvPr id="5" name="Title 4">
             <a:extLst>
               <a:ext uri="{FF2B5EF4-FFF2-40B4-BE49-F238E27FC236}">
-                <a16:creationId xmlns:a16="http://schemas.microsoft.com/office/drawing/2014/main" id="{BDFAC13C-59B1-436E-B58F-C304E1C705CF}"/>
+                <a16:creationId xmlns:a16="http://schemas.microsoft.com/office/drawing/2014/main" id="{49A984C3-8268-460F-8503-D762E77C1268}"/>
               </a:ext>
             </a:extLst>
           </p:cNvPr>
@@ -17489,6 +18577,34 @@
           </p:cNvSpPr>
           <p:nvPr>
             <p:ph type="title"/>
+          </p:nvPr>
+        </p:nvSpPr>
+        <p:spPr/>
+        <p:txBody>
+          <a:bodyPr/>
+          <a:lstStyle/>
+          <a:p>
+            <a:r>
+              <a:rPr lang="en-US" u="sng"/>
+              <a:t>map()</a:t>
+            </a:r>
+          </a:p>
+        </p:txBody>
+      </p:sp>
+      <p:sp>
+        <p:nvSpPr>
+          <p:cNvPr id="6" name="Content Placeholder 5">
+            <a:extLst>
+              <a:ext uri="{FF2B5EF4-FFF2-40B4-BE49-F238E27FC236}">
+                <a16:creationId xmlns:a16="http://schemas.microsoft.com/office/drawing/2014/main" id="{EDC11664-927D-4A6E-9A84-5592FEDA3549}"/>
+              </a:ext>
+            </a:extLst>
+          </p:cNvPr>
+          <p:cNvSpPr>
+            <a:spLocks noGrp="1"/>
+          </p:cNvSpPr>
+          <p:nvPr>
+            <p:ph idx="1"/>
           </p:nvPr>
         </p:nvSpPr>
         <p:spPr/>
@@ -17498,249 +18614,200 @@
           </a:bodyPr>
           <a:lstStyle/>
           <a:p>
-            <a:r>
-              <a:rPr lang="en-US" u="sng" dirty="0"/>
-              <a:t>What We Covered</a:t>
-            </a:r>
-          </a:p>
-        </p:txBody>
-      </p:sp>
-      <p:sp>
-        <p:nvSpPr>
-          <p:cNvPr id="3" name="Content Placeholder 2">
+            <a:pPr marL="0" indent="0">
+              <a:lnSpc>
+                <a:spcPct val="100000"/>
+              </a:lnSpc>
+              <a:spcBef>
+                <a:spcPts val="0"/>
+              </a:spcBef>
+              <a:buNone/>
+            </a:pPr>
+            <a:r>
+              <a:rPr lang="en-US" sz="1600"/>
+              <a:t>The </a:t>
+            </a:r>
+            <a:r>
+              <a:rPr lang="en-US" sz="1600" b="1"/>
+              <a:t>map() </a:t>
+            </a:r>
+            <a:r>
+              <a:rPr lang="en-US" sz="1600"/>
+              <a:t>method is used to create a new array from an existing one, by applying a transformation function to each element of the array.</a:t>
+            </a:r>
+          </a:p>
+          <a:p>
+            <a:pPr marL="0" indent="0">
+              <a:lnSpc>
+                <a:spcPct val="100000"/>
+              </a:lnSpc>
+              <a:spcBef>
+                <a:spcPts val="0"/>
+              </a:spcBef>
+              <a:buNone/>
+            </a:pPr>
+            <a:endParaRPr lang="en-US" sz="1600"/>
+          </a:p>
+          <a:p>
+            <a:pPr marL="0" indent="0">
+              <a:lnSpc>
+                <a:spcPct val="100000"/>
+              </a:lnSpc>
+              <a:spcBef>
+                <a:spcPts val="0"/>
+              </a:spcBef>
+              <a:buNone/>
+            </a:pPr>
+            <a:r>
+              <a:rPr lang="en-US" sz="1600" b="1" u="sng"/>
+              <a:t>Example</a:t>
+            </a:r>
+          </a:p>
+          <a:p>
+            <a:pPr marL="0" indent="0">
+              <a:lnSpc>
+                <a:spcPct val="100000"/>
+              </a:lnSpc>
+              <a:spcBef>
+                <a:spcPts val="0"/>
+              </a:spcBef>
+              <a:buNone/>
+            </a:pPr>
+            <a:r>
+              <a:rPr lang="en-US" sz="1600">
+                <a:latin typeface="Consolas" panose="020B0609020204030204" pitchFamily="49" charset="0"/>
+              </a:rPr>
+              <a:t>const pets = [</a:t>
+            </a:r>
+          </a:p>
+          <a:p>
+            <a:pPr marL="0" indent="0">
+              <a:lnSpc>
+                <a:spcPct val="100000"/>
+              </a:lnSpc>
+              <a:spcBef>
+                <a:spcPts val="0"/>
+              </a:spcBef>
+              <a:buNone/>
+            </a:pPr>
+            <a:r>
+              <a:rPr lang="en-US" sz="1600">
+                <a:latin typeface="Consolas" panose="020B0609020204030204" pitchFamily="49" charset="0"/>
+              </a:rPr>
+              <a:t>  {name:'cat', weight:8}, </a:t>
+            </a:r>
+          </a:p>
+          <a:p>
+            <a:pPr marL="0" indent="0">
+              <a:lnSpc>
+                <a:spcPct val="100000"/>
+              </a:lnSpc>
+              <a:spcBef>
+                <a:spcPts val="0"/>
+              </a:spcBef>
+              <a:buNone/>
+            </a:pPr>
+            <a:r>
+              <a:rPr lang="en-US" sz="1600">
+                <a:latin typeface="Consolas" panose="020B0609020204030204" pitchFamily="49" charset="0"/>
+              </a:rPr>
+              <a:t>  {name:'dog', weight:15}, </a:t>
+            </a:r>
+          </a:p>
+          <a:p>
+            <a:pPr marL="0" indent="0">
+              <a:lnSpc>
+                <a:spcPct val="100000"/>
+              </a:lnSpc>
+              <a:spcBef>
+                <a:spcPts val="0"/>
+              </a:spcBef>
+              <a:buNone/>
+            </a:pPr>
+            <a:r>
+              <a:rPr lang="en-US" sz="1600">
+                <a:latin typeface="Consolas" panose="020B0609020204030204" pitchFamily="49" charset="0"/>
+              </a:rPr>
+              <a:t>  {name:'bird', weight:0.09}</a:t>
+            </a:r>
+          </a:p>
+          <a:p>
+            <a:pPr marL="0" indent="0">
+              <a:lnSpc>
+                <a:spcPct val="100000"/>
+              </a:lnSpc>
+              <a:spcBef>
+                <a:spcPts val="0"/>
+              </a:spcBef>
+              <a:buNone/>
+            </a:pPr>
+            <a:r>
+              <a:rPr lang="en-US" sz="1600">
+                <a:latin typeface="Consolas" panose="020B0609020204030204" pitchFamily="49" charset="0"/>
+              </a:rPr>
+              <a:t>];</a:t>
+            </a:r>
+          </a:p>
+          <a:p>
+            <a:pPr marL="0" indent="0">
+              <a:lnSpc>
+                <a:spcPct val="100000"/>
+              </a:lnSpc>
+              <a:spcBef>
+                <a:spcPts val="0"/>
+              </a:spcBef>
+              <a:buNone/>
+            </a:pPr>
+            <a:r>
+              <a:rPr lang="en-US" sz="1600">
+                <a:latin typeface="Consolas" panose="020B0609020204030204" pitchFamily="49" charset="0"/>
+              </a:rPr>
+              <a:t>const weights = pets.map(pet =&gt; pet.weight);</a:t>
+            </a:r>
+          </a:p>
+          <a:p>
+            <a:pPr marL="0" indent="0">
+              <a:lnSpc>
+                <a:spcPct val="100000"/>
+              </a:lnSpc>
+              <a:spcBef>
+                <a:spcPts val="0"/>
+              </a:spcBef>
+              <a:buNone/>
+            </a:pPr>
+            <a:endParaRPr lang="en-US" sz="1600">
+              <a:latin typeface="Consolas" panose="020B0609020204030204" pitchFamily="49" charset="0"/>
+            </a:endParaRPr>
+          </a:p>
+          <a:p>
+            <a:pPr marL="0" indent="0">
+              <a:lnSpc>
+                <a:spcPct val="100000"/>
+              </a:lnSpc>
+              <a:spcBef>
+                <a:spcPts val="0"/>
+              </a:spcBef>
+              <a:buNone/>
+            </a:pPr>
+            <a:r>
+              <a:rPr lang="en-US" sz="1600">
+                <a:latin typeface="Consolas" panose="020B0609020204030204" pitchFamily="49" charset="0"/>
+              </a:rPr>
+              <a:t>// [8, 15, 0.09]</a:t>
+            </a:r>
+            <a:endParaRPr lang="en-US" sz="1600"/>
+          </a:p>
+        </p:txBody>
+      </p:sp>
+      <p:sp>
+        <p:nvSpPr>
+          <p:cNvPr id="4" name="Slide Number Placeholder 3">
             <a:extLst>
               <a:ext uri="{FF2B5EF4-FFF2-40B4-BE49-F238E27FC236}">
-                <a16:creationId xmlns:a16="http://schemas.microsoft.com/office/drawing/2014/main" id="{844A3DC5-46BF-4BFF-8008-98FD467C4904}"/>
+                <a16:creationId xmlns:a16="http://schemas.microsoft.com/office/drawing/2014/main" id="{079932A0-F4B0-4EF6-B612-E3FB9B3FEB9D}"/>
               </a:ext>
             </a:extLst>
           </p:cNvPr>
-          <p:cNvSpPr>
-            <a:spLocks noGrp="1"/>
-          </p:cNvSpPr>
-          <p:nvPr>
-            <p:ph idx="1"/>
-          </p:nvPr>
-        </p:nvSpPr>
-        <p:spPr/>
-        <p:txBody>
-          <a:bodyPr>
-            <a:normAutofit/>
-          </a:bodyPr>
-          <a:lstStyle/>
-          <a:p>
-            <a:pPr>
-              <a:lnSpc>
-                <a:spcPct val="100000"/>
-              </a:lnSpc>
-              <a:spcBef>
-                <a:spcPts val="0"/>
-              </a:spcBef>
-              <a:spcAft>
-                <a:spcPts val="600"/>
-              </a:spcAft>
-            </a:pPr>
-            <a:r>
-              <a:rPr lang="en-US" sz="1800">
-                <a:cs typeface="Arial" pitchFamily="34" charset="0"/>
-              </a:rPr>
-              <a:t>Discuss techniques for loading JavaScript files efficiently.</a:t>
-            </a:r>
-          </a:p>
-          <a:p>
-            <a:pPr>
-              <a:lnSpc>
-                <a:spcPct val="100000"/>
-              </a:lnSpc>
-              <a:spcBef>
-                <a:spcPts val="0"/>
-              </a:spcBef>
-              <a:spcAft>
-                <a:spcPts val="600"/>
-              </a:spcAft>
-            </a:pPr>
-            <a:r>
-              <a:rPr lang="en-US" sz="1800">
-                <a:cs typeface="Arial" pitchFamily="34" charset="0"/>
-              </a:rPr>
-              <a:t>Understand the differences between const/let/var.</a:t>
-            </a:r>
-          </a:p>
-          <a:p>
-            <a:pPr>
-              <a:lnSpc>
-                <a:spcPct val="100000"/>
-              </a:lnSpc>
-              <a:spcBef>
-                <a:spcPts val="0"/>
-              </a:spcBef>
-              <a:spcAft>
-                <a:spcPts val="600"/>
-              </a:spcAft>
-            </a:pPr>
-            <a:r>
-              <a:rPr lang="en-US" sz="1800">
-                <a:cs typeface="Arial" pitchFamily="34" charset="0"/>
-              </a:rPr>
-              <a:t>Declare variables with const/let.</a:t>
-            </a:r>
-          </a:p>
-          <a:p>
-            <a:pPr>
-              <a:lnSpc>
-                <a:spcPct val="100000"/>
-              </a:lnSpc>
-              <a:spcBef>
-                <a:spcPts val="0"/>
-              </a:spcBef>
-              <a:spcAft>
-                <a:spcPts val="600"/>
-              </a:spcAft>
-            </a:pPr>
-            <a:r>
-              <a:rPr lang="en-US" sz="1800">
-                <a:cs typeface="Arial" pitchFamily="34" charset="0"/>
-              </a:rPr>
-              <a:t>Use datatypes: string, number, boolean, array, object, undefined</a:t>
-            </a:r>
-          </a:p>
-          <a:p>
-            <a:pPr>
-              <a:lnSpc>
-                <a:spcPct val="100000"/>
-              </a:lnSpc>
-              <a:spcBef>
-                <a:spcPts val="0"/>
-              </a:spcBef>
-              <a:spcAft>
-                <a:spcPts val="600"/>
-              </a:spcAft>
-            </a:pPr>
-            <a:r>
-              <a:rPr lang="en-US" sz="1800">
-                <a:cs typeface="Arial" pitchFamily="34" charset="0"/>
-              </a:rPr>
-              <a:t>Implement branching with if, else, else-if, or ternaries.</a:t>
-            </a:r>
-          </a:p>
-          <a:p>
-            <a:pPr>
-              <a:lnSpc>
-                <a:spcPct val="100000"/>
-              </a:lnSpc>
-              <a:spcBef>
-                <a:spcPts val="0"/>
-              </a:spcBef>
-              <a:spcAft>
-                <a:spcPts val="600"/>
-              </a:spcAft>
-            </a:pPr>
-            <a:r>
-              <a:rPr lang="en-US" sz="1800">
-                <a:cs typeface="Arial" pitchFamily="34" charset="0"/>
-              </a:rPr>
-              <a:t>Implement loops with for, for-of, and for-in.</a:t>
-            </a:r>
-          </a:p>
-          <a:p>
-            <a:pPr>
-              <a:lnSpc>
-                <a:spcPct val="100000"/>
-              </a:lnSpc>
-              <a:spcBef>
-                <a:spcPts val="0"/>
-              </a:spcBef>
-              <a:spcAft>
-                <a:spcPts val="600"/>
-              </a:spcAft>
-            </a:pPr>
-            <a:r>
-              <a:rPr lang="en-US" sz="1800">
-                <a:cs typeface="Arial" pitchFamily="34" charset="0"/>
-              </a:rPr>
-              <a:t>Use falsely and thruthy to improve branching.</a:t>
-            </a:r>
-          </a:p>
-          <a:p>
-            <a:pPr>
-              <a:lnSpc>
-                <a:spcPct val="100000"/>
-              </a:lnSpc>
-              <a:spcBef>
-                <a:spcPts val="0"/>
-              </a:spcBef>
-              <a:spcAft>
-                <a:spcPts val="600"/>
-              </a:spcAft>
-            </a:pPr>
-            <a:r>
-              <a:rPr lang="en-US" sz="1800">
-                <a:cs typeface="Arial" pitchFamily="34" charset="0"/>
-              </a:rPr>
-              <a:t>Understand the differences between the function syntax and arrow syntax.</a:t>
-            </a:r>
-          </a:p>
-          <a:p>
-            <a:pPr>
-              <a:lnSpc>
-                <a:spcPct val="100000"/>
-              </a:lnSpc>
-              <a:spcBef>
-                <a:spcPts val="0"/>
-              </a:spcBef>
-              <a:spcAft>
-                <a:spcPts val="600"/>
-              </a:spcAft>
-            </a:pPr>
-            <a:r>
-              <a:rPr lang="en-US" sz="1800">
-                <a:cs typeface="Arial" pitchFamily="34" charset="0"/>
-              </a:rPr>
-              <a:t>Write functions with the function syntax or arrow syntax.</a:t>
-            </a:r>
-          </a:p>
-          <a:p>
-            <a:pPr>
-              <a:lnSpc>
-                <a:spcPct val="100000"/>
-              </a:lnSpc>
-              <a:spcBef>
-                <a:spcPts val="0"/>
-              </a:spcBef>
-              <a:spcAft>
-                <a:spcPts val="600"/>
-              </a:spcAft>
-            </a:pPr>
-            <a:r>
-              <a:rPr lang="en-US" sz="1800">
-                <a:cs typeface="Arial" pitchFamily="34" charset="0"/>
-              </a:rPr>
-              <a:t>Use filter(), map(), and reduce() to implement efficient data processing.</a:t>
-            </a:r>
-          </a:p>
-          <a:p>
-            <a:pPr>
-              <a:lnSpc>
-                <a:spcPct val="100000"/>
-              </a:lnSpc>
-              <a:spcBef>
-                <a:spcPts val="0"/>
-              </a:spcBef>
-              <a:spcAft>
-                <a:spcPts val="600"/>
-              </a:spcAft>
-            </a:pPr>
-            <a:r>
-              <a:rPr lang="en-US" sz="1800">
-                <a:cs typeface="Arial" pitchFamily="34" charset="0"/>
-              </a:rPr>
-              <a:t>Use try-catch to handle errors.</a:t>
-            </a:r>
-          </a:p>
-        </p:txBody>
-      </p:sp>
-      <p:sp>
-        <p:nvSpPr>
-          <p:cNvPr id="5" name="Slide Number Placeholder 4"/>
           <p:cNvSpPr>
             <a:spLocks noGrp="1"/>
           </p:cNvSpPr>
@@ -17764,7 +18831,7 @@
     </p:spTree>
     <p:extLst>
       <p:ext uri="{BB962C8B-B14F-4D97-AF65-F5344CB8AC3E}">
-        <p14:creationId xmlns:p14="http://schemas.microsoft.com/office/powerpoint/2010/main" val="2820098090"/>
+        <p14:creationId xmlns:p14="http://schemas.microsoft.com/office/powerpoint/2010/main" val="2625305665"/>
       </p:ext>
     </p:extLst>
   </p:cSld>
@@ -17793,10 +18860,10 @@
       </p:grpSpPr>
       <p:sp>
         <p:nvSpPr>
-          <p:cNvPr id="2" name="Title 1">
+          <p:cNvPr id="5" name="Title 4">
             <a:extLst>
               <a:ext uri="{FF2B5EF4-FFF2-40B4-BE49-F238E27FC236}">
-                <a16:creationId xmlns:a16="http://schemas.microsoft.com/office/drawing/2014/main" id="{BDFAC13C-59B1-436E-B58F-C304E1C705CF}"/>
+                <a16:creationId xmlns:a16="http://schemas.microsoft.com/office/drawing/2014/main" id="{49A984C3-8268-460F-8503-D762E77C1268}"/>
               </a:ext>
             </a:extLst>
           </p:cNvPr>
@@ -17805,6 +18872,34 @@
           </p:cNvSpPr>
           <p:nvPr>
             <p:ph type="title"/>
+          </p:nvPr>
+        </p:nvSpPr>
+        <p:spPr/>
+        <p:txBody>
+          <a:bodyPr/>
+          <a:lstStyle/>
+          <a:p>
+            <a:r>
+              <a:rPr lang="en-US" u="sng"/>
+              <a:t>filter()</a:t>
+            </a:r>
+          </a:p>
+        </p:txBody>
+      </p:sp>
+      <p:sp>
+        <p:nvSpPr>
+          <p:cNvPr id="6" name="Content Placeholder 5">
+            <a:extLst>
+              <a:ext uri="{FF2B5EF4-FFF2-40B4-BE49-F238E27FC236}">
+                <a16:creationId xmlns:a16="http://schemas.microsoft.com/office/drawing/2014/main" id="{EDC11664-927D-4A6E-9A84-5592FEDA3549}"/>
+              </a:ext>
+            </a:extLst>
+          </p:cNvPr>
+          <p:cNvSpPr>
+            <a:spLocks noGrp="1"/>
+          </p:cNvSpPr>
+          <p:nvPr>
+            <p:ph idx="1"/>
           </p:nvPr>
         </p:nvSpPr>
         <p:spPr/>
@@ -17814,76 +18909,242 @@
           </a:bodyPr>
           <a:lstStyle/>
           <a:p>
-            <a:r>
-              <a:rPr lang="en-US" u="sng" dirty="0"/>
-              <a:t>Some Useful URLs</a:t>
-            </a:r>
-          </a:p>
-        </p:txBody>
-      </p:sp>
-      <p:sp>
-        <p:nvSpPr>
-          <p:cNvPr id="3" name="Content Placeholder 2">
+            <a:pPr marL="0" indent="0">
+              <a:lnSpc>
+                <a:spcPct val="100000"/>
+              </a:lnSpc>
+              <a:spcBef>
+                <a:spcPts val="600"/>
+              </a:spcBef>
+              <a:buNone/>
+            </a:pPr>
+            <a:r>
+              <a:rPr lang="en-US" sz="1600"/>
+              <a:t>The </a:t>
+            </a:r>
+            <a:r>
+              <a:rPr lang="en-US" sz="1600" b="1"/>
+              <a:t>filter() </a:t>
+            </a:r>
+            <a:r>
+              <a:rPr lang="en-US" sz="1600"/>
+              <a:t>method evaluates a boolean expression (predicate) for each element. </a:t>
+            </a:r>
+          </a:p>
+          <a:p>
+            <a:pPr marL="0" indent="0">
+              <a:lnSpc>
+                <a:spcPct val="100000"/>
+              </a:lnSpc>
+              <a:spcBef>
+                <a:spcPts val="600"/>
+              </a:spcBef>
+              <a:buNone/>
+            </a:pPr>
+            <a:r>
+              <a:rPr lang="en-US" sz="1600"/>
+              <a:t>If that expression is thruthy, then it puts the item into the output array. </a:t>
+            </a:r>
+          </a:p>
+          <a:p>
+            <a:pPr marL="0" indent="0">
+              <a:lnSpc>
+                <a:spcPct val="100000"/>
+              </a:lnSpc>
+              <a:spcBef>
+                <a:spcPts val="600"/>
+              </a:spcBef>
+              <a:buNone/>
+            </a:pPr>
+            <a:r>
+              <a:rPr lang="en-US" sz="1600"/>
+              <a:t>Otherwise, it does not put it into the output array.</a:t>
+            </a:r>
+          </a:p>
+          <a:p>
+            <a:pPr marL="0" indent="0">
+              <a:lnSpc>
+                <a:spcPct val="100000"/>
+              </a:lnSpc>
+              <a:spcBef>
+                <a:spcPts val="0"/>
+              </a:spcBef>
+              <a:buNone/>
+            </a:pPr>
+            <a:endParaRPr lang="en-US" sz="1600"/>
+          </a:p>
+          <a:p>
+            <a:pPr marL="0" indent="0">
+              <a:lnSpc>
+                <a:spcPct val="100000"/>
+              </a:lnSpc>
+              <a:spcBef>
+                <a:spcPts val="0"/>
+              </a:spcBef>
+              <a:buNone/>
+            </a:pPr>
+            <a:r>
+              <a:rPr lang="en-US" sz="1600" b="1" u="sng"/>
+              <a:t>Example</a:t>
+            </a:r>
+          </a:p>
+          <a:p>
+            <a:pPr marL="0" indent="0">
+              <a:lnSpc>
+                <a:spcPct val="100000"/>
+              </a:lnSpc>
+              <a:spcBef>
+                <a:spcPts val="0"/>
+              </a:spcBef>
+              <a:buNone/>
+            </a:pPr>
+            <a:r>
+              <a:rPr lang="en-US" sz="1600">
+                <a:latin typeface="Consolas" panose="020B0609020204030204" pitchFamily="49" charset="0"/>
+              </a:rPr>
+              <a:t>const pets = [</a:t>
+            </a:r>
+          </a:p>
+          <a:p>
+            <a:pPr marL="0" indent="0">
+              <a:lnSpc>
+                <a:spcPct val="100000"/>
+              </a:lnSpc>
+              <a:spcBef>
+                <a:spcPts val="0"/>
+              </a:spcBef>
+              <a:buNone/>
+            </a:pPr>
+            <a:r>
+              <a:rPr lang="en-US" sz="1600">
+                <a:latin typeface="Consolas" panose="020B0609020204030204" pitchFamily="49" charset="0"/>
+              </a:rPr>
+              <a:t>  {name:'cat', weight:8}, </a:t>
+            </a:r>
+          </a:p>
+          <a:p>
+            <a:pPr marL="0" indent="0">
+              <a:lnSpc>
+                <a:spcPct val="100000"/>
+              </a:lnSpc>
+              <a:spcBef>
+                <a:spcPts val="0"/>
+              </a:spcBef>
+              <a:buNone/>
+            </a:pPr>
+            <a:r>
+              <a:rPr lang="en-US" sz="1600">
+                <a:latin typeface="Consolas" panose="020B0609020204030204" pitchFamily="49" charset="0"/>
+              </a:rPr>
+              <a:t>  {name:'dog', weight:15}, </a:t>
+            </a:r>
+          </a:p>
+          <a:p>
+            <a:pPr marL="0" indent="0">
+              <a:lnSpc>
+                <a:spcPct val="100000"/>
+              </a:lnSpc>
+              <a:spcBef>
+                <a:spcPts val="0"/>
+              </a:spcBef>
+              <a:buNone/>
+            </a:pPr>
+            <a:r>
+              <a:rPr lang="en-US" sz="1600">
+                <a:latin typeface="Consolas" panose="020B0609020204030204" pitchFamily="49" charset="0"/>
+              </a:rPr>
+              <a:t>  {name:'bird', weight:0.09}</a:t>
+            </a:r>
+          </a:p>
+          <a:p>
+            <a:pPr marL="0" indent="0">
+              <a:lnSpc>
+                <a:spcPct val="100000"/>
+              </a:lnSpc>
+              <a:spcBef>
+                <a:spcPts val="0"/>
+              </a:spcBef>
+              <a:buNone/>
+            </a:pPr>
+            <a:r>
+              <a:rPr lang="en-US" sz="1600">
+                <a:latin typeface="Consolas" panose="020B0609020204030204" pitchFamily="49" charset="0"/>
+              </a:rPr>
+              <a:t>];</a:t>
+            </a:r>
+          </a:p>
+          <a:p>
+            <a:pPr marL="0" indent="0">
+              <a:lnSpc>
+                <a:spcPct val="100000"/>
+              </a:lnSpc>
+              <a:spcBef>
+                <a:spcPts val="0"/>
+              </a:spcBef>
+              <a:buNone/>
+            </a:pPr>
+            <a:r>
+              <a:rPr lang="en-US" sz="1600">
+                <a:latin typeface="Consolas" panose="020B0609020204030204" pitchFamily="49" charset="0"/>
+              </a:rPr>
+              <a:t>const lightweightPets = pets.filter(pet =&gt; pet.weight &lt; 1);</a:t>
+            </a:r>
+          </a:p>
+          <a:p>
+            <a:pPr marL="0" indent="0">
+              <a:lnSpc>
+                <a:spcPct val="100000"/>
+              </a:lnSpc>
+              <a:spcBef>
+                <a:spcPts val="0"/>
+              </a:spcBef>
+              <a:buNone/>
+            </a:pPr>
+            <a:endParaRPr lang="en-US" sz="1600">
+              <a:latin typeface="Consolas" panose="020B0609020204030204" pitchFamily="49" charset="0"/>
+            </a:endParaRPr>
+          </a:p>
+          <a:p>
+            <a:pPr marL="0" indent="0">
+              <a:lnSpc>
+                <a:spcPct val="100000"/>
+              </a:lnSpc>
+              <a:spcBef>
+                <a:spcPts val="0"/>
+              </a:spcBef>
+              <a:buNone/>
+            </a:pPr>
+            <a:r>
+              <a:rPr lang="en-US" sz="1600">
+                <a:latin typeface="Consolas" panose="020B0609020204030204" pitchFamily="49" charset="0"/>
+              </a:rPr>
+              <a:t>// [ {name:'bird', weight:0.09} ]</a:t>
+            </a:r>
+            <a:endParaRPr lang="en-US" sz="1600"/>
+          </a:p>
+          <a:p>
+            <a:pPr marL="0" indent="0">
+              <a:lnSpc>
+                <a:spcPct val="100000"/>
+              </a:lnSpc>
+              <a:spcBef>
+                <a:spcPts val="0"/>
+              </a:spcBef>
+              <a:buNone/>
+            </a:pPr>
+            <a:endParaRPr lang="en-US" sz="1600"/>
+          </a:p>
+        </p:txBody>
+      </p:sp>
+      <p:sp>
+        <p:nvSpPr>
+          <p:cNvPr id="4" name="Slide Number Placeholder 3">
             <a:extLst>
               <a:ext uri="{FF2B5EF4-FFF2-40B4-BE49-F238E27FC236}">
-                <a16:creationId xmlns:a16="http://schemas.microsoft.com/office/drawing/2014/main" id="{844A3DC5-46BF-4BFF-8008-98FD467C4904}"/>
+                <a16:creationId xmlns:a16="http://schemas.microsoft.com/office/drawing/2014/main" id="{079932A0-F4B0-4EF6-B612-E3FB9B3FEB9D}"/>
               </a:ext>
             </a:extLst>
           </p:cNvPr>
-          <p:cNvSpPr>
-            <a:spLocks noGrp="1"/>
-          </p:cNvSpPr>
-          <p:nvPr>
-            <p:ph idx="1"/>
-          </p:nvPr>
-        </p:nvSpPr>
-        <p:spPr/>
-        <p:txBody>
-          <a:bodyPr>
-            <a:normAutofit/>
-          </a:bodyPr>
-          <a:lstStyle/>
-          <a:p>
-            <a:r>
-              <a:rPr lang="en-US" sz="1800" dirty="0">
-                <a:hlinkClick r:id="rId3"/>
-              </a:rPr>
-              <a:t>https://developer.mozilla.org/en-US/docs/Web/javascript/Reference</a:t>
-            </a:r>
-            <a:endParaRPr lang="en-US" sz="1800" dirty="0"/>
-          </a:p>
-          <a:p>
-            <a:r>
-              <a:rPr lang="en-US" sz="1800" dirty="0">
-                <a:cs typeface="Arial" panose="020B0604020202020204" pitchFamily="34" charset="0"/>
-                <a:hlinkClick r:id="rId4"/>
-              </a:rPr>
-              <a:t>https://developer.mozilla.org/en-US/docs/Learn/JavaScript/First_steps</a:t>
-            </a:r>
-            <a:endParaRPr lang="en-US" sz="1800" dirty="0">
-              <a:cs typeface="Arial" panose="020B0604020202020204" pitchFamily="34" charset="0"/>
-            </a:endParaRPr>
-          </a:p>
-          <a:p>
-            <a:r>
-              <a:rPr lang="en-US" sz="1800" dirty="0">
-                <a:cs typeface="Arial" panose="020B0604020202020204" pitchFamily="34" charset="0"/>
-                <a:hlinkClick r:id="rId5"/>
-              </a:rPr>
-              <a:t>https://www.w3schools.com/js/</a:t>
-            </a:r>
-            <a:r>
-              <a:rPr lang="en-US" sz="1800" dirty="0">
-                <a:cs typeface="Arial" panose="020B0604020202020204" pitchFamily="34" charset="0"/>
-              </a:rPr>
-              <a:t> </a:t>
-            </a:r>
-          </a:p>
-        </p:txBody>
-      </p:sp>
-      <p:sp>
-        <p:nvSpPr>
-          <p:cNvPr id="5" name="Slide Number Placeholder 4"/>
           <p:cNvSpPr>
             <a:spLocks noGrp="1"/>
           </p:cNvSpPr>
@@ -17907,7 +19168,395 @@
     </p:spTree>
     <p:extLst>
       <p:ext uri="{BB962C8B-B14F-4D97-AF65-F5344CB8AC3E}">
-        <p14:creationId xmlns:p14="http://schemas.microsoft.com/office/powerpoint/2010/main" val="1805520904"/>
+        <p14:creationId xmlns:p14="http://schemas.microsoft.com/office/powerpoint/2010/main" val="2324352942"/>
+      </p:ext>
+    </p:extLst>
+  </p:cSld>
+  <p:clrMapOvr>
+    <a:masterClrMapping/>
+  </p:clrMapOvr>
+</p:sld>
+</file>
+
+<file path=ppt/slides/slide49.xml><?xml version="1.0" encoding="utf-8"?>
+<p:sld xmlns:a="http://schemas.openxmlformats.org/drawingml/2006/main" xmlns:r="http://schemas.openxmlformats.org/officeDocument/2006/relationships" xmlns:p="http://schemas.openxmlformats.org/presentationml/2006/main">
+  <p:cSld>
+    <p:spTree>
+      <p:nvGrpSpPr>
+        <p:cNvPr id="1" name=""/>
+        <p:cNvGrpSpPr/>
+        <p:nvPr/>
+      </p:nvGrpSpPr>
+      <p:grpSpPr>
+        <a:xfrm>
+          <a:off x="0" y="0"/>
+          <a:ext cx="0" cy="0"/>
+          <a:chOff x="0" y="0"/>
+          <a:chExt cx="0" cy="0"/>
+        </a:xfrm>
+      </p:grpSpPr>
+      <p:sp>
+        <p:nvSpPr>
+          <p:cNvPr id="5" name="Title 4">
+            <a:extLst>
+              <a:ext uri="{FF2B5EF4-FFF2-40B4-BE49-F238E27FC236}">
+                <a16:creationId xmlns:a16="http://schemas.microsoft.com/office/drawing/2014/main" id="{49A984C3-8268-460F-8503-D762E77C1268}"/>
+              </a:ext>
+            </a:extLst>
+          </p:cNvPr>
+          <p:cNvSpPr>
+            <a:spLocks noGrp="1"/>
+          </p:cNvSpPr>
+          <p:nvPr>
+            <p:ph type="title"/>
+          </p:nvPr>
+        </p:nvSpPr>
+        <p:spPr/>
+        <p:txBody>
+          <a:bodyPr/>
+          <a:lstStyle/>
+          <a:p>
+            <a:r>
+              <a:rPr lang="en-US" u="sng"/>
+              <a:t>reduce()</a:t>
+            </a:r>
+          </a:p>
+        </p:txBody>
+      </p:sp>
+      <p:sp>
+        <p:nvSpPr>
+          <p:cNvPr id="6" name="Content Placeholder 5">
+            <a:extLst>
+              <a:ext uri="{FF2B5EF4-FFF2-40B4-BE49-F238E27FC236}">
+                <a16:creationId xmlns:a16="http://schemas.microsoft.com/office/drawing/2014/main" id="{EDC11664-927D-4A6E-9A84-5592FEDA3549}"/>
+              </a:ext>
+            </a:extLst>
+          </p:cNvPr>
+          <p:cNvSpPr>
+            <a:spLocks noGrp="1"/>
+          </p:cNvSpPr>
+          <p:nvPr>
+            <p:ph idx="1"/>
+          </p:nvPr>
+        </p:nvSpPr>
+        <p:spPr/>
+        <p:txBody>
+          <a:bodyPr>
+            <a:normAutofit/>
+          </a:bodyPr>
+          <a:lstStyle/>
+          <a:p>
+            <a:pPr marL="0" indent="0">
+              <a:lnSpc>
+                <a:spcPct val="100000"/>
+              </a:lnSpc>
+              <a:spcBef>
+                <a:spcPts val="600"/>
+              </a:spcBef>
+              <a:buNone/>
+            </a:pPr>
+            <a:r>
+              <a:rPr lang="en-US" sz="1600"/>
+              <a:t>The </a:t>
+            </a:r>
+            <a:r>
+              <a:rPr lang="en-US" sz="1600" b="1"/>
+              <a:t>reduce() </a:t>
+            </a:r>
+            <a:r>
+              <a:rPr lang="en-US" sz="1600"/>
+              <a:t>method reduces an array down to a single value.</a:t>
+            </a:r>
+          </a:p>
+          <a:p>
+            <a:pPr marL="0" indent="0">
+              <a:lnSpc>
+                <a:spcPct val="100000"/>
+              </a:lnSpc>
+              <a:spcBef>
+                <a:spcPts val="600"/>
+              </a:spcBef>
+              <a:buNone/>
+            </a:pPr>
+            <a:r>
+              <a:rPr lang="en-US" sz="1600"/>
+              <a:t>To calculate the output value, it runs a reducer function on each element sequently.</a:t>
+            </a:r>
+          </a:p>
+          <a:p>
+            <a:pPr marL="0" indent="0">
+              <a:lnSpc>
+                <a:spcPct val="100000"/>
+              </a:lnSpc>
+              <a:spcBef>
+                <a:spcPts val="600"/>
+              </a:spcBef>
+              <a:buNone/>
+            </a:pPr>
+            <a:r>
+              <a:rPr lang="en-US" sz="1600">
+                <a:highlight>
+                  <a:srgbClr val="FCF7F1"/>
+                </a:highlight>
+              </a:rPr>
+              <a:t>It also needs an initial value.</a:t>
+            </a:r>
+          </a:p>
+          <a:p>
+            <a:pPr marL="0" indent="0">
+              <a:lnSpc>
+                <a:spcPct val="100000"/>
+              </a:lnSpc>
+              <a:spcBef>
+                <a:spcPts val="0"/>
+              </a:spcBef>
+              <a:buNone/>
+            </a:pPr>
+            <a:endParaRPr lang="en-US" sz="1600"/>
+          </a:p>
+          <a:p>
+            <a:pPr marL="0" indent="0">
+              <a:lnSpc>
+                <a:spcPct val="100000"/>
+              </a:lnSpc>
+              <a:spcBef>
+                <a:spcPts val="0"/>
+              </a:spcBef>
+              <a:buNone/>
+            </a:pPr>
+            <a:r>
+              <a:rPr lang="en-US" sz="1600" b="1" u="sng"/>
+              <a:t>Example</a:t>
+            </a:r>
+          </a:p>
+          <a:p>
+            <a:pPr marL="0" indent="0">
+              <a:lnSpc>
+                <a:spcPct val="100000"/>
+              </a:lnSpc>
+              <a:spcBef>
+                <a:spcPts val="0"/>
+              </a:spcBef>
+              <a:buNone/>
+            </a:pPr>
+            <a:r>
+              <a:rPr lang="en-US" sz="1600">
+                <a:latin typeface="Consolas" panose="020B0609020204030204" pitchFamily="49" charset="0"/>
+              </a:rPr>
+              <a:t>const pets = [</a:t>
+            </a:r>
+          </a:p>
+          <a:p>
+            <a:pPr marL="0" indent="0">
+              <a:lnSpc>
+                <a:spcPct val="100000"/>
+              </a:lnSpc>
+              <a:spcBef>
+                <a:spcPts val="0"/>
+              </a:spcBef>
+              <a:buNone/>
+            </a:pPr>
+            <a:r>
+              <a:rPr lang="en-US" sz="1600">
+                <a:latin typeface="Consolas" panose="020B0609020204030204" pitchFamily="49" charset="0"/>
+              </a:rPr>
+              <a:t>  {name:'cat', weight:8}, </a:t>
+            </a:r>
+          </a:p>
+          <a:p>
+            <a:pPr marL="0" indent="0">
+              <a:lnSpc>
+                <a:spcPct val="100000"/>
+              </a:lnSpc>
+              <a:spcBef>
+                <a:spcPts val="0"/>
+              </a:spcBef>
+              <a:buNone/>
+            </a:pPr>
+            <a:r>
+              <a:rPr lang="en-US" sz="1600">
+                <a:latin typeface="Consolas" panose="020B0609020204030204" pitchFamily="49" charset="0"/>
+              </a:rPr>
+              <a:t>  {name:'dog', weight:15}, </a:t>
+            </a:r>
+          </a:p>
+          <a:p>
+            <a:pPr marL="0" indent="0">
+              <a:lnSpc>
+                <a:spcPct val="100000"/>
+              </a:lnSpc>
+              <a:spcBef>
+                <a:spcPts val="0"/>
+              </a:spcBef>
+              <a:buNone/>
+            </a:pPr>
+            <a:r>
+              <a:rPr lang="en-US" sz="1600">
+                <a:latin typeface="Consolas" panose="020B0609020204030204" pitchFamily="49" charset="0"/>
+              </a:rPr>
+              <a:t>  {name:'bird', weight:0.09}</a:t>
+            </a:r>
+          </a:p>
+          <a:p>
+            <a:pPr marL="0" indent="0">
+              <a:lnSpc>
+                <a:spcPct val="100000"/>
+              </a:lnSpc>
+              <a:spcBef>
+                <a:spcPts val="0"/>
+              </a:spcBef>
+              <a:buNone/>
+            </a:pPr>
+            <a:r>
+              <a:rPr lang="en-US" sz="1600">
+                <a:latin typeface="Consolas" panose="020B0609020204030204" pitchFamily="49" charset="0"/>
+              </a:rPr>
+              <a:t>];</a:t>
+            </a:r>
+          </a:p>
+          <a:p>
+            <a:pPr marL="0" indent="0">
+              <a:lnSpc>
+                <a:spcPct val="100000"/>
+              </a:lnSpc>
+              <a:spcBef>
+                <a:spcPts val="0"/>
+              </a:spcBef>
+              <a:buNone/>
+            </a:pPr>
+            <a:r>
+              <a:rPr lang="en-US" sz="1600">
+                <a:latin typeface="Consolas" panose="020B0609020204030204" pitchFamily="49" charset="0"/>
+              </a:rPr>
+              <a:t>const sum = pets.reduce((result, pet) =&gt; result + pet.weight, </a:t>
+            </a:r>
+            <a:r>
+              <a:rPr lang="en-US" sz="1600">
+                <a:highlight>
+                  <a:srgbClr val="FCF7F1"/>
+                </a:highlight>
+                <a:latin typeface="Consolas" panose="020B0609020204030204" pitchFamily="49" charset="0"/>
+              </a:rPr>
+              <a:t>0</a:t>
+            </a:r>
+            <a:r>
+              <a:rPr lang="en-US" sz="1600">
+                <a:latin typeface="Consolas" panose="020B0609020204030204" pitchFamily="49" charset="0"/>
+              </a:rPr>
+              <a:t>);</a:t>
+            </a:r>
+          </a:p>
+          <a:p>
+            <a:pPr marL="0" indent="0">
+              <a:lnSpc>
+                <a:spcPct val="100000"/>
+              </a:lnSpc>
+              <a:spcBef>
+                <a:spcPts val="0"/>
+              </a:spcBef>
+              <a:buNone/>
+            </a:pPr>
+            <a:r>
+              <a:rPr lang="en-US" sz="1600">
+                <a:latin typeface="Consolas" panose="020B0609020204030204" pitchFamily="49" charset="0"/>
+              </a:rPr>
+              <a:t>const product = pets.reduce((result, pet) =&gt; result * pet.weight, </a:t>
+            </a:r>
+            <a:r>
+              <a:rPr lang="en-US" sz="1600">
+                <a:highlight>
+                  <a:srgbClr val="FCF7F1"/>
+                </a:highlight>
+                <a:latin typeface="Consolas" panose="020B0609020204030204" pitchFamily="49" charset="0"/>
+              </a:rPr>
+              <a:t>1</a:t>
+            </a:r>
+            <a:r>
+              <a:rPr lang="en-US" sz="1600">
+                <a:latin typeface="Consolas" panose="020B0609020204030204" pitchFamily="49" charset="0"/>
+              </a:rPr>
+              <a:t>);</a:t>
+            </a:r>
+          </a:p>
+          <a:p>
+            <a:pPr marL="0" indent="0">
+              <a:lnSpc>
+                <a:spcPct val="100000"/>
+              </a:lnSpc>
+              <a:spcBef>
+                <a:spcPts val="0"/>
+              </a:spcBef>
+              <a:buNone/>
+            </a:pPr>
+            <a:endParaRPr lang="en-US" sz="1600">
+              <a:latin typeface="Consolas" panose="020B0609020204030204" pitchFamily="49" charset="0"/>
+            </a:endParaRPr>
+          </a:p>
+          <a:p>
+            <a:pPr marL="0" indent="0">
+              <a:lnSpc>
+                <a:spcPct val="100000"/>
+              </a:lnSpc>
+              <a:spcBef>
+                <a:spcPts val="0"/>
+              </a:spcBef>
+              <a:buNone/>
+            </a:pPr>
+            <a:r>
+              <a:rPr lang="en-US" sz="1600">
+                <a:latin typeface="Consolas" panose="020B0609020204030204" pitchFamily="49" charset="0"/>
+              </a:rPr>
+              <a:t>// sum = 23.09, product = 10.8</a:t>
+            </a:r>
+            <a:endParaRPr lang="en-US" sz="1600"/>
+          </a:p>
+          <a:p>
+            <a:pPr marL="0" indent="0">
+              <a:lnSpc>
+                <a:spcPct val="100000"/>
+              </a:lnSpc>
+              <a:spcBef>
+                <a:spcPts val="0"/>
+              </a:spcBef>
+              <a:buNone/>
+            </a:pPr>
+            <a:endParaRPr lang="en-US" sz="1600"/>
+          </a:p>
+        </p:txBody>
+      </p:sp>
+      <p:sp>
+        <p:nvSpPr>
+          <p:cNvPr id="4" name="Slide Number Placeholder 3">
+            <a:extLst>
+              <a:ext uri="{FF2B5EF4-FFF2-40B4-BE49-F238E27FC236}">
+                <a16:creationId xmlns:a16="http://schemas.microsoft.com/office/drawing/2014/main" id="{079932A0-F4B0-4EF6-B612-E3FB9B3FEB9D}"/>
+              </a:ext>
+            </a:extLst>
+          </p:cNvPr>
+          <p:cNvSpPr>
+            <a:spLocks noGrp="1"/>
+          </p:cNvSpPr>
+          <p:nvPr>
+            <p:ph type="sldNum" sz="quarter" idx="12"/>
+          </p:nvPr>
+        </p:nvSpPr>
+        <p:spPr/>
+        <p:txBody>
+          <a:bodyPr/>
+          <a:lstStyle/>
+          <a:p>
+            <a:fld id="{34B7E4EF-A1BD-40F4-AB7B-04F084DD991D}" type="slidenum">
+              <a:rPr lang="en-US" smtClean="0"/>
+              <a:t>49</a:t>
+            </a:fld>
+            <a:endParaRPr lang="en-US" dirty="0"/>
+          </a:p>
+        </p:txBody>
+      </p:sp>
+    </p:spTree>
+    <p:extLst>
+      <p:ext uri="{BB962C8B-B14F-4D97-AF65-F5344CB8AC3E}">
+        <p14:creationId xmlns:p14="http://schemas.microsoft.com/office/powerpoint/2010/main" val="2410922128"/>
       </p:ext>
     </p:extLst>
   </p:cSld>
@@ -18112,6 +19761,2039 @@
     <p:extLst>
       <p:ext uri="{BB962C8B-B14F-4D97-AF65-F5344CB8AC3E}">
         <p14:creationId xmlns:p14="http://schemas.microsoft.com/office/powerpoint/2010/main" val="2332755127"/>
+      </p:ext>
+    </p:extLst>
+  </p:cSld>
+  <p:clrMapOvr>
+    <a:masterClrMapping/>
+  </p:clrMapOvr>
+</p:sld>
+</file>
+
+<file path=ppt/slides/slide50.xml><?xml version="1.0" encoding="utf-8"?>
+<p:sld xmlns:a="http://schemas.openxmlformats.org/drawingml/2006/main" xmlns:r="http://schemas.openxmlformats.org/officeDocument/2006/relationships" xmlns:p="http://schemas.openxmlformats.org/presentationml/2006/main">
+  <p:cSld>
+    <p:spTree>
+      <p:nvGrpSpPr>
+        <p:cNvPr id="1" name=""/>
+        <p:cNvGrpSpPr/>
+        <p:nvPr/>
+      </p:nvGrpSpPr>
+      <p:grpSpPr>
+        <a:xfrm>
+          <a:off x="0" y="0"/>
+          <a:ext cx="0" cy="0"/>
+          <a:chOff x="0" y="0"/>
+          <a:chExt cx="0" cy="0"/>
+        </a:xfrm>
+      </p:grpSpPr>
+      <p:sp>
+        <p:nvSpPr>
+          <p:cNvPr id="5" name="Title 4">
+            <a:extLst>
+              <a:ext uri="{FF2B5EF4-FFF2-40B4-BE49-F238E27FC236}">
+                <a16:creationId xmlns:a16="http://schemas.microsoft.com/office/drawing/2014/main" id="{49A984C3-8268-460F-8503-D762E77C1268}"/>
+              </a:ext>
+            </a:extLst>
+          </p:cNvPr>
+          <p:cNvSpPr>
+            <a:spLocks noGrp="1"/>
+          </p:cNvSpPr>
+          <p:nvPr>
+            <p:ph type="title"/>
+          </p:nvPr>
+        </p:nvSpPr>
+        <p:spPr/>
+        <p:txBody>
+          <a:bodyPr/>
+          <a:lstStyle/>
+          <a:p>
+            <a:r>
+              <a:rPr lang="en-US" u="sng"/>
+              <a:t>reduce() continued.</a:t>
+            </a:r>
+          </a:p>
+        </p:txBody>
+      </p:sp>
+      <p:sp>
+        <p:nvSpPr>
+          <p:cNvPr id="6" name="Content Placeholder 5">
+            <a:extLst>
+              <a:ext uri="{FF2B5EF4-FFF2-40B4-BE49-F238E27FC236}">
+                <a16:creationId xmlns:a16="http://schemas.microsoft.com/office/drawing/2014/main" id="{EDC11664-927D-4A6E-9A84-5592FEDA3549}"/>
+              </a:ext>
+            </a:extLst>
+          </p:cNvPr>
+          <p:cNvSpPr>
+            <a:spLocks noGrp="1"/>
+          </p:cNvSpPr>
+          <p:nvPr>
+            <p:ph idx="1"/>
+          </p:nvPr>
+        </p:nvSpPr>
+        <p:spPr/>
+        <p:txBody>
+          <a:bodyPr>
+            <a:normAutofit/>
+          </a:bodyPr>
+          <a:lstStyle/>
+          <a:p>
+            <a:pPr marL="0" indent="0">
+              <a:lnSpc>
+                <a:spcPct val="100000"/>
+              </a:lnSpc>
+              <a:spcBef>
+                <a:spcPts val="0"/>
+              </a:spcBef>
+              <a:buNone/>
+            </a:pPr>
+            <a:r>
+              <a:rPr lang="en-US" sz="1600" b="1" u="sng"/>
+              <a:t>Example</a:t>
+            </a:r>
+          </a:p>
+          <a:p>
+            <a:pPr marL="0" indent="0">
+              <a:lnSpc>
+                <a:spcPct val="100000"/>
+              </a:lnSpc>
+              <a:spcBef>
+                <a:spcPts val="0"/>
+              </a:spcBef>
+              <a:buNone/>
+            </a:pPr>
+            <a:r>
+              <a:rPr lang="en-US" sz="1600">
+                <a:latin typeface="Consolas" panose="020B0609020204030204" pitchFamily="49" charset="0"/>
+              </a:rPr>
+              <a:t>const pets = [</a:t>
+            </a:r>
+          </a:p>
+          <a:p>
+            <a:pPr marL="0" indent="0">
+              <a:lnSpc>
+                <a:spcPct val="100000"/>
+              </a:lnSpc>
+              <a:spcBef>
+                <a:spcPts val="0"/>
+              </a:spcBef>
+              <a:buNone/>
+            </a:pPr>
+            <a:r>
+              <a:rPr lang="en-US" sz="1600">
+                <a:latin typeface="Consolas" panose="020B0609020204030204" pitchFamily="49" charset="0"/>
+              </a:rPr>
+              <a:t>  {name:'cat', weight:8}, </a:t>
+            </a:r>
+          </a:p>
+          <a:p>
+            <a:pPr marL="0" indent="0">
+              <a:lnSpc>
+                <a:spcPct val="100000"/>
+              </a:lnSpc>
+              <a:spcBef>
+                <a:spcPts val="0"/>
+              </a:spcBef>
+              <a:buNone/>
+            </a:pPr>
+            <a:r>
+              <a:rPr lang="en-US" sz="1600">
+                <a:latin typeface="Consolas" panose="020B0609020204030204" pitchFamily="49" charset="0"/>
+              </a:rPr>
+              <a:t>  {name:'dog', weight:15}, </a:t>
+            </a:r>
+          </a:p>
+          <a:p>
+            <a:pPr marL="0" indent="0">
+              <a:lnSpc>
+                <a:spcPct val="100000"/>
+              </a:lnSpc>
+              <a:spcBef>
+                <a:spcPts val="0"/>
+              </a:spcBef>
+              <a:buNone/>
+            </a:pPr>
+            <a:r>
+              <a:rPr lang="en-US" sz="1600">
+                <a:latin typeface="Consolas" panose="020B0609020204030204" pitchFamily="49" charset="0"/>
+              </a:rPr>
+              <a:t>  {name:'bird', weight:0.09}</a:t>
+            </a:r>
+          </a:p>
+          <a:p>
+            <a:pPr marL="0" indent="0">
+              <a:lnSpc>
+                <a:spcPct val="100000"/>
+              </a:lnSpc>
+              <a:spcBef>
+                <a:spcPts val="0"/>
+              </a:spcBef>
+              <a:buNone/>
+            </a:pPr>
+            <a:r>
+              <a:rPr lang="en-US" sz="1600">
+                <a:latin typeface="Consolas" panose="020B0609020204030204" pitchFamily="49" charset="0"/>
+              </a:rPr>
+              <a:t>];</a:t>
+            </a:r>
+          </a:p>
+          <a:p>
+            <a:pPr marL="0" indent="0">
+              <a:lnSpc>
+                <a:spcPct val="100000"/>
+              </a:lnSpc>
+              <a:spcBef>
+                <a:spcPts val="0"/>
+              </a:spcBef>
+              <a:buNone/>
+            </a:pPr>
+            <a:r>
+              <a:rPr lang="en-US" sz="1600">
+                <a:latin typeface="Consolas" panose="020B0609020204030204" pitchFamily="49" charset="0"/>
+              </a:rPr>
+              <a:t>const heaviestPet = pets.reduce((result, pet) =&gt; {</a:t>
+            </a:r>
+          </a:p>
+          <a:p>
+            <a:pPr marL="0" indent="0">
+              <a:lnSpc>
+                <a:spcPct val="100000"/>
+              </a:lnSpc>
+              <a:spcBef>
+                <a:spcPts val="0"/>
+              </a:spcBef>
+              <a:buNone/>
+            </a:pPr>
+            <a:r>
+              <a:rPr lang="en-US" sz="1600">
+                <a:latin typeface="Consolas" panose="020B0609020204030204" pitchFamily="49" charset="0"/>
+              </a:rPr>
+              <a:t>  if (result.weight &amp;&amp; result.weight &gt; pet.weight) {</a:t>
+            </a:r>
+          </a:p>
+          <a:p>
+            <a:pPr marL="0" indent="0">
+              <a:lnSpc>
+                <a:spcPct val="100000"/>
+              </a:lnSpc>
+              <a:spcBef>
+                <a:spcPts val="0"/>
+              </a:spcBef>
+              <a:buNone/>
+            </a:pPr>
+            <a:r>
+              <a:rPr lang="en-US" sz="1600">
+                <a:latin typeface="Consolas" panose="020B0609020204030204" pitchFamily="49" charset="0"/>
+              </a:rPr>
+              <a:t>    return result;</a:t>
+            </a:r>
+          </a:p>
+          <a:p>
+            <a:pPr marL="0" indent="0">
+              <a:lnSpc>
+                <a:spcPct val="100000"/>
+              </a:lnSpc>
+              <a:spcBef>
+                <a:spcPts val="0"/>
+              </a:spcBef>
+              <a:buNone/>
+            </a:pPr>
+            <a:r>
+              <a:rPr lang="en-US" sz="1600">
+                <a:latin typeface="Consolas" panose="020B0609020204030204" pitchFamily="49" charset="0"/>
+              </a:rPr>
+              <a:t>  } else {</a:t>
+            </a:r>
+          </a:p>
+          <a:p>
+            <a:pPr marL="0" indent="0">
+              <a:lnSpc>
+                <a:spcPct val="100000"/>
+              </a:lnSpc>
+              <a:spcBef>
+                <a:spcPts val="0"/>
+              </a:spcBef>
+              <a:buNone/>
+            </a:pPr>
+            <a:r>
+              <a:rPr lang="en-US" sz="1600">
+                <a:latin typeface="Consolas" panose="020B0609020204030204" pitchFamily="49" charset="0"/>
+              </a:rPr>
+              <a:t>    return pet;</a:t>
+            </a:r>
+          </a:p>
+          <a:p>
+            <a:pPr marL="0" indent="0">
+              <a:lnSpc>
+                <a:spcPct val="100000"/>
+              </a:lnSpc>
+              <a:spcBef>
+                <a:spcPts val="0"/>
+              </a:spcBef>
+              <a:buNone/>
+            </a:pPr>
+            <a:r>
+              <a:rPr lang="en-US" sz="1600">
+                <a:latin typeface="Consolas" panose="020B0609020204030204" pitchFamily="49" charset="0"/>
+              </a:rPr>
+              <a:t>  }</a:t>
+            </a:r>
+          </a:p>
+          <a:p>
+            <a:pPr marL="0" indent="0">
+              <a:lnSpc>
+                <a:spcPct val="100000"/>
+              </a:lnSpc>
+              <a:spcBef>
+                <a:spcPts val="0"/>
+              </a:spcBef>
+              <a:buNone/>
+            </a:pPr>
+            <a:r>
+              <a:rPr lang="en-US" sz="1600">
+                <a:latin typeface="Consolas" panose="020B0609020204030204" pitchFamily="49" charset="0"/>
+              </a:rPr>
+              <a:t>}, {});</a:t>
+            </a:r>
+          </a:p>
+          <a:p>
+            <a:pPr marL="0" indent="0">
+              <a:lnSpc>
+                <a:spcPct val="100000"/>
+              </a:lnSpc>
+              <a:spcBef>
+                <a:spcPts val="0"/>
+              </a:spcBef>
+              <a:buNone/>
+            </a:pPr>
+            <a:endParaRPr lang="en-US" sz="1600">
+              <a:latin typeface="Consolas" panose="020B0609020204030204" pitchFamily="49" charset="0"/>
+            </a:endParaRPr>
+          </a:p>
+          <a:p>
+            <a:pPr marL="0" indent="0">
+              <a:lnSpc>
+                <a:spcPct val="100000"/>
+              </a:lnSpc>
+              <a:spcBef>
+                <a:spcPts val="0"/>
+              </a:spcBef>
+              <a:buNone/>
+            </a:pPr>
+            <a:r>
+              <a:rPr lang="en-US" sz="1600">
+                <a:latin typeface="Consolas" panose="020B0609020204030204" pitchFamily="49" charset="0"/>
+              </a:rPr>
+              <a:t>// {name:'dog', weight:15}</a:t>
+            </a:r>
+            <a:endParaRPr lang="en-US" sz="1600"/>
+          </a:p>
+        </p:txBody>
+      </p:sp>
+      <p:sp>
+        <p:nvSpPr>
+          <p:cNvPr id="4" name="Slide Number Placeholder 3">
+            <a:extLst>
+              <a:ext uri="{FF2B5EF4-FFF2-40B4-BE49-F238E27FC236}">
+                <a16:creationId xmlns:a16="http://schemas.microsoft.com/office/drawing/2014/main" id="{079932A0-F4B0-4EF6-B612-E3FB9B3FEB9D}"/>
+              </a:ext>
+            </a:extLst>
+          </p:cNvPr>
+          <p:cNvSpPr>
+            <a:spLocks noGrp="1"/>
+          </p:cNvSpPr>
+          <p:nvPr>
+            <p:ph type="sldNum" sz="quarter" idx="12"/>
+          </p:nvPr>
+        </p:nvSpPr>
+        <p:spPr/>
+        <p:txBody>
+          <a:bodyPr/>
+          <a:lstStyle/>
+          <a:p>
+            <a:fld id="{34B7E4EF-A1BD-40F4-AB7B-04F084DD991D}" type="slidenum">
+              <a:rPr lang="en-US" smtClean="0"/>
+              <a:t>50</a:t>
+            </a:fld>
+            <a:endParaRPr lang="en-US" dirty="0"/>
+          </a:p>
+        </p:txBody>
+      </p:sp>
+    </p:spTree>
+    <p:extLst>
+      <p:ext uri="{BB962C8B-B14F-4D97-AF65-F5344CB8AC3E}">
+        <p14:creationId xmlns:p14="http://schemas.microsoft.com/office/powerpoint/2010/main" val="815088774"/>
+      </p:ext>
+    </p:extLst>
+  </p:cSld>
+  <p:clrMapOvr>
+    <a:masterClrMapping/>
+  </p:clrMapOvr>
+</p:sld>
+</file>
+
+<file path=ppt/slides/slide51.xml><?xml version="1.0" encoding="utf-8"?>
+<p:sld xmlns:a="http://schemas.openxmlformats.org/drawingml/2006/main" xmlns:r="http://schemas.openxmlformats.org/officeDocument/2006/relationships" xmlns:p="http://schemas.openxmlformats.org/presentationml/2006/main">
+  <p:cSld>
+    <p:spTree>
+      <p:nvGrpSpPr>
+        <p:cNvPr id="1" name=""/>
+        <p:cNvGrpSpPr/>
+        <p:nvPr/>
+      </p:nvGrpSpPr>
+      <p:grpSpPr>
+        <a:xfrm>
+          <a:off x="0" y="0"/>
+          <a:ext cx="0" cy="0"/>
+          <a:chOff x="0" y="0"/>
+          <a:chExt cx="0" cy="0"/>
+        </a:xfrm>
+      </p:grpSpPr>
+      <p:sp>
+        <p:nvSpPr>
+          <p:cNvPr id="5" name="Title 4">
+            <a:extLst>
+              <a:ext uri="{FF2B5EF4-FFF2-40B4-BE49-F238E27FC236}">
+                <a16:creationId xmlns:a16="http://schemas.microsoft.com/office/drawing/2014/main" id="{49A984C3-8268-460F-8503-D762E77C1268}"/>
+              </a:ext>
+            </a:extLst>
+          </p:cNvPr>
+          <p:cNvSpPr>
+            <a:spLocks noGrp="1"/>
+          </p:cNvSpPr>
+          <p:nvPr>
+            <p:ph type="title"/>
+          </p:nvPr>
+        </p:nvSpPr>
+        <p:spPr/>
+        <p:txBody>
+          <a:bodyPr/>
+          <a:lstStyle/>
+          <a:p>
+            <a:r>
+              <a:rPr lang="en-US" u="sng"/>
+              <a:t>More Examples</a:t>
+            </a:r>
+          </a:p>
+        </p:txBody>
+      </p:sp>
+      <p:sp>
+        <p:nvSpPr>
+          <p:cNvPr id="6" name="Content Placeholder 5">
+            <a:extLst>
+              <a:ext uri="{FF2B5EF4-FFF2-40B4-BE49-F238E27FC236}">
+                <a16:creationId xmlns:a16="http://schemas.microsoft.com/office/drawing/2014/main" id="{EDC11664-927D-4A6E-9A84-5592FEDA3549}"/>
+              </a:ext>
+            </a:extLst>
+          </p:cNvPr>
+          <p:cNvSpPr>
+            <a:spLocks noGrp="1"/>
+          </p:cNvSpPr>
+          <p:nvPr>
+            <p:ph idx="1"/>
+          </p:nvPr>
+        </p:nvSpPr>
+        <p:spPr/>
+        <p:txBody>
+          <a:bodyPr>
+            <a:normAutofit/>
+          </a:bodyPr>
+          <a:lstStyle/>
+          <a:p>
+            <a:pPr marL="0" indent="0">
+              <a:lnSpc>
+                <a:spcPct val="100000"/>
+              </a:lnSpc>
+              <a:spcBef>
+                <a:spcPts val="0"/>
+              </a:spcBef>
+              <a:buNone/>
+            </a:pPr>
+            <a:r>
+              <a:rPr lang="en-US" sz="1600">
+                <a:latin typeface="Consolas" panose="020B0609020204030204" pitchFamily="49" charset="0"/>
+              </a:rPr>
+              <a:t>const firstLetters = </a:t>
+            </a:r>
+          </a:p>
+          <a:p>
+            <a:pPr marL="0" indent="0">
+              <a:lnSpc>
+                <a:spcPct val="100000"/>
+              </a:lnSpc>
+              <a:spcBef>
+                <a:spcPts val="0"/>
+              </a:spcBef>
+              <a:buNone/>
+            </a:pPr>
+            <a:r>
+              <a:rPr lang="en-US" sz="1600">
+                <a:latin typeface="Consolas" panose="020B0609020204030204" pitchFamily="49" charset="0"/>
+              </a:rPr>
+              <a:t>  pets.map(pet =&gt; pet.name[0])</a:t>
+            </a:r>
+          </a:p>
+          <a:p>
+            <a:pPr marL="0" indent="0">
+              <a:lnSpc>
+                <a:spcPct val="100000"/>
+              </a:lnSpc>
+              <a:spcBef>
+                <a:spcPts val="0"/>
+              </a:spcBef>
+              <a:buNone/>
+            </a:pPr>
+            <a:r>
+              <a:rPr lang="en-US" sz="1600">
+                <a:latin typeface="Consolas" panose="020B0609020204030204" pitchFamily="49" charset="0"/>
+              </a:rPr>
+              <a:t>      .reduce((result, letter) =&gt; result + letter, '');</a:t>
+            </a:r>
+          </a:p>
+          <a:p>
+            <a:pPr marL="0" indent="0">
+              <a:lnSpc>
+                <a:spcPct val="100000"/>
+              </a:lnSpc>
+              <a:spcBef>
+                <a:spcPts val="0"/>
+              </a:spcBef>
+              <a:buNone/>
+            </a:pPr>
+            <a:endParaRPr lang="en-US" sz="1600">
+              <a:latin typeface="Consolas" panose="020B0609020204030204" pitchFamily="49" charset="0"/>
+            </a:endParaRPr>
+          </a:p>
+          <a:p>
+            <a:pPr marL="0" indent="0">
+              <a:lnSpc>
+                <a:spcPct val="100000"/>
+              </a:lnSpc>
+              <a:spcBef>
+                <a:spcPts val="0"/>
+              </a:spcBef>
+              <a:buNone/>
+            </a:pPr>
+            <a:r>
+              <a:rPr lang="en-US" sz="1600">
+                <a:latin typeface="Consolas" panose="020B0609020204030204" pitchFamily="49" charset="0"/>
+              </a:rPr>
+              <a:t>// firstLetters = 'cdb'</a:t>
+            </a:r>
+          </a:p>
+          <a:p>
+            <a:pPr marL="0" indent="0">
+              <a:lnSpc>
+                <a:spcPct val="100000"/>
+              </a:lnSpc>
+              <a:spcBef>
+                <a:spcPts val="0"/>
+              </a:spcBef>
+              <a:buNone/>
+            </a:pPr>
+            <a:endParaRPr lang="en-US" sz="1600">
+              <a:latin typeface="Consolas" panose="020B0609020204030204" pitchFamily="49" charset="0"/>
+            </a:endParaRPr>
+          </a:p>
+          <a:p>
+            <a:pPr marL="0" indent="0">
+              <a:lnSpc>
+                <a:spcPct val="100000"/>
+              </a:lnSpc>
+              <a:spcBef>
+                <a:spcPts val="0"/>
+              </a:spcBef>
+              <a:buNone/>
+            </a:pPr>
+            <a:r>
+              <a:rPr lang="en-US" sz="1600">
+                <a:latin typeface="Consolas" panose="020B0609020204030204" pitchFamily="49" charset="0"/>
+              </a:rPr>
+              <a:t>const totalBirdWeight =</a:t>
+            </a:r>
+          </a:p>
+          <a:p>
+            <a:pPr marL="0" indent="0">
+              <a:lnSpc>
+                <a:spcPct val="100000"/>
+              </a:lnSpc>
+              <a:spcBef>
+                <a:spcPts val="0"/>
+              </a:spcBef>
+              <a:buNone/>
+            </a:pPr>
+            <a:r>
+              <a:rPr lang="en-US" sz="1600">
+                <a:latin typeface="Consolas" panose="020B0609020204030204" pitchFamily="49" charset="0"/>
+              </a:rPr>
+              <a:t>  pets.filter(pet =&gt; pet.name == 'bird')</a:t>
+            </a:r>
+          </a:p>
+          <a:p>
+            <a:pPr marL="0" indent="0">
+              <a:lnSpc>
+                <a:spcPct val="100000"/>
+              </a:lnSpc>
+              <a:spcBef>
+                <a:spcPts val="0"/>
+              </a:spcBef>
+              <a:buNone/>
+            </a:pPr>
+            <a:r>
+              <a:rPr lang="en-US" sz="1600">
+                <a:latin typeface="Consolas" panose="020B0609020204030204" pitchFamily="49" charset="0"/>
+              </a:rPr>
+              <a:t>      .map(pet =&gt; pet.weight)</a:t>
+            </a:r>
+          </a:p>
+          <a:p>
+            <a:pPr marL="0" indent="0">
+              <a:lnSpc>
+                <a:spcPct val="100000"/>
+              </a:lnSpc>
+              <a:spcBef>
+                <a:spcPts val="0"/>
+              </a:spcBef>
+              <a:buNone/>
+            </a:pPr>
+            <a:r>
+              <a:rPr lang="en-US" sz="1600">
+                <a:latin typeface="Consolas" panose="020B0609020204030204" pitchFamily="49" charset="0"/>
+              </a:rPr>
+              <a:t>      .reduce((result, weight) =&gt; result + weight, 0);</a:t>
+            </a:r>
+          </a:p>
+          <a:p>
+            <a:pPr marL="0" indent="0">
+              <a:lnSpc>
+                <a:spcPct val="100000"/>
+              </a:lnSpc>
+              <a:spcBef>
+                <a:spcPts val="0"/>
+              </a:spcBef>
+              <a:buNone/>
+            </a:pPr>
+            <a:endParaRPr lang="en-US" sz="1600">
+              <a:latin typeface="Consolas" panose="020B0609020204030204" pitchFamily="49" charset="0"/>
+            </a:endParaRPr>
+          </a:p>
+          <a:p>
+            <a:pPr marL="0" indent="0">
+              <a:lnSpc>
+                <a:spcPct val="100000"/>
+              </a:lnSpc>
+              <a:spcBef>
+                <a:spcPts val="0"/>
+              </a:spcBef>
+              <a:buNone/>
+            </a:pPr>
+            <a:r>
+              <a:rPr lang="en-US" sz="1600">
+                <a:latin typeface="Consolas" panose="020B0609020204030204" pitchFamily="49" charset="0"/>
+              </a:rPr>
+              <a:t>// totalBirdWeight = 0.09</a:t>
+            </a:r>
+          </a:p>
+        </p:txBody>
+      </p:sp>
+      <p:sp>
+        <p:nvSpPr>
+          <p:cNvPr id="4" name="Slide Number Placeholder 3">
+            <a:extLst>
+              <a:ext uri="{FF2B5EF4-FFF2-40B4-BE49-F238E27FC236}">
+                <a16:creationId xmlns:a16="http://schemas.microsoft.com/office/drawing/2014/main" id="{079932A0-F4B0-4EF6-B612-E3FB9B3FEB9D}"/>
+              </a:ext>
+            </a:extLst>
+          </p:cNvPr>
+          <p:cNvSpPr>
+            <a:spLocks noGrp="1"/>
+          </p:cNvSpPr>
+          <p:nvPr>
+            <p:ph type="sldNum" sz="quarter" idx="12"/>
+          </p:nvPr>
+        </p:nvSpPr>
+        <p:spPr/>
+        <p:txBody>
+          <a:bodyPr/>
+          <a:lstStyle/>
+          <a:p>
+            <a:fld id="{34B7E4EF-A1BD-40F4-AB7B-04F084DD991D}" type="slidenum">
+              <a:rPr lang="en-US" smtClean="0"/>
+              <a:t>51</a:t>
+            </a:fld>
+            <a:endParaRPr lang="en-US" dirty="0"/>
+          </a:p>
+        </p:txBody>
+      </p:sp>
+    </p:spTree>
+    <p:extLst>
+      <p:ext uri="{BB962C8B-B14F-4D97-AF65-F5344CB8AC3E}">
+        <p14:creationId xmlns:p14="http://schemas.microsoft.com/office/powerpoint/2010/main" val="465274765"/>
+      </p:ext>
+    </p:extLst>
+  </p:cSld>
+  <p:clrMapOvr>
+    <a:masterClrMapping/>
+  </p:clrMapOvr>
+</p:sld>
+</file>
+
+<file path=ppt/slides/slide52.xml><?xml version="1.0" encoding="utf-8"?>
+<p:sld xmlns:a="http://schemas.openxmlformats.org/drawingml/2006/main" xmlns:r="http://schemas.openxmlformats.org/officeDocument/2006/relationships" xmlns:p="http://schemas.openxmlformats.org/presentationml/2006/main">
+  <p:cSld>
+    <p:spTree>
+      <p:nvGrpSpPr>
+        <p:cNvPr id="1" name=""/>
+        <p:cNvGrpSpPr/>
+        <p:nvPr/>
+      </p:nvGrpSpPr>
+      <p:grpSpPr>
+        <a:xfrm>
+          <a:off x="0" y="0"/>
+          <a:ext cx="0" cy="0"/>
+          <a:chOff x="0" y="0"/>
+          <a:chExt cx="0" cy="0"/>
+        </a:xfrm>
+      </p:grpSpPr>
+      <p:sp>
+        <p:nvSpPr>
+          <p:cNvPr id="5" name="Title 4">
+            <a:extLst>
+              <a:ext uri="{FF2B5EF4-FFF2-40B4-BE49-F238E27FC236}">
+                <a16:creationId xmlns:a16="http://schemas.microsoft.com/office/drawing/2014/main" id="{19920336-7909-426F-8081-AFA24B193F14}"/>
+              </a:ext>
+            </a:extLst>
+          </p:cNvPr>
+          <p:cNvSpPr>
+            <a:spLocks noGrp="1"/>
+          </p:cNvSpPr>
+          <p:nvPr>
+            <p:ph type="title"/>
+          </p:nvPr>
+        </p:nvSpPr>
+        <p:spPr/>
+        <p:txBody>
+          <a:bodyPr/>
+          <a:lstStyle/>
+          <a:p>
+            <a:r>
+              <a:rPr lang="en-US" cap="none"/>
+              <a:t>Error Handling</a:t>
+            </a:r>
+            <a:endParaRPr lang="en-US" cap="none" dirty="0"/>
+          </a:p>
+        </p:txBody>
+      </p:sp>
+      <p:sp>
+        <p:nvSpPr>
+          <p:cNvPr id="6" name="Text Placeholder 5">
+            <a:extLst>
+              <a:ext uri="{FF2B5EF4-FFF2-40B4-BE49-F238E27FC236}">
+                <a16:creationId xmlns:a16="http://schemas.microsoft.com/office/drawing/2014/main" id="{DAE3D404-51E4-4D64-88D7-AFA22CFBA8F7}"/>
+              </a:ext>
+            </a:extLst>
+          </p:cNvPr>
+          <p:cNvSpPr>
+            <a:spLocks noGrp="1"/>
+          </p:cNvSpPr>
+          <p:nvPr>
+            <p:ph type="body" idx="1"/>
+          </p:nvPr>
+        </p:nvSpPr>
+        <p:spPr/>
+        <p:txBody>
+          <a:bodyPr/>
+          <a:lstStyle/>
+          <a:p>
+            <a:r>
+              <a:rPr lang="en-US"/>
+              <a:t>handling errors with try..catch</a:t>
+            </a:r>
+            <a:endParaRPr lang="en-US" dirty="0"/>
+          </a:p>
+        </p:txBody>
+      </p:sp>
+      <p:sp>
+        <p:nvSpPr>
+          <p:cNvPr id="4" name="Slide Number Placeholder 3">
+            <a:extLst>
+              <a:ext uri="{FF2B5EF4-FFF2-40B4-BE49-F238E27FC236}">
+                <a16:creationId xmlns:a16="http://schemas.microsoft.com/office/drawing/2014/main" id="{B3E58610-8DF0-4BC8-B28F-9775BE8BC83F}"/>
+              </a:ext>
+            </a:extLst>
+          </p:cNvPr>
+          <p:cNvSpPr>
+            <a:spLocks noGrp="1"/>
+          </p:cNvSpPr>
+          <p:nvPr>
+            <p:ph type="sldNum" sz="quarter" idx="12"/>
+          </p:nvPr>
+        </p:nvSpPr>
+        <p:spPr/>
+        <p:txBody>
+          <a:bodyPr/>
+          <a:lstStyle/>
+          <a:p>
+            <a:fld id="{34B7E4EF-A1BD-40F4-AB7B-04F084DD991D}" type="slidenum">
+              <a:rPr lang="en-US" smtClean="0"/>
+              <a:t>52</a:t>
+            </a:fld>
+            <a:endParaRPr lang="en-US" dirty="0"/>
+          </a:p>
+        </p:txBody>
+      </p:sp>
+    </p:spTree>
+    <p:extLst>
+      <p:ext uri="{BB962C8B-B14F-4D97-AF65-F5344CB8AC3E}">
+        <p14:creationId xmlns:p14="http://schemas.microsoft.com/office/powerpoint/2010/main" val="1378313255"/>
+      </p:ext>
+    </p:extLst>
+  </p:cSld>
+  <p:clrMapOvr>
+    <a:masterClrMapping/>
+  </p:clrMapOvr>
+</p:sld>
+</file>
+
+<file path=ppt/slides/slide53.xml><?xml version="1.0" encoding="utf-8"?>
+<p:sld xmlns:a="http://schemas.openxmlformats.org/drawingml/2006/main" xmlns:r="http://schemas.openxmlformats.org/officeDocument/2006/relationships" xmlns:p="http://schemas.openxmlformats.org/presentationml/2006/main">
+  <p:cSld>
+    <p:spTree>
+      <p:nvGrpSpPr>
+        <p:cNvPr id="1" name=""/>
+        <p:cNvGrpSpPr/>
+        <p:nvPr/>
+      </p:nvGrpSpPr>
+      <p:grpSpPr>
+        <a:xfrm>
+          <a:off x="0" y="0"/>
+          <a:ext cx="0" cy="0"/>
+          <a:chOff x="0" y="0"/>
+          <a:chExt cx="0" cy="0"/>
+        </a:xfrm>
+      </p:grpSpPr>
+      <p:sp>
+        <p:nvSpPr>
+          <p:cNvPr id="5" name="Title 4">
+            <a:extLst>
+              <a:ext uri="{FF2B5EF4-FFF2-40B4-BE49-F238E27FC236}">
+                <a16:creationId xmlns:a16="http://schemas.microsoft.com/office/drawing/2014/main" id="{49A984C3-8268-460F-8503-D762E77C1268}"/>
+              </a:ext>
+            </a:extLst>
+          </p:cNvPr>
+          <p:cNvSpPr>
+            <a:spLocks noGrp="1"/>
+          </p:cNvSpPr>
+          <p:nvPr>
+            <p:ph type="title"/>
+          </p:nvPr>
+        </p:nvSpPr>
+        <p:spPr/>
+        <p:txBody>
+          <a:bodyPr/>
+          <a:lstStyle/>
+          <a:p>
+            <a:r>
+              <a:rPr lang="en-US" u="sng"/>
+              <a:t>Error Handling</a:t>
+            </a:r>
+          </a:p>
+        </p:txBody>
+      </p:sp>
+      <p:sp>
+        <p:nvSpPr>
+          <p:cNvPr id="6" name="Content Placeholder 5">
+            <a:extLst>
+              <a:ext uri="{FF2B5EF4-FFF2-40B4-BE49-F238E27FC236}">
+                <a16:creationId xmlns:a16="http://schemas.microsoft.com/office/drawing/2014/main" id="{EDC11664-927D-4A6E-9A84-5592FEDA3549}"/>
+              </a:ext>
+            </a:extLst>
+          </p:cNvPr>
+          <p:cNvSpPr>
+            <a:spLocks noGrp="1"/>
+          </p:cNvSpPr>
+          <p:nvPr>
+            <p:ph idx="1"/>
+          </p:nvPr>
+        </p:nvSpPr>
+        <p:spPr>
+          <a:xfrm>
+            <a:off x="1066800" y="2103120"/>
+            <a:ext cx="10058400" cy="4297680"/>
+          </a:xfrm>
+        </p:spPr>
+        <p:txBody>
+          <a:bodyPr>
+            <a:normAutofit/>
+          </a:bodyPr>
+          <a:lstStyle/>
+          <a:p>
+            <a:pPr marL="0" indent="0">
+              <a:lnSpc>
+                <a:spcPct val="100000"/>
+              </a:lnSpc>
+              <a:spcBef>
+                <a:spcPts val="0"/>
+              </a:spcBef>
+              <a:spcAft>
+                <a:spcPts val="600"/>
+              </a:spcAft>
+              <a:buNone/>
+            </a:pPr>
+            <a:r>
+              <a:rPr lang="en-US" sz="1600" b="1"/>
+              <a:t>"No matter how greate we are at programming, sometimes our scripts have errors. They may occur because of our mistakes, an unexpected user input, an erroneous server response, [or] for a thousand other reasons. [Many of which are beyond our control.]"</a:t>
+            </a:r>
+          </a:p>
+          <a:p>
+            <a:pPr marL="0" indent="0">
+              <a:lnSpc>
+                <a:spcPct val="100000"/>
+              </a:lnSpc>
+              <a:spcBef>
+                <a:spcPts val="0"/>
+              </a:spcBef>
+              <a:spcAft>
+                <a:spcPts val="600"/>
+              </a:spcAft>
+              <a:buNone/>
+            </a:pPr>
+            <a:endParaRPr lang="en-US" sz="1600"/>
+          </a:p>
+          <a:p>
+            <a:pPr>
+              <a:lnSpc>
+                <a:spcPct val="100000"/>
+              </a:lnSpc>
+              <a:spcBef>
+                <a:spcPts val="0"/>
+              </a:spcBef>
+              <a:spcAft>
+                <a:spcPts val="600"/>
+              </a:spcAft>
+            </a:pPr>
+            <a:r>
+              <a:rPr lang="en-US" sz="1600"/>
+              <a:t>Usually, a script stops immediately (or dies) when an error is encountered, printing it to the console.</a:t>
+            </a:r>
+          </a:p>
+          <a:p>
+            <a:pPr>
+              <a:lnSpc>
+                <a:spcPct val="100000"/>
+              </a:lnSpc>
+              <a:spcBef>
+                <a:spcPts val="0"/>
+              </a:spcBef>
+              <a:spcAft>
+                <a:spcPts val="600"/>
+              </a:spcAft>
+            </a:pPr>
+            <a:r>
+              <a:rPr lang="en-US" sz="1600"/>
+              <a:t>Instead of dying, we may want our application to do something more reasonable. </a:t>
+            </a:r>
+          </a:p>
+          <a:p>
+            <a:pPr>
+              <a:lnSpc>
+                <a:spcPct val="100000"/>
+              </a:lnSpc>
+              <a:spcBef>
+                <a:spcPts val="0"/>
+              </a:spcBef>
+              <a:spcAft>
+                <a:spcPts val="600"/>
+              </a:spcAft>
+            </a:pPr>
+            <a:r>
+              <a:rPr lang="en-US" sz="1600" b="1">
+                <a:latin typeface="Consolas" panose="020B0609020204030204" pitchFamily="49" charset="0"/>
+              </a:rPr>
+              <a:t>try..catch </a:t>
+            </a:r>
+            <a:r>
+              <a:rPr lang="en-US" sz="1600"/>
+              <a:t>allows us to do this.</a:t>
+            </a:r>
+          </a:p>
+          <a:p>
+            <a:pPr marL="0" indent="0">
+              <a:lnSpc>
+                <a:spcPct val="100000"/>
+              </a:lnSpc>
+              <a:spcBef>
+                <a:spcPts val="0"/>
+              </a:spcBef>
+              <a:buNone/>
+            </a:pPr>
+            <a:endParaRPr lang="en-US" sz="1600" b="1">
+              <a:latin typeface="Consolas" panose="020B0609020204030204" pitchFamily="49" charset="0"/>
+            </a:endParaRPr>
+          </a:p>
+          <a:p>
+            <a:pPr marL="0" indent="0">
+              <a:lnSpc>
+                <a:spcPct val="100000"/>
+              </a:lnSpc>
+              <a:spcBef>
+                <a:spcPts val="0"/>
+              </a:spcBef>
+              <a:buNone/>
+            </a:pPr>
+            <a:r>
+              <a:rPr lang="en-US" sz="1600" b="1">
+                <a:latin typeface="Consolas" panose="020B0609020204030204" pitchFamily="49" charset="0"/>
+              </a:rPr>
+              <a:t>try {</a:t>
+            </a:r>
+          </a:p>
+          <a:p>
+            <a:pPr marL="0" indent="0">
+              <a:lnSpc>
+                <a:spcPct val="100000"/>
+              </a:lnSpc>
+              <a:spcBef>
+                <a:spcPts val="0"/>
+              </a:spcBef>
+              <a:buNone/>
+            </a:pPr>
+            <a:r>
+              <a:rPr lang="en-US" sz="1600">
+                <a:latin typeface="Consolas" panose="020B0609020204030204" pitchFamily="49" charset="0"/>
+              </a:rPr>
+              <a:t>  // code...</a:t>
+            </a:r>
+          </a:p>
+          <a:p>
+            <a:pPr marL="0" indent="0">
+              <a:lnSpc>
+                <a:spcPct val="100000"/>
+              </a:lnSpc>
+              <a:spcBef>
+                <a:spcPts val="0"/>
+              </a:spcBef>
+              <a:buNone/>
+            </a:pPr>
+            <a:r>
+              <a:rPr lang="en-US" sz="1600" b="1">
+                <a:latin typeface="Consolas" panose="020B0609020204030204" pitchFamily="49" charset="0"/>
+              </a:rPr>
+              <a:t>} catch (err) {</a:t>
+            </a:r>
+          </a:p>
+          <a:p>
+            <a:pPr marL="0" indent="0">
+              <a:lnSpc>
+                <a:spcPct val="100000"/>
+              </a:lnSpc>
+              <a:spcBef>
+                <a:spcPts val="0"/>
+              </a:spcBef>
+              <a:buNone/>
+            </a:pPr>
+            <a:r>
+              <a:rPr lang="en-US" sz="1600">
+                <a:latin typeface="Consolas" panose="020B0609020204030204" pitchFamily="49" charset="0"/>
+              </a:rPr>
+              <a:t>  // error handling</a:t>
+            </a:r>
+          </a:p>
+          <a:p>
+            <a:pPr marL="0" indent="0">
+              <a:lnSpc>
+                <a:spcPct val="100000"/>
+              </a:lnSpc>
+              <a:spcBef>
+                <a:spcPts val="0"/>
+              </a:spcBef>
+              <a:buNone/>
+            </a:pPr>
+            <a:r>
+              <a:rPr lang="en-US" sz="1600" b="1">
+                <a:latin typeface="Consolas" panose="020B0609020204030204" pitchFamily="49" charset="0"/>
+              </a:rPr>
+              <a:t>}</a:t>
+            </a:r>
+          </a:p>
+          <a:p>
+            <a:pPr marL="0" indent="0">
+              <a:lnSpc>
+                <a:spcPct val="100000"/>
+              </a:lnSpc>
+              <a:spcBef>
+                <a:spcPts val="0"/>
+              </a:spcBef>
+              <a:buNone/>
+            </a:pPr>
+            <a:endParaRPr lang="en-US" sz="1600" b="1">
+              <a:latin typeface="Consolas" panose="020B0609020204030204" pitchFamily="49" charset="0"/>
+            </a:endParaRPr>
+          </a:p>
+          <a:p>
+            <a:pPr marL="0" indent="0">
+              <a:lnSpc>
+                <a:spcPct val="100000"/>
+              </a:lnSpc>
+              <a:spcBef>
+                <a:spcPts val="0"/>
+              </a:spcBef>
+              <a:buNone/>
+            </a:pPr>
+            <a:r>
+              <a:rPr lang="en-US" sz="1600">
+                <a:hlinkClick r:id="rId3"/>
+              </a:rPr>
+              <a:t>https://javascript.info/try-catch</a:t>
+            </a:r>
+            <a:endParaRPr lang="en-US" sz="1600" b="1"/>
+          </a:p>
+        </p:txBody>
+      </p:sp>
+      <p:sp>
+        <p:nvSpPr>
+          <p:cNvPr id="4" name="Slide Number Placeholder 3">
+            <a:extLst>
+              <a:ext uri="{FF2B5EF4-FFF2-40B4-BE49-F238E27FC236}">
+                <a16:creationId xmlns:a16="http://schemas.microsoft.com/office/drawing/2014/main" id="{079932A0-F4B0-4EF6-B612-E3FB9B3FEB9D}"/>
+              </a:ext>
+            </a:extLst>
+          </p:cNvPr>
+          <p:cNvSpPr>
+            <a:spLocks noGrp="1"/>
+          </p:cNvSpPr>
+          <p:nvPr>
+            <p:ph type="sldNum" sz="quarter" idx="12"/>
+          </p:nvPr>
+        </p:nvSpPr>
+        <p:spPr/>
+        <p:txBody>
+          <a:bodyPr/>
+          <a:lstStyle/>
+          <a:p>
+            <a:fld id="{34B7E4EF-A1BD-40F4-AB7B-04F084DD991D}" type="slidenum">
+              <a:rPr lang="en-US" smtClean="0"/>
+              <a:t>53</a:t>
+            </a:fld>
+            <a:endParaRPr lang="en-US" dirty="0"/>
+          </a:p>
+        </p:txBody>
+      </p:sp>
+    </p:spTree>
+    <p:extLst>
+      <p:ext uri="{BB962C8B-B14F-4D97-AF65-F5344CB8AC3E}">
+        <p14:creationId xmlns:p14="http://schemas.microsoft.com/office/powerpoint/2010/main" val="2664387832"/>
+      </p:ext>
+    </p:extLst>
+  </p:cSld>
+  <p:clrMapOvr>
+    <a:masterClrMapping/>
+  </p:clrMapOvr>
+</p:sld>
+</file>
+
+<file path=ppt/slides/slide54.xml><?xml version="1.0" encoding="utf-8"?>
+<p:sld xmlns:a="http://schemas.openxmlformats.org/drawingml/2006/main" xmlns:r="http://schemas.openxmlformats.org/officeDocument/2006/relationships" xmlns:p="http://schemas.openxmlformats.org/presentationml/2006/main">
+  <p:cSld>
+    <p:spTree>
+      <p:nvGrpSpPr>
+        <p:cNvPr id="1" name=""/>
+        <p:cNvGrpSpPr/>
+        <p:nvPr/>
+      </p:nvGrpSpPr>
+      <p:grpSpPr>
+        <a:xfrm>
+          <a:off x="0" y="0"/>
+          <a:ext cx="0" cy="0"/>
+          <a:chOff x="0" y="0"/>
+          <a:chExt cx="0" cy="0"/>
+        </a:xfrm>
+      </p:grpSpPr>
+      <p:sp>
+        <p:nvSpPr>
+          <p:cNvPr id="5" name="Title 4">
+            <a:extLst>
+              <a:ext uri="{FF2B5EF4-FFF2-40B4-BE49-F238E27FC236}">
+                <a16:creationId xmlns:a16="http://schemas.microsoft.com/office/drawing/2014/main" id="{49A984C3-8268-460F-8503-D762E77C1268}"/>
+              </a:ext>
+            </a:extLst>
+          </p:cNvPr>
+          <p:cNvSpPr>
+            <a:spLocks noGrp="1"/>
+          </p:cNvSpPr>
+          <p:nvPr>
+            <p:ph type="title"/>
+          </p:nvPr>
+        </p:nvSpPr>
+        <p:spPr/>
+        <p:txBody>
+          <a:bodyPr/>
+          <a:lstStyle/>
+          <a:p>
+            <a:r>
+              <a:rPr lang="en-US" u="sng"/>
+              <a:t>try..catch syntax</a:t>
+            </a:r>
+          </a:p>
+        </p:txBody>
+      </p:sp>
+      <p:sp>
+        <p:nvSpPr>
+          <p:cNvPr id="6" name="Content Placeholder 5">
+            <a:extLst>
+              <a:ext uri="{FF2B5EF4-FFF2-40B4-BE49-F238E27FC236}">
+                <a16:creationId xmlns:a16="http://schemas.microsoft.com/office/drawing/2014/main" id="{EDC11664-927D-4A6E-9A84-5592FEDA3549}"/>
+              </a:ext>
+            </a:extLst>
+          </p:cNvPr>
+          <p:cNvSpPr>
+            <a:spLocks noGrp="1"/>
+          </p:cNvSpPr>
+          <p:nvPr>
+            <p:ph idx="1"/>
+          </p:nvPr>
+        </p:nvSpPr>
+        <p:spPr/>
+        <p:txBody>
+          <a:bodyPr>
+            <a:normAutofit/>
+          </a:bodyPr>
+          <a:lstStyle/>
+          <a:p>
+            <a:pPr marL="0" indent="0">
+              <a:lnSpc>
+                <a:spcPct val="100000"/>
+              </a:lnSpc>
+              <a:spcBef>
+                <a:spcPts val="0"/>
+              </a:spcBef>
+              <a:buNone/>
+            </a:pPr>
+            <a:r>
+              <a:rPr lang="en-US" sz="1600" b="1">
+                <a:latin typeface="Consolas" panose="020B0609020204030204" pitchFamily="49" charset="0"/>
+              </a:rPr>
+              <a:t>try {</a:t>
+            </a:r>
+          </a:p>
+          <a:p>
+            <a:pPr marL="0" indent="0">
+              <a:lnSpc>
+                <a:spcPct val="100000"/>
+              </a:lnSpc>
+              <a:spcBef>
+                <a:spcPts val="0"/>
+              </a:spcBef>
+              <a:buNone/>
+            </a:pPr>
+            <a:endParaRPr lang="en-US" sz="1600" b="1">
+              <a:latin typeface="Consolas" panose="020B0609020204030204" pitchFamily="49" charset="0"/>
+            </a:endParaRPr>
+          </a:p>
+          <a:p>
+            <a:pPr marL="0" indent="0">
+              <a:lnSpc>
+                <a:spcPct val="100000"/>
+              </a:lnSpc>
+              <a:spcBef>
+                <a:spcPts val="0"/>
+              </a:spcBef>
+              <a:buNone/>
+            </a:pPr>
+            <a:r>
+              <a:rPr lang="en-US" sz="1600">
+                <a:latin typeface="Consolas" panose="020B0609020204030204" pitchFamily="49" charset="0"/>
+              </a:rPr>
+              <a:t>  doThingThatMightFail();</a:t>
+            </a:r>
+          </a:p>
+          <a:p>
+            <a:pPr marL="0" indent="0">
+              <a:lnSpc>
+                <a:spcPct val="100000"/>
+              </a:lnSpc>
+              <a:spcBef>
+                <a:spcPts val="0"/>
+              </a:spcBef>
+              <a:buNone/>
+            </a:pPr>
+            <a:endParaRPr lang="en-US" sz="1600">
+              <a:latin typeface="Consolas" panose="020B0609020204030204" pitchFamily="49" charset="0"/>
+            </a:endParaRPr>
+          </a:p>
+          <a:p>
+            <a:pPr marL="0" indent="0">
+              <a:lnSpc>
+                <a:spcPct val="100000"/>
+              </a:lnSpc>
+              <a:spcBef>
+                <a:spcPts val="0"/>
+              </a:spcBef>
+              <a:buNone/>
+            </a:pPr>
+            <a:r>
+              <a:rPr lang="en-US" sz="1600" b="1">
+                <a:latin typeface="Consolas" panose="020B0609020204030204" pitchFamily="49" charset="0"/>
+              </a:rPr>
+              <a:t>} catch (err) {</a:t>
+            </a:r>
+          </a:p>
+          <a:p>
+            <a:pPr marL="0" indent="0">
+              <a:lnSpc>
+                <a:spcPct val="100000"/>
+              </a:lnSpc>
+              <a:spcBef>
+                <a:spcPts val="0"/>
+              </a:spcBef>
+              <a:buNone/>
+            </a:pPr>
+            <a:endParaRPr lang="en-US" sz="1600" b="1">
+              <a:latin typeface="Consolas" panose="020B0609020204030204" pitchFamily="49" charset="0"/>
+            </a:endParaRPr>
+          </a:p>
+          <a:p>
+            <a:pPr marL="0" indent="0">
+              <a:lnSpc>
+                <a:spcPct val="100000"/>
+              </a:lnSpc>
+              <a:spcBef>
+                <a:spcPts val="0"/>
+              </a:spcBef>
+              <a:buNone/>
+            </a:pPr>
+            <a:r>
+              <a:rPr lang="en-US" sz="1600">
+                <a:latin typeface="Consolas" panose="020B0609020204030204" pitchFamily="49" charset="0"/>
+              </a:rPr>
+              <a:t>  // handle the error / display it to the user</a:t>
+            </a:r>
+          </a:p>
+          <a:p>
+            <a:pPr marL="0" indent="0">
+              <a:lnSpc>
+                <a:spcPct val="100000"/>
+              </a:lnSpc>
+              <a:spcBef>
+                <a:spcPts val="0"/>
+              </a:spcBef>
+              <a:buNone/>
+            </a:pPr>
+            <a:r>
+              <a:rPr lang="en-US" sz="1600">
+                <a:latin typeface="Consolas" panose="020B0609020204030204" pitchFamily="49" charset="0"/>
+              </a:rPr>
+              <a:t>  console.error(err);</a:t>
+            </a:r>
+          </a:p>
+          <a:p>
+            <a:pPr marL="0" indent="0">
+              <a:lnSpc>
+                <a:spcPct val="100000"/>
+              </a:lnSpc>
+              <a:spcBef>
+                <a:spcPts val="0"/>
+              </a:spcBef>
+              <a:buNone/>
+            </a:pPr>
+            <a:endParaRPr lang="en-US" sz="1600">
+              <a:latin typeface="Consolas" panose="020B0609020204030204" pitchFamily="49" charset="0"/>
+            </a:endParaRPr>
+          </a:p>
+          <a:p>
+            <a:pPr marL="0" indent="0">
+              <a:lnSpc>
+                <a:spcPct val="100000"/>
+              </a:lnSpc>
+              <a:spcBef>
+                <a:spcPts val="0"/>
+              </a:spcBef>
+              <a:buNone/>
+            </a:pPr>
+            <a:r>
+              <a:rPr lang="en-US" sz="1600" b="1">
+                <a:latin typeface="Consolas" panose="020B0609020204030204" pitchFamily="49" charset="0"/>
+              </a:rPr>
+              <a:t>} finally {</a:t>
+            </a:r>
+          </a:p>
+          <a:p>
+            <a:pPr marL="0" indent="0">
+              <a:lnSpc>
+                <a:spcPct val="100000"/>
+              </a:lnSpc>
+              <a:spcBef>
+                <a:spcPts val="0"/>
+              </a:spcBef>
+              <a:buNone/>
+            </a:pPr>
+            <a:endParaRPr lang="en-US" sz="1600" b="1">
+              <a:latin typeface="Consolas" panose="020B0609020204030204" pitchFamily="49" charset="0"/>
+            </a:endParaRPr>
+          </a:p>
+          <a:p>
+            <a:pPr marL="0" indent="0">
+              <a:lnSpc>
+                <a:spcPct val="100000"/>
+              </a:lnSpc>
+              <a:spcBef>
+                <a:spcPts val="0"/>
+              </a:spcBef>
+              <a:buNone/>
+            </a:pPr>
+            <a:r>
+              <a:rPr lang="en-US" sz="1600" b="1">
+                <a:latin typeface="Consolas" panose="020B0609020204030204" pitchFamily="49" charset="0"/>
+              </a:rPr>
+              <a:t>  </a:t>
+            </a:r>
+            <a:r>
+              <a:rPr lang="en-US" sz="1600">
+                <a:latin typeface="Consolas" panose="020B0609020204030204" pitchFamily="49" charset="0"/>
+              </a:rPr>
+              <a:t>// do something regardless of whether it failed or not</a:t>
+            </a:r>
+          </a:p>
+          <a:p>
+            <a:pPr marL="0" indent="0">
+              <a:lnSpc>
+                <a:spcPct val="100000"/>
+              </a:lnSpc>
+              <a:spcBef>
+                <a:spcPts val="0"/>
+              </a:spcBef>
+              <a:buNone/>
+            </a:pPr>
+            <a:endParaRPr lang="en-US" sz="1600">
+              <a:latin typeface="Consolas" panose="020B0609020204030204" pitchFamily="49" charset="0"/>
+            </a:endParaRPr>
+          </a:p>
+          <a:p>
+            <a:pPr marL="0" indent="0">
+              <a:lnSpc>
+                <a:spcPct val="100000"/>
+              </a:lnSpc>
+              <a:spcBef>
+                <a:spcPts val="0"/>
+              </a:spcBef>
+              <a:buNone/>
+            </a:pPr>
+            <a:r>
+              <a:rPr lang="en-US" sz="1600" b="1">
+                <a:latin typeface="Consolas" panose="020B0609020204030204" pitchFamily="49" charset="0"/>
+              </a:rPr>
+              <a:t>}</a:t>
+            </a:r>
+          </a:p>
+        </p:txBody>
+      </p:sp>
+      <p:sp>
+        <p:nvSpPr>
+          <p:cNvPr id="4" name="Slide Number Placeholder 3">
+            <a:extLst>
+              <a:ext uri="{FF2B5EF4-FFF2-40B4-BE49-F238E27FC236}">
+                <a16:creationId xmlns:a16="http://schemas.microsoft.com/office/drawing/2014/main" id="{079932A0-F4B0-4EF6-B612-E3FB9B3FEB9D}"/>
+              </a:ext>
+            </a:extLst>
+          </p:cNvPr>
+          <p:cNvSpPr>
+            <a:spLocks noGrp="1"/>
+          </p:cNvSpPr>
+          <p:nvPr>
+            <p:ph type="sldNum" sz="quarter" idx="12"/>
+          </p:nvPr>
+        </p:nvSpPr>
+        <p:spPr/>
+        <p:txBody>
+          <a:bodyPr/>
+          <a:lstStyle/>
+          <a:p>
+            <a:fld id="{34B7E4EF-A1BD-40F4-AB7B-04F084DD991D}" type="slidenum">
+              <a:rPr lang="en-US" smtClean="0"/>
+              <a:t>54</a:t>
+            </a:fld>
+            <a:endParaRPr lang="en-US" dirty="0"/>
+          </a:p>
+        </p:txBody>
+      </p:sp>
+    </p:spTree>
+    <p:extLst>
+      <p:ext uri="{BB962C8B-B14F-4D97-AF65-F5344CB8AC3E}">
+        <p14:creationId xmlns:p14="http://schemas.microsoft.com/office/powerpoint/2010/main" val="87608800"/>
+      </p:ext>
+    </p:extLst>
+  </p:cSld>
+  <p:clrMapOvr>
+    <a:masterClrMapping/>
+  </p:clrMapOvr>
+</p:sld>
+</file>
+
+<file path=ppt/slides/slide55.xml><?xml version="1.0" encoding="utf-8"?>
+<p:sld xmlns:a="http://schemas.openxmlformats.org/drawingml/2006/main" xmlns:r="http://schemas.openxmlformats.org/officeDocument/2006/relationships" xmlns:p="http://schemas.openxmlformats.org/presentationml/2006/main">
+  <p:cSld>
+    <p:spTree>
+      <p:nvGrpSpPr>
+        <p:cNvPr id="1" name=""/>
+        <p:cNvGrpSpPr/>
+        <p:nvPr/>
+      </p:nvGrpSpPr>
+      <p:grpSpPr>
+        <a:xfrm>
+          <a:off x="0" y="0"/>
+          <a:ext cx="0" cy="0"/>
+          <a:chOff x="0" y="0"/>
+          <a:chExt cx="0" cy="0"/>
+        </a:xfrm>
+      </p:grpSpPr>
+      <p:sp>
+        <p:nvSpPr>
+          <p:cNvPr id="5" name="Title 4">
+            <a:extLst>
+              <a:ext uri="{FF2B5EF4-FFF2-40B4-BE49-F238E27FC236}">
+                <a16:creationId xmlns:a16="http://schemas.microsoft.com/office/drawing/2014/main" id="{19920336-7909-426F-8081-AFA24B193F14}"/>
+              </a:ext>
+            </a:extLst>
+          </p:cNvPr>
+          <p:cNvSpPr>
+            <a:spLocks noGrp="1"/>
+          </p:cNvSpPr>
+          <p:nvPr>
+            <p:ph type="title"/>
+          </p:nvPr>
+        </p:nvSpPr>
+        <p:spPr/>
+        <p:txBody>
+          <a:bodyPr/>
+          <a:lstStyle/>
+          <a:p>
+            <a:r>
+              <a:rPr lang="en-US" cap="none" dirty="0"/>
+              <a:t>Conclusion</a:t>
+            </a:r>
+          </a:p>
+        </p:txBody>
+      </p:sp>
+      <p:sp>
+        <p:nvSpPr>
+          <p:cNvPr id="6" name="Text Placeholder 5">
+            <a:extLst>
+              <a:ext uri="{FF2B5EF4-FFF2-40B4-BE49-F238E27FC236}">
+                <a16:creationId xmlns:a16="http://schemas.microsoft.com/office/drawing/2014/main" id="{DAE3D404-51E4-4D64-88D7-AFA22CFBA8F7}"/>
+              </a:ext>
+            </a:extLst>
+          </p:cNvPr>
+          <p:cNvSpPr>
+            <a:spLocks noGrp="1"/>
+          </p:cNvSpPr>
+          <p:nvPr>
+            <p:ph type="body" idx="1"/>
+          </p:nvPr>
+        </p:nvSpPr>
+        <p:spPr/>
+        <p:txBody>
+          <a:bodyPr/>
+          <a:lstStyle/>
+          <a:p>
+            <a:r>
+              <a:rPr lang="en-US" dirty="0"/>
+              <a:t>What did we learn today?</a:t>
+            </a:r>
+          </a:p>
+        </p:txBody>
+      </p:sp>
+      <p:sp>
+        <p:nvSpPr>
+          <p:cNvPr id="4" name="Slide Number Placeholder 3">
+            <a:extLst>
+              <a:ext uri="{FF2B5EF4-FFF2-40B4-BE49-F238E27FC236}">
+                <a16:creationId xmlns:a16="http://schemas.microsoft.com/office/drawing/2014/main" id="{B3E58610-8DF0-4BC8-B28F-9775BE8BC83F}"/>
+              </a:ext>
+            </a:extLst>
+          </p:cNvPr>
+          <p:cNvSpPr>
+            <a:spLocks noGrp="1"/>
+          </p:cNvSpPr>
+          <p:nvPr>
+            <p:ph type="sldNum" sz="quarter" idx="12"/>
+          </p:nvPr>
+        </p:nvSpPr>
+        <p:spPr/>
+        <p:txBody>
+          <a:bodyPr/>
+          <a:lstStyle/>
+          <a:p>
+            <a:fld id="{34B7E4EF-A1BD-40F4-AB7B-04F084DD991D}" type="slidenum">
+              <a:rPr lang="en-US" smtClean="0"/>
+              <a:t>55</a:t>
+            </a:fld>
+            <a:endParaRPr lang="en-US" dirty="0"/>
+          </a:p>
+        </p:txBody>
+      </p:sp>
+    </p:spTree>
+    <p:extLst>
+      <p:ext uri="{BB962C8B-B14F-4D97-AF65-F5344CB8AC3E}">
+        <p14:creationId xmlns:p14="http://schemas.microsoft.com/office/powerpoint/2010/main" val="2001641725"/>
+      </p:ext>
+    </p:extLst>
+  </p:cSld>
+  <p:clrMapOvr>
+    <a:masterClrMapping/>
+  </p:clrMapOvr>
+</p:sld>
+</file>
+
+<file path=ppt/slides/slide56.xml><?xml version="1.0" encoding="utf-8"?>
+<p:sld xmlns:a="http://schemas.openxmlformats.org/drawingml/2006/main" xmlns:r="http://schemas.openxmlformats.org/officeDocument/2006/relationships" xmlns:p="http://schemas.openxmlformats.org/presentationml/2006/main">
+  <p:cSld>
+    <p:spTree>
+      <p:nvGrpSpPr>
+        <p:cNvPr id="1" name=""/>
+        <p:cNvGrpSpPr/>
+        <p:nvPr/>
+      </p:nvGrpSpPr>
+      <p:grpSpPr>
+        <a:xfrm>
+          <a:off x="0" y="0"/>
+          <a:ext cx="0" cy="0"/>
+          <a:chOff x="0" y="0"/>
+          <a:chExt cx="0" cy="0"/>
+        </a:xfrm>
+      </p:grpSpPr>
+      <p:sp>
+        <p:nvSpPr>
+          <p:cNvPr id="2" name="Title 1">
+            <a:extLst>
+              <a:ext uri="{FF2B5EF4-FFF2-40B4-BE49-F238E27FC236}">
+                <a16:creationId xmlns:a16="http://schemas.microsoft.com/office/drawing/2014/main" id="{BDFAC13C-59B1-436E-B58F-C304E1C705CF}"/>
+              </a:ext>
+            </a:extLst>
+          </p:cNvPr>
+          <p:cNvSpPr>
+            <a:spLocks noGrp="1"/>
+          </p:cNvSpPr>
+          <p:nvPr>
+            <p:ph type="title"/>
+          </p:nvPr>
+        </p:nvSpPr>
+        <p:spPr/>
+        <p:txBody>
+          <a:bodyPr>
+            <a:normAutofit/>
+          </a:bodyPr>
+          <a:lstStyle/>
+          <a:p>
+            <a:r>
+              <a:rPr lang="en-US" u="sng" dirty="0"/>
+              <a:t>What We Covered</a:t>
+            </a:r>
+          </a:p>
+        </p:txBody>
+      </p:sp>
+      <p:sp>
+        <p:nvSpPr>
+          <p:cNvPr id="3" name="Content Placeholder 2">
+            <a:extLst>
+              <a:ext uri="{FF2B5EF4-FFF2-40B4-BE49-F238E27FC236}">
+                <a16:creationId xmlns:a16="http://schemas.microsoft.com/office/drawing/2014/main" id="{844A3DC5-46BF-4BFF-8008-98FD467C4904}"/>
+              </a:ext>
+            </a:extLst>
+          </p:cNvPr>
+          <p:cNvSpPr>
+            <a:spLocks noGrp="1"/>
+          </p:cNvSpPr>
+          <p:nvPr>
+            <p:ph idx="1"/>
+          </p:nvPr>
+        </p:nvSpPr>
+        <p:spPr/>
+        <p:txBody>
+          <a:bodyPr>
+            <a:normAutofit/>
+          </a:bodyPr>
+          <a:lstStyle/>
+          <a:p>
+            <a:pPr>
+              <a:lnSpc>
+                <a:spcPct val="100000"/>
+              </a:lnSpc>
+              <a:spcBef>
+                <a:spcPts val="0"/>
+              </a:spcBef>
+              <a:spcAft>
+                <a:spcPts val="600"/>
+              </a:spcAft>
+            </a:pPr>
+            <a:r>
+              <a:rPr lang="en-US" sz="1800">
+                <a:cs typeface="Arial" pitchFamily="34" charset="0"/>
+              </a:rPr>
+              <a:t>Discuss techniques for loading JavaScript files efficiently.</a:t>
+            </a:r>
+          </a:p>
+          <a:p>
+            <a:pPr>
+              <a:lnSpc>
+                <a:spcPct val="100000"/>
+              </a:lnSpc>
+              <a:spcBef>
+                <a:spcPts val="0"/>
+              </a:spcBef>
+              <a:spcAft>
+                <a:spcPts val="600"/>
+              </a:spcAft>
+            </a:pPr>
+            <a:r>
+              <a:rPr lang="en-US" sz="1800">
+                <a:cs typeface="Arial" pitchFamily="34" charset="0"/>
+              </a:rPr>
+              <a:t>Understand the differences between const/let/var.</a:t>
+            </a:r>
+          </a:p>
+          <a:p>
+            <a:pPr>
+              <a:lnSpc>
+                <a:spcPct val="100000"/>
+              </a:lnSpc>
+              <a:spcBef>
+                <a:spcPts val="0"/>
+              </a:spcBef>
+              <a:spcAft>
+                <a:spcPts val="600"/>
+              </a:spcAft>
+            </a:pPr>
+            <a:r>
+              <a:rPr lang="en-US" sz="1800">
+                <a:cs typeface="Arial" pitchFamily="34" charset="0"/>
+              </a:rPr>
+              <a:t>Declare variables with const/let.</a:t>
+            </a:r>
+          </a:p>
+          <a:p>
+            <a:pPr>
+              <a:lnSpc>
+                <a:spcPct val="100000"/>
+              </a:lnSpc>
+              <a:spcBef>
+                <a:spcPts val="0"/>
+              </a:spcBef>
+              <a:spcAft>
+                <a:spcPts val="600"/>
+              </a:spcAft>
+            </a:pPr>
+            <a:r>
+              <a:rPr lang="en-US" sz="1800">
+                <a:cs typeface="Arial" pitchFamily="34" charset="0"/>
+              </a:rPr>
+              <a:t>Use datatypes: string, number, boolean, array, object, undefined</a:t>
+            </a:r>
+          </a:p>
+          <a:p>
+            <a:pPr>
+              <a:lnSpc>
+                <a:spcPct val="100000"/>
+              </a:lnSpc>
+              <a:spcBef>
+                <a:spcPts val="0"/>
+              </a:spcBef>
+              <a:spcAft>
+                <a:spcPts val="600"/>
+              </a:spcAft>
+            </a:pPr>
+            <a:r>
+              <a:rPr lang="en-US" sz="1800">
+                <a:cs typeface="Arial" pitchFamily="34" charset="0"/>
+              </a:rPr>
+              <a:t>Implement branching with if, else, else-if, or ternaries.</a:t>
+            </a:r>
+          </a:p>
+          <a:p>
+            <a:pPr>
+              <a:lnSpc>
+                <a:spcPct val="100000"/>
+              </a:lnSpc>
+              <a:spcBef>
+                <a:spcPts val="0"/>
+              </a:spcBef>
+              <a:spcAft>
+                <a:spcPts val="600"/>
+              </a:spcAft>
+            </a:pPr>
+            <a:r>
+              <a:rPr lang="en-US" sz="1800">
+                <a:cs typeface="Arial" pitchFamily="34" charset="0"/>
+              </a:rPr>
+              <a:t>Implement loops with for, for-of, and for-in.</a:t>
+            </a:r>
+          </a:p>
+          <a:p>
+            <a:pPr>
+              <a:lnSpc>
+                <a:spcPct val="100000"/>
+              </a:lnSpc>
+              <a:spcBef>
+                <a:spcPts val="0"/>
+              </a:spcBef>
+              <a:spcAft>
+                <a:spcPts val="600"/>
+              </a:spcAft>
+            </a:pPr>
+            <a:r>
+              <a:rPr lang="en-US" sz="1800">
+                <a:cs typeface="Arial" pitchFamily="34" charset="0"/>
+              </a:rPr>
+              <a:t>Use falsely and thruthy to improve branching.</a:t>
+            </a:r>
+          </a:p>
+          <a:p>
+            <a:pPr>
+              <a:lnSpc>
+                <a:spcPct val="100000"/>
+              </a:lnSpc>
+              <a:spcBef>
+                <a:spcPts val="0"/>
+              </a:spcBef>
+              <a:spcAft>
+                <a:spcPts val="600"/>
+              </a:spcAft>
+            </a:pPr>
+            <a:r>
+              <a:rPr lang="en-US" sz="1800">
+                <a:cs typeface="Arial" pitchFamily="34" charset="0"/>
+              </a:rPr>
+              <a:t>Understand the differences between the function syntax and arrow syntax.</a:t>
+            </a:r>
+          </a:p>
+          <a:p>
+            <a:pPr>
+              <a:lnSpc>
+                <a:spcPct val="100000"/>
+              </a:lnSpc>
+              <a:spcBef>
+                <a:spcPts val="0"/>
+              </a:spcBef>
+              <a:spcAft>
+                <a:spcPts val="600"/>
+              </a:spcAft>
+            </a:pPr>
+            <a:r>
+              <a:rPr lang="en-US" sz="1800">
+                <a:cs typeface="Arial" pitchFamily="34" charset="0"/>
+              </a:rPr>
+              <a:t>Write functions with the function syntax or arrow syntax.</a:t>
+            </a:r>
+          </a:p>
+          <a:p>
+            <a:pPr>
+              <a:lnSpc>
+                <a:spcPct val="100000"/>
+              </a:lnSpc>
+              <a:spcBef>
+                <a:spcPts val="0"/>
+              </a:spcBef>
+              <a:spcAft>
+                <a:spcPts val="600"/>
+              </a:spcAft>
+            </a:pPr>
+            <a:r>
+              <a:rPr lang="en-US" sz="1800">
+                <a:cs typeface="Arial" pitchFamily="34" charset="0"/>
+              </a:rPr>
+              <a:t>Use filter(), map(), and reduce() to implement efficient data processing.</a:t>
+            </a:r>
+          </a:p>
+          <a:p>
+            <a:pPr>
+              <a:lnSpc>
+                <a:spcPct val="100000"/>
+              </a:lnSpc>
+              <a:spcBef>
+                <a:spcPts val="0"/>
+              </a:spcBef>
+              <a:spcAft>
+                <a:spcPts val="600"/>
+              </a:spcAft>
+            </a:pPr>
+            <a:r>
+              <a:rPr lang="en-US" sz="1800">
+                <a:cs typeface="Arial" pitchFamily="34" charset="0"/>
+              </a:rPr>
+              <a:t>Use try-catch to handle errors.</a:t>
+            </a:r>
+          </a:p>
+        </p:txBody>
+      </p:sp>
+      <p:sp>
+        <p:nvSpPr>
+          <p:cNvPr id="5" name="Slide Number Placeholder 4"/>
+          <p:cNvSpPr>
+            <a:spLocks noGrp="1"/>
+          </p:cNvSpPr>
+          <p:nvPr>
+            <p:ph type="sldNum" sz="quarter" idx="12"/>
+          </p:nvPr>
+        </p:nvSpPr>
+        <p:spPr/>
+        <p:txBody>
+          <a:bodyPr/>
+          <a:lstStyle/>
+          <a:p>
+            <a:fld id="{34B7E4EF-A1BD-40F4-AB7B-04F084DD991D}" type="slidenum">
+              <a:rPr lang="en-US" smtClean="0"/>
+              <a:t>56</a:t>
+            </a:fld>
+            <a:endParaRPr lang="en-US" dirty="0"/>
+          </a:p>
+        </p:txBody>
+      </p:sp>
+    </p:spTree>
+    <p:extLst>
+      <p:ext uri="{BB962C8B-B14F-4D97-AF65-F5344CB8AC3E}">
+        <p14:creationId xmlns:p14="http://schemas.microsoft.com/office/powerpoint/2010/main" val="2820098090"/>
+      </p:ext>
+    </p:extLst>
+  </p:cSld>
+  <p:clrMapOvr>
+    <a:masterClrMapping/>
+  </p:clrMapOvr>
+</p:sld>
+</file>
+
+<file path=ppt/slides/slide57.xml><?xml version="1.0" encoding="utf-8"?>
+<p:sld xmlns:a="http://schemas.openxmlformats.org/drawingml/2006/main" xmlns:r="http://schemas.openxmlformats.org/officeDocument/2006/relationships" xmlns:p="http://schemas.openxmlformats.org/presentationml/2006/main">
+  <p:cSld>
+    <p:spTree>
+      <p:nvGrpSpPr>
+        <p:cNvPr id="1" name=""/>
+        <p:cNvGrpSpPr/>
+        <p:nvPr/>
+      </p:nvGrpSpPr>
+      <p:grpSpPr>
+        <a:xfrm>
+          <a:off x="0" y="0"/>
+          <a:ext cx="0" cy="0"/>
+          <a:chOff x="0" y="0"/>
+          <a:chExt cx="0" cy="0"/>
+        </a:xfrm>
+      </p:grpSpPr>
+      <p:sp>
+        <p:nvSpPr>
+          <p:cNvPr id="2" name="Title 1">
+            <a:extLst>
+              <a:ext uri="{FF2B5EF4-FFF2-40B4-BE49-F238E27FC236}">
+                <a16:creationId xmlns:a16="http://schemas.microsoft.com/office/drawing/2014/main" id="{BDFAC13C-59B1-436E-B58F-C304E1C705CF}"/>
+              </a:ext>
+            </a:extLst>
+          </p:cNvPr>
+          <p:cNvSpPr>
+            <a:spLocks noGrp="1"/>
+          </p:cNvSpPr>
+          <p:nvPr>
+            <p:ph type="title"/>
+          </p:nvPr>
+        </p:nvSpPr>
+        <p:spPr/>
+        <p:txBody>
+          <a:bodyPr>
+            <a:normAutofit/>
+          </a:bodyPr>
+          <a:lstStyle/>
+          <a:p>
+            <a:r>
+              <a:rPr lang="en-US" u="sng" dirty="0"/>
+              <a:t>Some Useful URLs</a:t>
+            </a:r>
+          </a:p>
+        </p:txBody>
+      </p:sp>
+      <p:sp>
+        <p:nvSpPr>
+          <p:cNvPr id="3" name="Content Placeholder 2">
+            <a:extLst>
+              <a:ext uri="{FF2B5EF4-FFF2-40B4-BE49-F238E27FC236}">
+                <a16:creationId xmlns:a16="http://schemas.microsoft.com/office/drawing/2014/main" id="{844A3DC5-46BF-4BFF-8008-98FD467C4904}"/>
+              </a:ext>
+            </a:extLst>
+          </p:cNvPr>
+          <p:cNvSpPr>
+            <a:spLocks noGrp="1"/>
+          </p:cNvSpPr>
+          <p:nvPr>
+            <p:ph idx="1"/>
+          </p:nvPr>
+        </p:nvSpPr>
+        <p:spPr/>
+        <p:txBody>
+          <a:bodyPr>
+            <a:normAutofit/>
+          </a:bodyPr>
+          <a:lstStyle/>
+          <a:p>
+            <a:r>
+              <a:rPr lang="en-US" sz="1800" dirty="0">
+                <a:hlinkClick r:id="rId3"/>
+              </a:rPr>
+              <a:t>https://developer.mozilla.org/en-US/docs/Web/javascript/Reference</a:t>
+            </a:r>
+            <a:endParaRPr lang="en-US" sz="1800" dirty="0"/>
+          </a:p>
+          <a:p>
+            <a:r>
+              <a:rPr lang="en-US" sz="1800" dirty="0">
+                <a:cs typeface="Arial" panose="020B0604020202020204" pitchFamily="34" charset="0"/>
+                <a:hlinkClick r:id="rId4"/>
+              </a:rPr>
+              <a:t>https://developer.mozilla.org/en-US/docs/Learn/JavaScript/First_steps</a:t>
+            </a:r>
+            <a:endParaRPr lang="en-US" sz="1800" dirty="0">
+              <a:cs typeface="Arial" panose="020B0604020202020204" pitchFamily="34" charset="0"/>
+            </a:endParaRPr>
+          </a:p>
+          <a:p>
+            <a:r>
+              <a:rPr lang="en-US" sz="1800" dirty="0">
+                <a:cs typeface="Arial" panose="020B0604020202020204" pitchFamily="34" charset="0"/>
+                <a:hlinkClick r:id="rId5"/>
+              </a:rPr>
+              <a:t>https://www.w3schools.com/js/</a:t>
+            </a:r>
+            <a:r>
+              <a:rPr lang="en-US" sz="1800" dirty="0">
+                <a:cs typeface="Arial" panose="020B0604020202020204" pitchFamily="34" charset="0"/>
+              </a:rPr>
+              <a:t> </a:t>
+            </a:r>
+          </a:p>
+        </p:txBody>
+      </p:sp>
+      <p:sp>
+        <p:nvSpPr>
+          <p:cNvPr id="5" name="Slide Number Placeholder 4"/>
+          <p:cNvSpPr>
+            <a:spLocks noGrp="1"/>
+          </p:cNvSpPr>
+          <p:nvPr>
+            <p:ph type="sldNum" sz="quarter" idx="12"/>
+          </p:nvPr>
+        </p:nvSpPr>
+        <p:spPr/>
+        <p:txBody>
+          <a:bodyPr/>
+          <a:lstStyle/>
+          <a:p>
+            <a:fld id="{34B7E4EF-A1BD-40F4-AB7B-04F084DD991D}" type="slidenum">
+              <a:rPr lang="en-US" smtClean="0"/>
+              <a:t>57</a:t>
+            </a:fld>
+            <a:endParaRPr lang="en-US" dirty="0"/>
+          </a:p>
+        </p:txBody>
+      </p:sp>
+    </p:spTree>
+    <p:extLst>
+      <p:ext uri="{BB962C8B-B14F-4D97-AF65-F5344CB8AC3E}">
+        <p14:creationId xmlns:p14="http://schemas.microsoft.com/office/powerpoint/2010/main" val="1805520904"/>
       </p:ext>
     </p:extLst>
   </p:cSld>
@@ -20561,15 +24243,6 @@
 </file>
 
 <file path=customXml/item1.xml><?xml version="1.0" encoding="utf-8"?>
-<?mso-contentType ?>
-<FormTemplates xmlns="http://schemas.microsoft.com/sharepoint/v3/contenttype/forms">
-  <Display>DocumentLibraryForm</Display>
-  <Edit>DocumentLibraryForm</Edit>
-  <New>DocumentLibraryForm</New>
-</FormTemplates>
-</file>
-
-<file path=customXml/item2.xml><?xml version="1.0" encoding="utf-8"?>
 <p:properties xmlns:p="http://schemas.microsoft.com/office/2006/metadata/properties" xmlns:xsi="http://www.w3.org/2001/XMLSchema-instance" xmlns:pc="http://schemas.microsoft.com/office/infopath/2007/PartnerControls">
   <documentManagement>
     <Status xmlns="71af3243-3dd4-4a8d-8c0d-dd76da1f02a5">Not started</Status>
@@ -20578,7 +24251,7 @@
 </p:properties>
 </file>
 
-<file path=customXml/item3.xml><?xml version="1.0" encoding="utf-8"?>
+<file path=customXml/item2.xml><?xml version="1.0" encoding="utf-8"?>
 <ct:contentTypeSchema xmlns:ct="http://schemas.microsoft.com/office/2006/metadata/contentType" xmlns:ma="http://schemas.microsoft.com/office/2006/metadata/properties/metaAttributes" ct:_="" ma:_="" ma:contentTypeName="Document" ma:contentTypeID="0x01010079F111ED35F8CC479449609E8A0923A6" ma:contentTypeVersion="12" ma:contentTypeDescription="Create a new document." ma:contentTypeScope="" ma:versionID="a410dd7f93c95333ffa1b60ed6adedd1">
   <xsd:schema xmlns:xsd="http://www.w3.org/2001/XMLSchema" xmlns:xs="http://www.w3.org/2001/XMLSchema" xmlns:p="http://schemas.microsoft.com/office/2006/metadata/properties" xmlns:ns2="71af3243-3dd4-4a8d-8c0d-dd76da1f02a5" xmlns:ns3="16c05727-aa75-4e4a-9b5f-8a80a1165891" targetNamespace="http://schemas.microsoft.com/office/2006/metadata/properties" ma:root="true" ma:fieldsID="a936d9baba76aa3866493feff160faab" ns2:_="" ns3:_="">
     <xsd:import namespace="71af3243-3dd4-4a8d-8c0d-dd76da1f02a5"/>
@@ -20799,15 +24472,16 @@
 </ct:contentTypeSchema>
 </file>
 
-<file path=customXml/itemProps1.xml><?xml version="1.0" encoding="utf-8"?>
-<ds:datastoreItem xmlns:ds="http://schemas.openxmlformats.org/officeDocument/2006/customXml" ds:itemID="{CDB58277-F8DF-46FF-84EC-EF41B835E69F}">
-  <ds:schemaRefs>
-    <ds:schemaRef ds:uri="http://schemas.microsoft.com/sharepoint/v3/contenttype/forms"/>
-  </ds:schemaRefs>
-</ds:datastoreItem>
+<file path=customXml/item3.xml><?xml version="1.0" encoding="utf-8"?>
+<?mso-contentType ?>
+<FormTemplates xmlns="http://schemas.microsoft.com/sharepoint/v3/contenttype/forms">
+  <Display>DocumentLibraryForm</Display>
+  <Edit>DocumentLibraryForm</Edit>
+  <New>DocumentLibraryForm</New>
+</FormTemplates>
 </file>
 
-<file path=customXml/itemProps2.xml><?xml version="1.0" encoding="utf-8"?>
+<file path=customXml/itemProps1.xml><?xml version="1.0" encoding="utf-8"?>
 <ds:datastoreItem xmlns:ds="http://schemas.openxmlformats.org/officeDocument/2006/customXml" ds:itemID="{137651BA-F45C-4845-9AB3-E0A65B39F5E1}">
   <ds:schemaRefs>
     <ds:schemaRef ds:uri="http://schemas.microsoft.com/office/2006/documentManagement/types"/>
@@ -20824,7 +24498,7 @@
 </ds:datastoreItem>
 </file>
 
-<file path=customXml/itemProps3.xml><?xml version="1.0" encoding="utf-8"?>
+<file path=customXml/itemProps2.xml><?xml version="1.0" encoding="utf-8"?>
 <ds:datastoreItem xmlns:ds="http://schemas.openxmlformats.org/officeDocument/2006/customXml" ds:itemID="{2D276E62-80A3-44DD-9BCC-97ED2B99B57F}">
   <ds:schemaRefs>
     <ds:schemaRef ds:uri="http://schemas.microsoft.com/office/2006/metadata/contentType"/>
@@ -20841,4 +24515,12 @@
     <ds:schemaRef ds:uri="http://schemas.microsoft.com/internal/obd"/>
   </ds:schemaRefs>
 </ds:datastoreItem>
+</file>
+
+<file path=customXml/itemProps3.xml><?xml version="1.0" encoding="utf-8"?>
+<ds:datastoreItem xmlns:ds="http://schemas.openxmlformats.org/officeDocument/2006/customXml" ds:itemID="{CDB58277-F8DF-46FF-84EC-EF41B835E69F}">
+  <ds:schemaRefs>
+    <ds:schemaRef ds:uri="http://schemas.microsoft.com/sharepoint/v3/contenttype/forms"/>
+  </ds:schemaRefs>
+</ds:datastoreItem>
 </file>
--- a/unit_00/html_review/04 JavaScript.pptx
+++ b/unit_00/html_review/04 JavaScript.pptx
@@ -253,7 +253,7 @@
           <a:p>
             <a:fld id="{3F839238-B565-4611-A910-43B731DECEC1}" type="datetimeFigureOut">
               <a:rPr lang="en-US" smtClean="0"/>
-              <a:t>8/6/2020</a:t>
+              <a:t>8/10/2020</a:t>
             </a:fld>
             <a:endParaRPr lang="en-US" dirty="0"/>
           </a:p>
@@ -1243,27 +1243,16 @@
               <a:rPr lang="en-US">
                 <a:hlinkClick r:id="rId3"/>
               </a:rPr>
-              <a:t>https://www.youtube.com/watch?v=cFTFtuEQ-10</a:t>
-            </a:r>
-            <a:endParaRPr lang="en-US">
-              <a:hlinkClick r:id="rId4"/>
-            </a:endParaRPr>
+              <a:t>https://javascript.info/try-catch</a:t>
+            </a:r>
+            <a:endParaRPr lang="en-US"/>
           </a:p>
           <a:p>
             <a:r>
               <a:rPr lang="en-US">
                 <a:hlinkClick r:id="rId4"/>
               </a:rPr>
-              <a:t>https://developer.mozilla.org/en-US/docs/Web/JavaScript/Reference/Statements/try...catch</a:t>
-            </a:r>
-            <a:endParaRPr lang="en-US"/>
-          </a:p>
-          <a:p>
-            <a:r>
-              <a:rPr lang="en-US">
-                <a:hlinkClick r:id="rId5"/>
-              </a:rPr>
-              <a:t>https://javascript.info/try-catch</a:t>
+              <a:t>https://www.javascripttutorial.net/javascript-try-catch/</a:t>
             </a:r>
             <a:endParaRPr lang="en-US"/>
           </a:p>
@@ -1353,27 +1342,16 @@
               <a:rPr lang="en-US">
                 <a:hlinkClick r:id="rId3"/>
               </a:rPr>
-              <a:t>https://www.youtube.com/watch?v=cFTFtuEQ-10</a:t>
-            </a:r>
-            <a:endParaRPr lang="en-US">
-              <a:hlinkClick r:id="rId4"/>
-            </a:endParaRPr>
+              <a:t>https://javascript.info/try-catch</a:t>
+            </a:r>
+            <a:endParaRPr lang="en-US"/>
           </a:p>
           <a:p>
             <a:r>
               <a:rPr lang="en-US">
                 <a:hlinkClick r:id="rId4"/>
               </a:rPr>
-              <a:t>https://developer.mozilla.org/en-US/docs/Web/JavaScript/Reference/Statements/try...catch</a:t>
-            </a:r>
-            <a:endParaRPr lang="en-US"/>
-          </a:p>
-          <a:p>
-            <a:r>
-              <a:rPr lang="en-US">
-                <a:hlinkClick r:id="rId5"/>
-              </a:rPr>
-              <a:t>https://javascript.info/try-catch</a:t>
+              <a:t>https://www.javascripttutorial.net/javascript-try-catch/</a:t>
             </a:r>
             <a:endParaRPr lang="en-US"/>
           </a:p>
@@ -2816,7 +2794,7 @@
           <a:p>
             <a:fld id="{E9F25E47-8026-47FD-8FD6-2C7B55A6BE4F}" type="datetime1">
               <a:rPr lang="en-US" smtClean="0"/>
-              <a:t>8/6/2020</a:t>
+              <a:t>8/10/2020</a:t>
             </a:fld>
             <a:endParaRPr lang="en-US" dirty="0"/>
           </a:p>
@@ -3018,7 +2996,7 @@
           <a:p>
             <a:fld id="{49F0A7AA-AB30-4D36-B646-A02FA5DCCA55}" type="datetime1">
               <a:rPr lang="en-US" smtClean="0"/>
-              <a:t>8/6/2020</a:t>
+              <a:t>8/10/2020</a:t>
             </a:fld>
             <a:endParaRPr lang="en-US" dirty="0"/>
           </a:p>
@@ -3617,7 +3595,7 @@
           <a:p>
             <a:fld id="{CFA4D178-B71E-4B10-AF0F-C5E0B7294A7C}" type="datetime1">
               <a:rPr lang="en-US" smtClean="0"/>
-              <a:t>8/6/2020</a:t>
+              <a:t>8/10/2020</a:t>
             </a:fld>
             <a:endParaRPr lang="en-US" dirty="0"/>
           </a:p>
@@ -3937,7 +3915,7 @@
           <a:p>
             <a:fld id="{27E6D853-85C2-4120-A6B2-2EAC4467BF8B}" type="datetime1">
               <a:rPr lang="en-US" smtClean="0"/>
-              <a:t>8/6/2020</a:t>
+              <a:t>8/10/2020</a:t>
             </a:fld>
             <a:endParaRPr lang="en-US" dirty="0"/>
           </a:p>
@@ -4374,7 +4352,7 @@
           <a:p>
             <a:fld id="{CA3AECF5-4644-4878-B4B4-3AC946C4B252}" type="datetime1">
               <a:rPr lang="en-US" smtClean="0"/>
-              <a:t>8/6/2020</a:t>
+              <a:t>8/10/2020</a:t>
             </a:fld>
             <a:endParaRPr lang="en-US" dirty="0"/>
           </a:p>
@@ -4492,7 +4470,7 @@
           <a:p>
             <a:fld id="{B8E389F8-4EAE-4B22-8731-40270585493B}" type="datetime1">
               <a:rPr lang="en-US" smtClean="0"/>
-              <a:t>8/6/2020</a:t>
+              <a:t>8/10/2020</a:t>
             </a:fld>
             <a:endParaRPr lang="en-US" dirty="0"/>
           </a:p>
@@ -4587,7 +4565,7 @@
           <a:p>
             <a:fld id="{772F4F3F-699B-4D10-AAB9-00C2579C25F8}" type="datetime1">
               <a:rPr lang="en-US" smtClean="0"/>
-              <a:t>8/6/2020</a:t>
+              <a:t>8/10/2020</a:t>
             </a:fld>
             <a:endParaRPr lang="en-US" dirty="0"/>
           </a:p>
@@ -5004,7 +4982,7 @@
           <a:p>
             <a:fld id="{E51BA90F-EE6C-42F5-8961-2F52EE18037D}" type="datetime1">
               <a:rPr lang="en-US" smtClean="0"/>
-              <a:t>8/6/2020</a:t>
+              <a:t>8/10/2020</a:t>
             </a:fld>
             <a:endParaRPr lang="en-US" dirty="0"/>
           </a:p>
@@ -5264,7 +5242,7 @@
           <a:p>
             <a:fld id="{FB6292F5-AD2B-47F4-B460-BF55BF34C27D}" type="datetime1">
               <a:rPr lang="en-US" smtClean="0"/>
-              <a:t>8/6/2020</a:t>
+              <a:t>8/10/2020</a:t>
             </a:fld>
             <a:endParaRPr lang="en-US" dirty="0"/>
           </a:p>
@@ -5780,7 +5758,7 @@
           <a:p>
             <a:fld id="{8B88B800-945A-43B0-8EA5-8657D67FD7E1}" type="datetime1">
               <a:rPr lang="en-US" smtClean="0"/>
-              <a:t>8/6/2020</a:t>
+              <a:t>8/10/2020</a:t>
             </a:fld>
             <a:endParaRPr lang="en-US" dirty="0"/>
           </a:p>
@@ -21731,39 +21709,134 @@
           <a:lstStyle/>
           <a:p>
             <a:r>
-              <a:rPr lang="en-US" sz="1800" dirty="0">
+              <a:rPr lang="en-US" sz="1800">
+                <a:solidFill>
+                  <a:srgbClr val="00B0F0"/>
+                </a:solidFill>
+                <a:cs typeface="Arial" panose="020B0604020202020204" pitchFamily="34" charset="0"/>
                 <a:hlinkClick r:id="rId3"/>
               </a:rPr>
-              <a:t>https://developer.mozilla.org/en-US/docs/Web/javascript/Reference</a:t>
-            </a:r>
-            <a:endParaRPr lang="en-US" sz="1800" dirty="0"/>
-          </a:p>
-          <a:p>
-            <a:r>
-              <a:rPr lang="en-US" sz="1800" dirty="0">
-                <a:cs typeface="Arial" panose="020B0604020202020204" pitchFamily="34" charset="0"/>
-                <a:hlinkClick r:id="rId4"/>
-              </a:rPr>
-              <a:t>https://developer.mozilla.org/en-US/docs/Learn/JavaScript/First_steps</a:t>
-            </a:r>
-            <a:endParaRPr lang="en-US" sz="1800" dirty="0">
+              <a:t>MDN Learn: JavaScript First Steps</a:t>
+            </a:r>
+            <a:endParaRPr lang="en-US" sz="1800">
+              <a:solidFill>
+                <a:srgbClr val="00B0F0"/>
+              </a:solidFill>
               <a:cs typeface="Arial" panose="020B0604020202020204" pitchFamily="34" charset="0"/>
             </a:endParaRPr>
           </a:p>
           <a:p>
             <a:r>
-              <a:rPr lang="en-US" sz="1800" dirty="0">
-                <a:cs typeface="Arial" panose="020B0604020202020204" pitchFamily="34" charset="0"/>
+              <a:rPr lang="en-US" sz="1800">
+                <a:solidFill>
+                  <a:srgbClr val="00B0F0"/>
+                </a:solidFill>
+                <a:hlinkClick r:id="rId3"/>
+              </a:rPr>
+              <a:t>MDN Docs: JavaScript Reference</a:t>
+            </a:r>
+            <a:endParaRPr lang="en-US" sz="1800">
+              <a:solidFill>
+                <a:srgbClr val="00B0F0"/>
+              </a:solidFill>
+            </a:endParaRPr>
+          </a:p>
+          <a:p>
+            <a:r>
+              <a:rPr lang="en-US" sz="1800">
+                <a:solidFill>
+                  <a:srgbClr val="00B0F0"/>
+                </a:solidFill>
+                <a:hlinkClick r:id="rId4"/>
+              </a:rPr>
+              <a:t>MDN Docs: Falsy</a:t>
+            </a:r>
+            <a:endParaRPr lang="en-US" sz="1800">
+              <a:solidFill>
+                <a:srgbClr val="00B0F0"/>
+              </a:solidFill>
+            </a:endParaRPr>
+          </a:p>
+          <a:p>
+            <a:r>
+              <a:rPr lang="en-US" sz="1800">
+                <a:solidFill>
+                  <a:srgbClr val="00B0F0"/>
+                </a:solidFill>
                 <a:hlinkClick r:id="rId5"/>
               </a:rPr>
-              <a:t>https://www.w3schools.com/js/</a:t>
-            </a:r>
-            <a:r>
-              <a:rPr lang="en-US" sz="1800" dirty="0">
-                <a:cs typeface="Arial" panose="020B0604020202020204" pitchFamily="34" charset="0"/>
-              </a:rPr>
-              <a:t> </a:t>
-            </a:r>
+              <a:t>JavaScript Tutorial: Differences between var and let</a:t>
+            </a:r>
+            <a:endParaRPr lang="en-US" sz="1800">
+              <a:solidFill>
+                <a:srgbClr val="00B0F0"/>
+              </a:solidFill>
+              <a:hlinkClick r:id="rId6"/>
+            </a:endParaRPr>
+          </a:p>
+          <a:p>
+            <a:r>
+              <a:rPr lang="en-US" sz="1800">
+                <a:solidFill>
+                  <a:srgbClr val="00B0F0"/>
+                </a:solidFill>
+                <a:hlinkClick r:id="rId6"/>
+              </a:rPr>
+              <a:t>JavaScript Tutorial: Declaring Constants in ES6</a:t>
+            </a:r>
+            <a:endParaRPr lang="en-US" sz="1800">
+              <a:solidFill>
+                <a:srgbClr val="00B0F0"/>
+              </a:solidFill>
+            </a:endParaRPr>
+          </a:p>
+          <a:p>
+            <a:r>
+              <a:rPr lang="en-US" sz="1800">
+                <a:solidFill>
+                  <a:srgbClr val="00B0F0"/>
+                </a:solidFill>
+                <a:hlinkClick r:id="rId7"/>
+              </a:rPr>
+              <a:t>JavaScript Tutorial: Arrow Functions</a:t>
+            </a:r>
+            <a:endParaRPr lang="en-US" sz="1800">
+              <a:solidFill>
+                <a:srgbClr val="00B0F0"/>
+              </a:solidFill>
+            </a:endParaRPr>
+          </a:p>
+          <a:p>
+            <a:r>
+              <a:rPr lang="en-US" sz="1800">
+                <a:solidFill>
+                  <a:srgbClr val="00B0F0"/>
+                </a:solidFill>
+                <a:hlinkClick r:id="rId8"/>
+              </a:rPr>
+              <a:t>JavaScript Tutorial: try…catch statement</a:t>
+            </a:r>
+            <a:endParaRPr lang="en-US" sz="1800">
+              <a:solidFill>
+                <a:srgbClr val="00B0F0"/>
+              </a:solidFill>
+            </a:endParaRPr>
+          </a:p>
+          <a:p>
+            <a:r>
+              <a:rPr lang="en-US" sz="1800">
+                <a:solidFill>
+                  <a:srgbClr val="00B0F0"/>
+                </a:solidFill>
+                <a:hlinkClick r:id="rId9"/>
+              </a:rPr>
+              <a:t>Medium: Simplify your JavaAcript with map(), reduce(), and filter()</a:t>
+            </a:r>
+            <a:endParaRPr lang="en-US" sz="1800" dirty="0">
+              <a:solidFill>
+                <a:srgbClr val="00B0F0"/>
+              </a:solidFill>
+            </a:endParaRPr>
           </a:p>
         </p:txBody>
       </p:sp>
@@ -24243,6 +24316,15 @@
 </file>
 
 <file path=customXml/item1.xml><?xml version="1.0" encoding="utf-8"?>
+<?mso-contentType ?>
+<FormTemplates xmlns="http://schemas.microsoft.com/sharepoint/v3/contenttype/forms">
+  <Display>DocumentLibraryForm</Display>
+  <Edit>DocumentLibraryForm</Edit>
+  <New>DocumentLibraryForm</New>
+</FormTemplates>
+</file>
+
+<file path=customXml/item2.xml><?xml version="1.0" encoding="utf-8"?>
 <p:properties xmlns:p="http://schemas.microsoft.com/office/2006/metadata/properties" xmlns:xsi="http://www.w3.org/2001/XMLSchema-instance" xmlns:pc="http://schemas.microsoft.com/office/infopath/2007/PartnerControls">
   <documentManagement>
     <Status xmlns="71af3243-3dd4-4a8d-8c0d-dd76da1f02a5">Not started</Status>
@@ -24251,7 +24333,7 @@
 </p:properties>
 </file>
 
-<file path=customXml/item2.xml><?xml version="1.0" encoding="utf-8"?>
+<file path=customXml/item3.xml><?xml version="1.0" encoding="utf-8"?>
 <ct:contentTypeSchema xmlns:ct="http://schemas.microsoft.com/office/2006/metadata/contentType" xmlns:ma="http://schemas.microsoft.com/office/2006/metadata/properties/metaAttributes" ct:_="" ma:_="" ma:contentTypeName="Document" ma:contentTypeID="0x01010079F111ED35F8CC479449609E8A0923A6" ma:contentTypeVersion="12" ma:contentTypeDescription="Create a new document." ma:contentTypeScope="" ma:versionID="a410dd7f93c95333ffa1b60ed6adedd1">
   <xsd:schema xmlns:xsd="http://www.w3.org/2001/XMLSchema" xmlns:xs="http://www.w3.org/2001/XMLSchema" xmlns:p="http://schemas.microsoft.com/office/2006/metadata/properties" xmlns:ns2="71af3243-3dd4-4a8d-8c0d-dd76da1f02a5" xmlns:ns3="16c05727-aa75-4e4a-9b5f-8a80a1165891" targetNamespace="http://schemas.microsoft.com/office/2006/metadata/properties" ma:root="true" ma:fieldsID="a936d9baba76aa3866493feff160faab" ns2:_="" ns3:_="">
     <xsd:import namespace="71af3243-3dd4-4a8d-8c0d-dd76da1f02a5"/>
@@ -24472,16 +24554,15 @@
 </ct:contentTypeSchema>
 </file>
 
-<file path=customXml/item3.xml><?xml version="1.0" encoding="utf-8"?>
-<?mso-contentType ?>
-<FormTemplates xmlns="http://schemas.microsoft.com/sharepoint/v3/contenttype/forms">
-  <Display>DocumentLibraryForm</Display>
-  <Edit>DocumentLibraryForm</Edit>
-  <New>DocumentLibraryForm</New>
-</FormTemplates>
+<file path=customXml/itemProps1.xml><?xml version="1.0" encoding="utf-8"?>
+<ds:datastoreItem xmlns:ds="http://schemas.openxmlformats.org/officeDocument/2006/customXml" ds:itemID="{CDB58277-F8DF-46FF-84EC-EF41B835E69F}">
+  <ds:schemaRefs>
+    <ds:schemaRef ds:uri="http://schemas.microsoft.com/sharepoint/v3/contenttype/forms"/>
+  </ds:schemaRefs>
+</ds:datastoreItem>
 </file>
 
-<file path=customXml/itemProps1.xml><?xml version="1.0" encoding="utf-8"?>
+<file path=customXml/itemProps2.xml><?xml version="1.0" encoding="utf-8"?>
 <ds:datastoreItem xmlns:ds="http://schemas.openxmlformats.org/officeDocument/2006/customXml" ds:itemID="{137651BA-F45C-4845-9AB3-E0A65B39F5E1}">
   <ds:schemaRefs>
     <ds:schemaRef ds:uri="http://schemas.microsoft.com/office/2006/documentManagement/types"/>
@@ -24498,7 +24579,7 @@
 </ds:datastoreItem>
 </file>
 
-<file path=customXml/itemProps2.xml><?xml version="1.0" encoding="utf-8"?>
+<file path=customXml/itemProps3.xml><?xml version="1.0" encoding="utf-8"?>
 <ds:datastoreItem xmlns:ds="http://schemas.openxmlformats.org/officeDocument/2006/customXml" ds:itemID="{2D276E62-80A3-44DD-9BCC-97ED2B99B57F}">
   <ds:schemaRefs>
     <ds:schemaRef ds:uri="http://schemas.microsoft.com/office/2006/metadata/contentType"/>
@@ -24515,12 +24596,4 @@
     <ds:schemaRef ds:uri="http://schemas.microsoft.com/internal/obd"/>
   </ds:schemaRefs>
 </ds:datastoreItem>
-</file>
-
-<file path=customXml/itemProps3.xml><?xml version="1.0" encoding="utf-8"?>
-<ds:datastoreItem xmlns:ds="http://schemas.openxmlformats.org/officeDocument/2006/customXml" ds:itemID="{CDB58277-F8DF-46FF-84EC-EF41B835E69F}">
-  <ds:schemaRefs>
-    <ds:schemaRef ds:uri="http://schemas.microsoft.com/sharepoint/v3/contenttype/forms"/>
-  </ds:schemaRefs>
-</ds:datastoreItem>
 </file>
--- a/unit_00/html_review/04 JavaScript.pptx
+++ b/unit_00/html_review/04 JavaScript.pptx
@@ -253,7 +253,7 @@
           <a:p>
             <a:fld id="{3F839238-B565-4611-A910-43B731DECEC1}" type="datetimeFigureOut">
               <a:rPr lang="en-US" smtClean="0"/>
-              <a:t>8/10/2020</a:t>
+              <a:t>8/14/2020</a:t>
             </a:fld>
             <a:endParaRPr lang="en-US" dirty="0"/>
           </a:p>
@@ -2794,7 +2794,7 @@
           <a:p>
             <a:fld id="{E9F25E47-8026-47FD-8FD6-2C7B55A6BE4F}" type="datetime1">
               <a:rPr lang="en-US" smtClean="0"/>
-              <a:t>8/10/2020</a:t>
+              <a:t>8/14/2020</a:t>
             </a:fld>
             <a:endParaRPr lang="en-US" dirty="0"/>
           </a:p>
@@ -2996,7 +2996,7 @@
           <a:p>
             <a:fld id="{49F0A7AA-AB30-4D36-B646-A02FA5DCCA55}" type="datetime1">
               <a:rPr lang="en-US" smtClean="0"/>
-              <a:t>8/10/2020</a:t>
+              <a:t>8/14/2020</a:t>
             </a:fld>
             <a:endParaRPr lang="en-US" dirty="0"/>
           </a:p>
@@ -3595,7 +3595,7 @@
           <a:p>
             <a:fld id="{CFA4D178-B71E-4B10-AF0F-C5E0B7294A7C}" type="datetime1">
               <a:rPr lang="en-US" smtClean="0"/>
-              <a:t>8/10/2020</a:t>
+              <a:t>8/14/2020</a:t>
             </a:fld>
             <a:endParaRPr lang="en-US" dirty="0"/>
           </a:p>
@@ -3915,7 +3915,7 @@
           <a:p>
             <a:fld id="{27E6D853-85C2-4120-A6B2-2EAC4467BF8B}" type="datetime1">
               <a:rPr lang="en-US" smtClean="0"/>
-              <a:t>8/10/2020</a:t>
+              <a:t>8/14/2020</a:t>
             </a:fld>
             <a:endParaRPr lang="en-US" dirty="0"/>
           </a:p>
@@ -4352,7 +4352,7 @@
           <a:p>
             <a:fld id="{CA3AECF5-4644-4878-B4B4-3AC946C4B252}" type="datetime1">
               <a:rPr lang="en-US" smtClean="0"/>
-              <a:t>8/10/2020</a:t>
+              <a:t>8/14/2020</a:t>
             </a:fld>
             <a:endParaRPr lang="en-US" dirty="0"/>
           </a:p>
@@ -4470,7 +4470,7 @@
           <a:p>
             <a:fld id="{B8E389F8-4EAE-4B22-8731-40270585493B}" type="datetime1">
               <a:rPr lang="en-US" smtClean="0"/>
-              <a:t>8/10/2020</a:t>
+              <a:t>8/14/2020</a:t>
             </a:fld>
             <a:endParaRPr lang="en-US" dirty="0"/>
           </a:p>
@@ -4565,7 +4565,7 @@
           <a:p>
             <a:fld id="{772F4F3F-699B-4D10-AAB9-00C2579C25F8}" type="datetime1">
               <a:rPr lang="en-US" smtClean="0"/>
-              <a:t>8/10/2020</a:t>
+              <a:t>8/14/2020</a:t>
             </a:fld>
             <a:endParaRPr lang="en-US" dirty="0"/>
           </a:p>
@@ -4982,7 +4982,7 @@
           <a:p>
             <a:fld id="{E51BA90F-EE6C-42F5-8961-2F52EE18037D}" type="datetime1">
               <a:rPr lang="en-US" smtClean="0"/>
-              <a:t>8/10/2020</a:t>
+              <a:t>8/14/2020</a:t>
             </a:fld>
             <a:endParaRPr lang="en-US" dirty="0"/>
           </a:p>
@@ -5242,7 +5242,7 @@
           <a:p>
             <a:fld id="{FB6292F5-AD2B-47F4-B460-BF55BF34C27D}" type="datetime1">
               <a:rPr lang="en-US" smtClean="0"/>
-              <a:t>8/10/2020</a:t>
+              <a:t>8/14/2020</a:t>
             </a:fld>
             <a:endParaRPr lang="en-US" dirty="0"/>
           </a:p>
@@ -5758,7 +5758,7 @@
           <a:p>
             <a:fld id="{8B88B800-945A-43B0-8EA5-8657D67FD7E1}" type="datetime1">
               <a:rPr lang="en-US" smtClean="0"/>
-              <a:t>8/10/2020</a:t>
+              <a:t>8/14/2020</a:t>
             </a:fld>
             <a:endParaRPr lang="en-US" dirty="0"/>
           </a:p>
@@ -6490,7 +6490,12 @@
             <p:ph type="title"/>
           </p:nvPr>
         </p:nvSpPr>
-        <p:spPr/>
+        <p:spPr>
+          <a:xfrm>
+            <a:off x="1066800" y="177800"/>
+            <a:ext cx="10058400" cy="1371600"/>
+          </a:xfrm>
+        </p:spPr>
         <p:txBody>
           <a:bodyPr>
             <a:normAutofit/>
@@ -6543,13 +6548,13 @@
           <p:nvPr>
             <p:extLst>
               <p:ext uri="{D42A27DB-BD31-4B8C-83A1-F6EECF244321}">
-                <p14:modId xmlns:p14="http://schemas.microsoft.com/office/powerpoint/2010/main" val="2912670328"/>
+                <p14:modId xmlns:p14="http://schemas.microsoft.com/office/powerpoint/2010/main" val="3837735145"/>
               </p:ext>
             </p:extLst>
           </p:nvPr>
         </p:nvGraphicFramePr>
         <p:xfrm>
-          <a:off x="1066800" y="1915160"/>
+          <a:off x="1066800" y="1549400"/>
           <a:ext cx="9980168" cy="4119880"/>
         </p:xfrm>
         <a:graphic>
@@ -7150,6 +7155,79 @@
           </a:graphicData>
         </a:graphic>
       </p:graphicFrame>
+      <p:sp>
+        <p:nvSpPr>
+          <p:cNvPr id="4" name="TextBox 3">
+            <a:extLst>
+              <a:ext uri="{FF2B5EF4-FFF2-40B4-BE49-F238E27FC236}">
+                <a16:creationId xmlns:a16="http://schemas.microsoft.com/office/drawing/2014/main" id="{EC968143-EC4B-46D9-A039-B55E891D9B70}"/>
+              </a:ext>
+            </a:extLst>
+          </p:cNvPr>
+          <p:cNvSpPr txBox="1"/>
+          <p:nvPr/>
+        </p:nvSpPr>
+        <p:spPr>
+          <a:xfrm>
+            <a:off x="988568" y="5754469"/>
+            <a:ext cx="10058400" cy="646331"/>
+          </a:xfrm>
+          <a:prstGeom prst="rect">
+            <a:avLst/>
+          </a:prstGeom>
+          <a:noFill/>
+        </p:spPr>
+        <p:txBody>
+          <a:bodyPr wrap="square" rtlCol="0">
+            <a:spAutoFit/>
+          </a:bodyPr>
+          <a:lstStyle/>
+          <a:p>
+            <a:r>
+              <a:rPr lang="en-US" b="1">
+                <a:solidFill>
+                  <a:srgbClr val="00B0F0"/>
+                </a:solidFill>
+                <a:hlinkClick r:id="rId2">
+                  <a:extLst>
+                    <a:ext uri="{A12FA001-AC4F-418D-AE19-62706E023703}">
+                      <ahyp:hlinkClr xmlns:ahyp="http://schemas.microsoft.com/office/drawing/2018/hyperlinkcolor" val="tx"/>
+                    </a:ext>
+                  </a:extLst>
+                </a:hlinkClick>
+              </a:rPr>
+              <a:t>Article: Why you shouldn't use var anymore</a:t>
+            </a:r>
+            <a:endParaRPr lang="en-US" b="1">
+              <a:solidFill>
+                <a:srgbClr val="00B0F0"/>
+              </a:solidFill>
+            </a:endParaRPr>
+          </a:p>
+          <a:p>
+            <a:r>
+              <a:rPr lang="en-US" b="1">
+                <a:solidFill>
+                  <a:srgbClr val="00B0F0"/>
+                </a:solidFill>
+                <a:hlinkClick r:id="rId3">
+                  <a:extLst>
+                    <a:ext uri="{A12FA001-AC4F-418D-AE19-62706E023703}">
+                      <ahyp:hlinkClr xmlns:ahyp="http://schemas.microsoft.com/office/drawing/2018/hyperlinkcolor" val="tx"/>
+                    </a:ext>
+                  </a:extLst>
+                </a:hlinkClick>
+              </a:rPr>
+              <a:t>Article: var, let, and const - What's the difference?</a:t>
+            </a:r>
+            <a:endParaRPr lang="en-US" b="1">
+              <a:solidFill>
+                <a:srgbClr val="00B0F0"/>
+              </a:solidFill>
+            </a:endParaRPr>
+          </a:p>
+        </p:txBody>
+      </p:sp>
     </p:spTree>
     <p:extLst>
       <p:ext uri="{BB962C8B-B14F-4D97-AF65-F5344CB8AC3E}">
@@ -24316,24 +24394,6 @@
 </file>
 
 <file path=customXml/item1.xml><?xml version="1.0" encoding="utf-8"?>
-<?mso-contentType ?>
-<FormTemplates xmlns="http://schemas.microsoft.com/sharepoint/v3/contenttype/forms">
-  <Display>DocumentLibraryForm</Display>
-  <Edit>DocumentLibraryForm</Edit>
-  <New>DocumentLibraryForm</New>
-</FormTemplates>
-</file>
-
-<file path=customXml/item2.xml><?xml version="1.0" encoding="utf-8"?>
-<p:properties xmlns:p="http://schemas.microsoft.com/office/2006/metadata/properties" xmlns:xsi="http://www.w3.org/2001/XMLSchema-instance" xmlns:pc="http://schemas.microsoft.com/office/infopath/2007/PartnerControls">
-  <documentManagement>
-    <Status xmlns="71af3243-3dd4-4a8d-8c0d-dd76da1f02a5">Not started</Status>
-    <MediaServiceKeyPoints xmlns="71af3243-3dd4-4a8d-8c0d-dd76da1f02a5" xsi:nil="true"/>
-  </documentManagement>
-</p:properties>
-</file>
-
-<file path=customXml/item3.xml><?xml version="1.0" encoding="utf-8"?>
 <ct:contentTypeSchema xmlns:ct="http://schemas.microsoft.com/office/2006/metadata/contentType" xmlns:ma="http://schemas.microsoft.com/office/2006/metadata/properties/metaAttributes" ct:_="" ma:_="" ma:contentTypeName="Document" ma:contentTypeID="0x01010079F111ED35F8CC479449609E8A0923A6" ma:contentTypeVersion="12" ma:contentTypeDescription="Create a new document." ma:contentTypeScope="" ma:versionID="a410dd7f93c95333ffa1b60ed6adedd1">
   <xsd:schema xmlns:xsd="http://www.w3.org/2001/XMLSchema" xmlns:xs="http://www.w3.org/2001/XMLSchema" xmlns:p="http://schemas.microsoft.com/office/2006/metadata/properties" xmlns:ns2="71af3243-3dd4-4a8d-8c0d-dd76da1f02a5" xmlns:ns3="16c05727-aa75-4e4a-9b5f-8a80a1165891" targetNamespace="http://schemas.microsoft.com/office/2006/metadata/properties" ma:root="true" ma:fieldsID="a936d9baba76aa3866493feff160faab" ns2:_="" ns3:_="">
     <xsd:import namespace="71af3243-3dd4-4a8d-8c0d-dd76da1f02a5"/>
@@ -24554,32 +24614,25 @@
 </ct:contentTypeSchema>
 </file>
 
-<file path=customXml/itemProps1.xml><?xml version="1.0" encoding="utf-8"?>
-<ds:datastoreItem xmlns:ds="http://schemas.openxmlformats.org/officeDocument/2006/customXml" ds:itemID="{CDB58277-F8DF-46FF-84EC-EF41B835E69F}">
-  <ds:schemaRefs>
-    <ds:schemaRef ds:uri="http://schemas.microsoft.com/sharepoint/v3/contenttype/forms"/>
-  </ds:schemaRefs>
-</ds:datastoreItem>
+<file path=customXml/item2.xml><?xml version="1.0" encoding="utf-8"?>
+<?mso-contentType ?>
+<FormTemplates xmlns="http://schemas.microsoft.com/sharepoint/v3/contenttype/forms">
+  <Display>DocumentLibraryForm</Display>
+  <Edit>DocumentLibraryForm</Edit>
+  <New>DocumentLibraryForm</New>
+</FormTemplates>
 </file>
 
-<file path=customXml/itemProps2.xml><?xml version="1.0" encoding="utf-8"?>
-<ds:datastoreItem xmlns:ds="http://schemas.openxmlformats.org/officeDocument/2006/customXml" ds:itemID="{137651BA-F45C-4845-9AB3-E0A65B39F5E1}">
-  <ds:schemaRefs>
-    <ds:schemaRef ds:uri="http://schemas.microsoft.com/office/2006/documentManagement/types"/>
-    <ds:schemaRef ds:uri="http://schemas.microsoft.com/office/infopath/2007/PartnerControls"/>
-    <ds:schemaRef ds:uri="http://purl.org/dc/elements/1.1/"/>
-    <ds:schemaRef ds:uri="71af3243-3dd4-4a8d-8c0d-dd76da1f02a5"/>
-    <ds:schemaRef ds:uri="http://schemas.microsoft.com/office/2006/metadata/properties"/>
-    <ds:schemaRef ds:uri="16c05727-aa75-4e4a-9b5f-8a80a1165891"/>
-    <ds:schemaRef ds:uri="http://purl.org/dc/terms/"/>
-    <ds:schemaRef ds:uri="http://schemas.openxmlformats.org/package/2006/metadata/core-properties"/>
-    <ds:schemaRef ds:uri="http://www.w3.org/XML/1998/namespace"/>
-    <ds:schemaRef ds:uri="http://purl.org/dc/dcmitype/"/>
-  </ds:schemaRefs>
-</ds:datastoreItem>
+<file path=customXml/item3.xml><?xml version="1.0" encoding="utf-8"?>
+<p:properties xmlns:p="http://schemas.microsoft.com/office/2006/metadata/properties" xmlns:xsi="http://www.w3.org/2001/XMLSchema-instance" xmlns:pc="http://schemas.microsoft.com/office/infopath/2007/PartnerControls">
+  <documentManagement>
+    <Status xmlns="71af3243-3dd4-4a8d-8c0d-dd76da1f02a5">Not started</Status>
+    <MediaServiceKeyPoints xmlns="71af3243-3dd4-4a8d-8c0d-dd76da1f02a5" xsi:nil="true"/>
+  </documentManagement>
+</p:properties>
 </file>
 
-<file path=customXml/itemProps3.xml><?xml version="1.0" encoding="utf-8"?>
+<file path=customXml/itemProps1.xml><?xml version="1.0" encoding="utf-8"?>
 <ds:datastoreItem xmlns:ds="http://schemas.openxmlformats.org/officeDocument/2006/customXml" ds:itemID="{2D276E62-80A3-44DD-9BCC-97ED2B99B57F}">
   <ds:schemaRefs>
     <ds:schemaRef ds:uri="http://schemas.microsoft.com/office/2006/metadata/contentType"/>
@@ -24596,4 +24649,29 @@
     <ds:schemaRef ds:uri="http://schemas.microsoft.com/internal/obd"/>
   </ds:schemaRefs>
 </ds:datastoreItem>
+</file>
+
+<file path=customXml/itemProps2.xml><?xml version="1.0" encoding="utf-8"?>
+<ds:datastoreItem xmlns:ds="http://schemas.openxmlformats.org/officeDocument/2006/customXml" ds:itemID="{CDB58277-F8DF-46FF-84EC-EF41B835E69F}">
+  <ds:schemaRefs>
+    <ds:schemaRef ds:uri="http://schemas.microsoft.com/sharepoint/v3/contenttype/forms"/>
+  </ds:schemaRefs>
+</ds:datastoreItem>
+</file>
+
+<file path=customXml/itemProps3.xml><?xml version="1.0" encoding="utf-8"?>
+<ds:datastoreItem xmlns:ds="http://schemas.openxmlformats.org/officeDocument/2006/customXml" ds:itemID="{137651BA-F45C-4845-9AB3-E0A65B39F5E1}">
+  <ds:schemaRefs>
+    <ds:schemaRef ds:uri="http://schemas.microsoft.com/office/2006/documentManagement/types"/>
+    <ds:schemaRef ds:uri="http://schemas.microsoft.com/office/infopath/2007/PartnerControls"/>
+    <ds:schemaRef ds:uri="http://purl.org/dc/elements/1.1/"/>
+    <ds:schemaRef ds:uri="71af3243-3dd4-4a8d-8c0d-dd76da1f02a5"/>
+    <ds:schemaRef ds:uri="http://schemas.microsoft.com/office/2006/metadata/properties"/>
+    <ds:schemaRef ds:uri="16c05727-aa75-4e4a-9b5f-8a80a1165891"/>
+    <ds:schemaRef ds:uri="http://purl.org/dc/terms/"/>
+    <ds:schemaRef ds:uri="http://schemas.openxmlformats.org/package/2006/metadata/core-properties"/>
+    <ds:schemaRef ds:uri="http://www.w3.org/XML/1998/namespace"/>
+    <ds:schemaRef ds:uri="http://purl.org/dc/dcmitype/"/>
+  </ds:schemaRefs>
+</ds:datastoreItem>
 </file>
--- a/unit_00/html_review/04 JavaScript.pptx
+++ b/unit_00/html_review/04 JavaScript.pptx
@@ -253,7 +253,7 @@
           <a:p>
             <a:fld id="{3F839238-B565-4611-A910-43B731DECEC1}" type="datetimeFigureOut">
               <a:rPr lang="en-US" smtClean="0"/>
-              <a:t>8/14/2020</a:t>
+              <a:t>8/20/2020</a:t>
             </a:fld>
             <a:endParaRPr lang="en-US" dirty="0"/>
           </a:p>
@@ -2794,7 +2794,7 @@
           <a:p>
             <a:fld id="{E9F25E47-8026-47FD-8FD6-2C7B55A6BE4F}" type="datetime1">
               <a:rPr lang="en-US" smtClean="0"/>
-              <a:t>8/14/2020</a:t>
+              <a:t>8/20/2020</a:t>
             </a:fld>
             <a:endParaRPr lang="en-US" dirty="0"/>
           </a:p>
@@ -2996,7 +2996,7 @@
           <a:p>
             <a:fld id="{49F0A7AA-AB30-4D36-B646-A02FA5DCCA55}" type="datetime1">
               <a:rPr lang="en-US" smtClean="0"/>
-              <a:t>8/14/2020</a:t>
+              <a:t>8/20/2020</a:t>
             </a:fld>
             <a:endParaRPr lang="en-US" dirty="0"/>
           </a:p>
@@ -3595,7 +3595,7 @@
           <a:p>
             <a:fld id="{CFA4D178-B71E-4B10-AF0F-C5E0B7294A7C}" type="datetime1">
               <a:rPr lang="en-US" smtClean="0"/>
-              <a:t>8/14/2020</a:t>
+              <a:t>8/20/2020</a:t>
             </a:fld>
             <a:endParaRPr lang="en-US" dirty="0"/>
           </a:p>
@@ -3915,7 +3915,7 @@
           <a:p>
             <a:fld id="{27E6D853-85C2-4120-A6B2-2EAC4467BF8B}" type="datetime1">
               <a:rPr lang="en-US" smtClean="0"/>
-              <a:t>8/14/2020</a:t>
+              <a:t>8/20/2020</a:t>
             </a:fld>
             <a:endParaRPr lang="en-US" dirty="0"/>
           </a:p>
@@ -4352,7 +4352,7 @@
           <a:p>
             <a:fld id="{CA3AECF5-4644-4878-B4B4-3AC946C4B252}" type="datetime1">
               <a:rPr lang="en-US" smtClean="0"/>
-              <a:t>8/14/2020</a:t>
+              <a:t>8/20/2020</a:t>
             </a:fld>
             <a:endParaRPr lang="en-US" dirty="0"/>
           </a:p>
@@ -4470,7 +4470,7 @@
           <a:p>
             <a:fld id="{B8E389F8-4EAE-4B22-8731-40270585493B}" type="datetime1">
               <a:rPr lang="en-US" smtClean="0"/>
-              <a:t>8/14/2020</a:t>
+              <a:t>8/20/2020</a:t>
             </a:fld>
             <a:endParaRPr lang="en-US" dirty="0"/>
           </a:p>
@@ -4565,7 +4565,7 @@
           <a:p>
             <a:fld id="{772F4F3F-699B-4D10-AAB9-00C2579C25F8}" type="datetime1">
               <a:rPr lang="en-US" smtClean="0"/>
-              <a:t>8/14/2020</a:t>
+              <a:t>8/20/2020</a:t>
             </a:fld>
             <a:endParaRPr lang="en-US" dirty="0"/>
           </a:p>
@@ -4982,7 +4982,7 @@
           <a:p>
             <a:fld id="{E51BA90F-EE6C-42F5-8961-2F52EE18037D}" type="datetime1">
               <a:rPr lang="en-US" smtClean="0"/>
-              <a:t>8/14/2020</a:t>
+              <a:t>8/20/2020</a:t>
             </a:fld>
             <a:endParaRPr lang="en-US" dirty="0"/>
           </a:p>
@@ -5242,7 +5242,7 @@
           <a:p>
             <a:fld id="{FB6292F5-AD2B-47F4-B460-BF55BF34C27D}" type="datetime1">
               <a:rPr lang="en-US" smtClean="0"/>
-              <a:t>8/14/2020</a:t>
+              <a:t>8/20/2020</a:t>
             </a:fld>
             <a:endParaRPr lang="en-US" dirty="0"/>
           </a:p>
@@ -5758,7 +5758,7 @@
           <a:p>
             <a:fld id="{8B88B800-945A-43B0-8EA5-8657D67FD7E1}" type="datetime1">
               <a:rPr lang="en-US" smtClean="0"/>
-              <a:t>8/14/2020</a:t>
+              <a:t>8/20/2020</a:t>
             </a:fld>
             <a:endParaRPr lang="en-US" dirty="0"/>
           </a:p>
@@ -6260,7 +6260,7 @@
         </p:blipFill>
         <p:spPr>
           <a:xfrm>
-            <a:off x="83995" y="41998"/>
+            <a:off x="20" y="10"/>
             <a:ext cx="12191980" cy="6857990"/>
           </a:xfrm>
           <a:prstGeom prst="rect">
@@ -6392,7 +6392,7 @@
               </a:rPr>
               <a:t>JavaScript</a:t>
             </a:r>
-            <a:endParaRPr lang="en-US" sz="4400" cap="none" dirty="0">
+            <a:endParaRPr lang="en-US" sz="4400" b="1" cap="none" dirty="0">
               <a:solidFill>
                 <a:schemeClr val="tx1"/>
               </a:solidFill>
